--- a/Poster_Figures.pptx
+++ b/Poster_Figures.pptx
@@ -421,6 +421,926 @@
     </pc:docChg>
   </pc:docChgLst>
   <pc:docChgLst>
+    <pc:chgData name="Bühler Pascal Simon (buehlpa1)" userId="b6cfa9bb-2a97-450f-9e52-6528276f5df9" providerId="ADAL" clId="{EFA2CFF2-1712-4F39-8126-F4C3F0834359}"/>
+    <pc:docChg chg="undo custSel modSld">
+      <pc:chgData name="Bühler Pascal Simon (buehlpa1)" userId="b6cfa9bb-2a97-450f-9e52-6528276f5df9" providerId="ADAL" clId="{EFA2CFF2-1712-4F39-8126-F4C3F0834359}" dt="2021-10-29T15:20:22.171" v="3204" actId="20577"/>
+      <pc:docMkLst>
+        <pc:docMk/>
+      </pc:docMkLst>
+      <pc:sldChg chg="addSp delSp modSp mod">
+        <pc:chgData name="Bühler Pascal Simon (buehlpa1)" userId="b6cfa9bb-2a97-450f-9e52-6528276f5df9" providerId="ADAL" clId="{EFA2CFF2-1712-4F39-8126-F4C3F0834359}" dt="2021-10-29T15:20:22.171" v="3204" actId="20577"/>
+        <pc:sldMkLst>
+          <pc:docMk/>
+          <pc:sldMk cId="1307332463" sldId="256"/>
+        </pc:sldMkLst>
+        <pc:spChg chg="del">
+          <ac:chgData name="Bühler Pascal Simon (buehlpa1)" userId="b6cfa9bb-2a97-450f-9e52-6528276f5df9" providerId="ADAL" clId="{EFA2CFF2-1712-4F39-8126-F4C3F0834359}" dt="2021-10-29T13:01:10.900" v="496" actId="478"/>
+          <ac:spMkLst>
+            <pc:docMk/>
+            <pc:sldMk cId="1307332463" sldId="256"/>
+            <ac:spMk id="2" creationId="{3E92745D-8672-48EE-85EA-A85A77B949B8}"/>
+          </ac:spMkLst>
+        </pc:spChg>
+        <pc:spChg chg="add del mod">
+          <ac:chgData name="Bühler Pascal Simon (buehlpa1)" userId="b6cfa9bb-2a97-450f-9e52-6528276f5df9" providerId="ADAL" clId="{EFA2CFF2-1712-4F39-8126-F4C3F0834359}" dt="2021-10-29T14:34:06.240" v="2101" actId="478"/>
+          <ac:spMkLst>
+            <pc:docMk/>
+            <pc:sldMk cId="1307332463" sldId="256"/>
+            <ac:spMk id="2" creationId="{AEB76C97-0CBD-4566-B28C-422F14D66772}"/>
+          </ac:spMkLst>
+        </pc:spChg>
+        <pc:spChg chg="mod">
+          <ac:chgData name="Bühler Pascal Simon (buehlpa1)" userId="b6cfa9bb-2a97-450f-9e52-6528276f5df9" providerId="ADAL" clId="{EFA2CFF2-1712-4F39-8126-F4C3F0834359}" dt="2021-10-29T14:50:21.769" v="2332" actId="1076"/>
+          <ac:spMkLst>
+            <pc:docMk/>
+            <pc:sldMk cId="1307332463" sldId="256"/>
+            <ac:spMk id="4" creationId="{6A0ED38B-AD53-4E17-B247-721EE518970D}"/>
+          </ac:spMkLst>
+        </pc:spChg>
+        <pc:spChg chg="mod">
+          <ac:chgData name="Bühler Pascal Simon (buehlpa1)" userId="b6cfa9bb-2a97-450f-9e52-6528276f5df9" providerId="ADAL" clId="{EFA2CFF2-1712-4F39-8126-F4C3F0834359}" dt="2021-10-29T14:54:20.642" v="2754" actId="1076"/>
+          <ac:spMkLst>
+            <pc:docMk/>
+            <pc:sldMk cId="1307332463" sldId="256"/>
+            <ac:spMk id="9" creationId="{A0F557DA-F9A1-428C-B002-A210C3B26C26}"/>
+          </ac:spMkLst>
+        </pc:spChg>
+        <pc:spChg chg="mod">
+          <ac:chgData name="Bühler Pascal Simon (buehlpa1)" userId="b6cfa9bb-2a97-450f-9e52-6528276f5df9" providerId="ADAL" clId="{EFA2CFF2-1712-4F39-8126-F4C3F0834359}" dt="2021-10-29T14:46:38.586" v="2301" actId="1076"/>
+          <ac:spMkLst>
+            <pc:docMk/>
+            <pc:sldMk cId="1307332463" sldId="256"/>
+            <ac:spMk id="11" creationId="{EF77BDA8-050E-492E-8401-ECCC840B457E}"/>
+          </ac:spMkLst>
+        </pc:spChg>
+        <pc:spChg chg="del mod">
+          <ac:chgData name="Bühler Pascal Simon (buehlpa1)" userId="b6cfa9bb-2a97-450f-9e52-6528276f5df9" providerId="ADAL" clId="{EFA2CFF2-1712-4F39-8126-F4C3F0834359}" dt="2021-10-29T14:34:10.527" v="2102" actId="478"/>
+          <ac:spMkLst>
+            <pc:docMk/>
+            <pc:sldMk cId="1307332463" sldId="256"/>
+            <ac:spMk id="12" creationId="{ABF2204F-BB7C-489A-BB42-1EE82A0E996A}"/>
+          </ac:spMkLst>
+        </pc:spChg>
+        <pc:spChg chg="add del mod">
+          <ac:chgData name="Bühler Pascal Simon (buehlpa1)" userId="b6cfa9bb-2a97-450f-9e52-6528276f5df9" providerId="ADAL" clId="{EFA2CFF2-1712-4F39-8126-F4C3F0834359}" dt="2021-10-29T13:37:42.910" v="666" actId="478"/>
+          <ac:spMkLst>
+            <pc:docMk/>
+            <pc:sldMk cId="1307332463" sldId="256"/>
+            <ac:spMk id="14" creationId="{E6067D46-810A-4FEE-9253-4CA67429A975}"/>
+          </ac:spMkLst>
+        </pc:spChg>
+        <pc:spChg chg="add del">
+          <ac:chgData name="Bühler Pascal Simon (buehlpa1)" userId="b6cfa9bb-2a97-450f-9e52-6528276f5df9" providerId="ADAL" clId="{EFA2CFF2-1712-4F39-8126-F4C3F0834359}" dt="2021-10-29T13:32:25.436" v="612" actId="22"/>
+          <ac:spMkLst>
+            <pc:docMk/>
+            <pc:sldMk cId="1307332463" sldId="256"/>
+            <ac:spMk id="17" creationId="{7F3ECC74-8478-4C58-B92D-5423FC5892EF}"/>
+          </ac:spMkLst>
+        </pc:spChg>
+        <pc:spChg chg="add del mod">
+          <ac:chgData name="Bühler Pascal Simon (buehlpa1)" userId="b6cfa9bb-2a97-450f-9e52-6528276f5df9" providerId="ADAL" clId="{EFA2CFF2-1712-4F39-8126-F4C3F0834359}" dt="2021-10-29T09:54:45.392" v="426" actId="478"/>
+          <ac:spMkLst>
+            <pc:docMk/>
+            <pc:sldMk cId="1307332463" sldId="256"/>
+            <ac:spMk id="19" creationId="{9DC459CE-AB99-41FF-A27A-A6E773530484}"/>
+          </ac:spMkLst>
+        </pc:spChg>
+        <pc:spChg chg="add del mod">
+          <ac:chgData name="Bühler Pascal Simon (buehlpa1)" userId="b6cfa9bb-2a97-450f-9e52-6528276f5df9" providerId="ADAL" clId="{EFA2CFF2-1712-4F39-8126-F4C3F0834359}" dt="2021-10-29T14:19:22.793" v="1751" actId="478"/>
+          <ac:spMkLst>
+            <pc:docMk/>
+            <pc:sldMk cId="1307332463" sldId="256"/>
+            <ac:spMk id="20" creationId="{57906B83-63FD-4676-B2A2-A214F6C15317}"/>
+          </ac:spMkLst>
+        </pc:spChg>
+        <pc:spChg chg="add del mod">
+          <ac:chgData name="Bühler Pascal Simon (buehlpa1)" userId="b6cfa9bb-2a97-450f-9e52-6528276f5df9" providerId="ADAL" clId="{EFA2CFF2-1712-4F39-8126-F4C3F0834359}" dt="2021-10-29T09:51:43.109" v="386" actId="478"/>
+          <ac:spMkLst>
+            <pc:docMk/>
+            <pc:sldMk cId="1307332463" sldId="256"/>
+            <ac:spMk id="24" creationId="{D4CE5F11-DB20-4DC9-A77E-17961FCA6F95}"/>
+          </ac:spMkLst>
+        </pc:spChg>
+        <pc:spChg chg="add mod">
+          <ac:chgData name="Bühler Pascal Simon (buehlpa1)" userId="b6cfa9bb-2a97-450f-9e52-6528276f5df9" providerId="ADAL" clId="{EFA2CFF2-1712-4F39-8126-F4C3F0834359}" dt="2021-10-29T14:35:53.318" v="2117" actId="20577"/>
+          <ac:spMkLst>
+            <pc:docMk/>
+            <pc:sldMk cId="1307332463" sldId="256"/>
+            <ac:spMk id="26" creationId="{56D38899-5DFD-4ED4-9689-9DBB02AAFEA7}"/>
+          </ac:spMkLst>
+        </pc:spChg>
+        <pc:spChg chg="add del mod">
+          <ac:chgData name="Bühler Pascal Simon (buehlpa1)" userId="b6cfa9bb-2a97-450f-9e52-6528276f5df9" providerId="ADAL" clId="{EFA2CFF2-1712-4F39-8126-F4C3F0834359}" dt="2021-10-29T09:54:24.008" v="421" actId="478"/>
+          <ac:spMkLst>
+            <pc:docMk/>
+            <pc:sldMk cId="1307332463" sldId="256"/>
+            <ac:spMk id="26" creationId="{99F88E74-F4F5-4192-A039-426C2BED1921}"/>
+          </ac:spMkLst>
+        </pc:spChg>
+        <pc:spChg chg="add del mod">
+          <ac:chgData name="Bühler Pascal Simon (buehlpa1)" userId="b6cfa9bb-2a97-450f-9e52-6528276f5df9" providerId="ADAL" clId="{EFA2CFF2-1712-4F39-8126-F4C3F0834359}" dt="2021-10-29T14:26:07.091" v="1826"/>
+          <ac:spMkLst>
+            <pc:docMk/>
+            <pc:sldMk cId="1307332463" sldId="256"/>
+            <ac:spMk id="32" creationId="{17A25E7D-8747-4179-ABF0-BE844328CDA9}"/>
+          </ac:spMkLst>
+        </pc:spChg>
+        <pc:spChg chg="del mod">
+          <ac:chgData name="Bühler Pascal Simon (buehlpa1)" userId="b6cfa9bb-2a97-450f-9e52-6528276f5df9" providerId="ADAL" clId="{EFA2CFF2-1712-4F39-8126-F4C3F0834359}" dt="2021-10-29T11:45:29.876" v="465" actId="478"/>
+          <ac:spMkLst>
+            <pc:docMk/>
+            <pc:sldMk cId="1307332463" sldId="256"/>
+            <ac:spMk id="33" creationId="{E228A746-5C0F-4418-9E06-012CEEFE053E}"/>
+          </ac:spMkLst>
+        </pc:spChg>
+        <pc:spChg chg="add mod">
+          <ac:chgData name="Bühler Pascal Simon (buehlpa1)" userId="b6cfa9bb-2a97-450f-9e52-6528276f5df9" providerId="ADAL" clId="{EFA2CFF2-1712-4F39-8126-F4C3F0834359}" dt="2021-10-29T15:09:49.569" v="3152" actId="1076"/>
+          <ac:spMkLst>
+            <pc:docMk/>
+            <pc:sldMk cId="1307332463" sldId="256"/>
+            <ac:spMk id="36" creationId="{35F7DE7E-6A95-4133-B9B0-6D66999DEBD5}"/>
+          </ac:spMkLst>
+        </pc:spChg>
+        <pc:spChg chg="add del mod">
+          <ac:chgData name="Bühler Pascal Simon (buehlpa1)" userId="b6cfa9bb-2a97-450f-9e52-6528276f5df9" providerId="ADAL" clId="{EFA2CFF2-1712-4F39-8126-F4C3F0834359}" dt="2021-10-29T14:50:22.389" v="2334"/>
+          <ac:spMkLst>
+            <pc:docMk/>
+            <pc:sldMk cId="1307332463" sldId="256"/>
+            <ac:spMk id="47" creationId="{179A05AA-7BEE-4F0F-871D-203C67F5C6BD}"/>
+          </ac:spMkLst>
+        </pc:spChg>
+        <pc:spChg chg="add mod">
+          <ac:chgData name="Bühler Pascal Simon (buehlpa1)" userId="b6cfa9bb-2a97-450f-9e52-6528276f5df9" providerId="ADAL" clId="{EFA2CFF2-1712-4F39-8126-F4C3F0834359}" dt="2021-10-29T15:04:49.634" v="3110" actId="1076"/>
+          <ac:spMkLst>
+            <pc:docMk/>
+            <pc:sldMk cId="1307332463" sldId="256"/>
+            <ac:spMk id="48" creationId="{FF2C0740-9DC0-4322-B478-0687C3A39A80}"/>
+          </ac:spMkLst>
+        </pc:spChg>
+        <pc:spChg chg="add mod">
+          <ac:chgData name="Bühler Pascal Simon (buehlpa1)" userId="b6cfa9bb-2a97-450f-9e52-6528276f5df9" providerId="ADAL" clId="{EFA2CFF2-1712-4F39-8126-F4C3F0834359}" dt="2021-10-29T14:55:38.704" v="2777" actId="1076"/>
+          <ac:spMkLst>
+            <pc:docMk/>
+            <pc:sldMk cId="1307332463" sldId="256"/>
+            <ac:spMk id="49" creationId="{EACA95D5-9A82-4716-B9B4-8B2CE2F7D99A}"/>
+          </ac:spMkLst>
+        </pc:spChg>
+        <pc:spChg chg="add mod">
+          <ac:chgData name="Bühler Pascal Simon (buehlpa1)" userId="b6cfa9bb-2a97-450f-9e52-6528276f5df9" providerId="ADAL" clId="{EFA2CFF2-1712-4F39-8126-F4C3F0834359}" dt="2021-10-29T15:20:22.171" v="3204" actId="20577"/>
+          <ac:spMkLst>
+            <pc:docMk/>
+            <pc:sldMk cId="1307332463" sldId="256"/>
+            <ac:spMk id="50" creationId="{6434D65E-8F9E-4255-A15C-C1D01F4F6A81}"/>
+          </ac:spMkLst>
+        </pc:spChg>
+        <pc:grpChg chg="add mod">
+          <ac:chgData name="Bühler Pascal Simon (buehlpa1)" userId="b6cfa9bb-2a97-450f-9e52-6528276f5df9" providerId="ADAL" clId="{EFA2CFF2-1712-4F39-8126-F4C3F0834359}" dt="2021-10-29T14:49:57.700" v="2325" actId="1076"/>
+          <ac:grpSpMkLst>
+            <pc:docMk/>
+            <pc:sldMk cId="1307332463" sldId="256"/>
+            <ac:grpSpMk id="29" creationId="{0BE7F55A-7788-4FF7-B3D1-3CF4E4B3AE4F}"/>
+          </ac:grpSpMkLst>
+        </pc:grpChg>
+        <pc:grpChg chg="add mod">
+          <ac:chgData name="Bühler Pascal Simon (buehlpa1)" userId="b6cfa9bb-2a97-450f-9e52-6528276f5df9" providerId="ADAL" clId="{EFA2CFF2-1712-4F39-8126-F4C3F0834359}" dt="2021-10-29T13:42:26.908" v="705" actId="164"/>
+          <ac:grpSpMkLst>
+            <pc:docMk/>
+            <pc:sldMk cId="1307332463" sldId="256"/>
+            <ac:grpSpMk id="35" creationId="{16EDE18A-02A7-44D8-A20A-3C509941202A}"/>
+          </ac:grpSpMkLst>
+        </pc:grpChg>
+        <pc:grpChg chg="add mod">
+          <ac:chgData name="Bühler Pascal Simon (buehlpa1)" userId="b6cfa9bb-2a97-450f-9e52-6528276f5df9" providerId="ADAL" clId="{EFA2CFF2-1712-4F39-8126-F4C3F0834359}" dt="2021-10-29T13:42:19.486" v="704" actId="571"/>
+          <ac:grpSpMkLst>
+            <pc:docMk/>
+            <pc:sldMk cId="1307332463" sldId="256"/>
+            <ac:grpSpMk id="37" creationId="{2A41A2F8-BCAC-41FF-A508-9EAA85A346C1}"/>
+          </ac:grpSpMkLst>
+        </pc:grpChg>
+        <pc:grpChg chg="add mod">
+          <ac:chgData name="Bühler Pascal Simon (buehlpa1)" userId="b6cfa9bb-2a97-450f-9e52-6528276f5df9" providerId="ADAL" clId="{EFA2CFF2-1712-4F39-8126-F4C3F0834359}" dt="2021-10-29T13:42:18.808" v="703" actId="571"/>
+          <ac:grpSpMkLst>
+            <pc:docMk/>
+            <pc:sldMk cId="1307332463" sldId="256"/>
+            <ac:grpSpMk id="47" creationId="{A0931E6E-1528-49C1-89F5-A6D6A6E64037}"/>
+          </ac:grpSpMkLst>
+        </pc:grpChg>
+        <pc:grpChg chg="add mod">
+          <ac:chgData name="Bühler Pascal Simon (buehlpa1)" userId="b6cfa9bb-2a97-450f-9e52-6528276f5df9" providerId="ADAL" clId="{EFA2CFF2-1712-4F39-8126-F4C3F0834359}" dt="2021-10-29T13:42:17.277" v="702" actId="571"/>
+          <ac:grpSpMkLst>
+            <pc:docMk/>
+            <pc:sldMk cId="1307332463" sldId="256"/>
+            <ac:grpSpMk id="57" creationId="{291A1B65-9427-425A-A8F3-2169BEDD6B03}"/>
+          </ac:grpSpMkLst>
+        </pc:grpChg>
+        <pc:grpChg chg="add mod">
+          <ac:chgData name="Bühler Pascal Simon (buehlpa1)" userId="b6cfa9bb-2a97-450f-9e52-6528276f5df9" providerId="ADAL" clId="{EFA2CFF2-1712-4F39-8126-F4C3F0834359}" dt="2021-10-29T13:42:42.718" v="707" actId="164"/>
+          <ac:grpSpMkLst>
+            <pc:docMk/>
+            <pc:sldMk cId="1307332463" sldId="256"/>
+            <ac:grpSpMk id="66" creationId="{8E14BD34-B7ED-4012-8C9B-D365B46CE077}"/>
+          </ac:grpSpMkLst>
+        </pc:grpChg>
+        <pc:grpChg chg="add mod">
+          <ac:chgData name="Bühler Pascal Simon (buehlpa1)" userId="b6cfa9bb-2a97-450f-9e52-6528276f5df9" providerId="ADAL" clId="{EFA2CFF2-1712-4F39-8126-F4C3F0834359}" dt="2021-10-29T14:32:50.220" v="2100" actId="164"/>
+          <ac:grpSpMkLst>
+            <pc:docMk/>
+            <pc:sldMk cId="1307332463" sldId="256"/>
+            <ac:grpSpMk id="67" creationId="{20F87120-754A-4CE6-A5B5-4C0F310EF9FB}"/>
+          </ac:grpSpMkLst>
+        </pc:grpChg>
+        <pc:picChg chg="add mod">
+          <ac:chgData name="Bühler Pascal Simon (buehlpa1)" userId="b6cfa9bb-2a97-450f-9e52-6528276f5df9" providerId="ADAL" clId="{EFA2CFF2-1712-4F39-8126-F4C3F0834359}" dt="2021-10-29T13:41:58.388" v="697" actId="164"/>
+          <ac:picMkLst>
+            <pc:docMk/>
+            <pc:sldMk cId="1307332463" sldId="256"/>
+            <ac:picMk id="3" creationId="{FC7CF9F5-DF8E-491D-8E20-365055A718F3}"/>
+          </ac:picMkLst>
+        </pc:picChg>
+        <pc:picChg chg="add del mod ord">
+          <ac:chgData name="Bühler Pascal Simon (buehlpa1)" userId="b6cfa9bb-2a97-450f-9e52-6528276f5df9" providerId="ADAL" clId="{EFA2CFF2-1712-4F39-8126-F4C3F0834359}" dt="2021-10-29T12:54:31.549" v="492" actId="478"/>
+          <ac:picMkLst>
+            <pc:docMk/>
+            <pc:sldMk cId="1307332463" sldId="256"/>
+            <ac:picMk id="5" creationId="{734A0BCB-40BA-4189-BE2E-E75B99D31EF0}"/>
+          </ac:picMkLst>
+        </pc:picChg>
+        <pc:picChg chg="add del mod">
+          <ac:chgData name="Bühler Pascal Simon (buehlpa1)" userId="b6cfa9bb-2a97-450f-9e52-6528276f5df9" providerId="ADAL" clId="{EFA2CFF2-1712-4F39-8126-F4C3F0834359}" dt="2021-10-28T18:44:14.911" v="22" actId="478"/>
+          <ac:picMkLst>
+            <pc:docMk/>
+            <pc:sldMk cId="1307332463" sldId="256"/>
+            <ac:picMk id="5" creationId="{96CAB9CC-C072-4FBF-9E67-A41B96E0E13E}"/>
+          </ac:picMkLst>
+        </pc:picChg>
+        <pc:picChg chg="add del mod">
+          <ac:chgData name="Bühler Pascal Simon (buehlpa1)" userId="b6cfa9bb-2a97-450f-9e52-6528276f5df9" providerId="ADAL" clId="{EFA2CFF2-1712-4F39-8126-F4C3F0834359}" dt="2021-10-29T09:52:18.040" v="398" actId="478"/>
+          <ac:picMkLst>
+            <pc:docMk/>
+            <pc:sldMk cId="1307332463" sldId="256"/>
+            <ac:picMk id="5" creationId="{A9C25DBC-E6E8-46B7-BA91-88345D68E5C9}"/>
+          </ac:picMkLst>
+        </pc:picChg>
+        <pc:picChg chg="mod">
+          <ac:chgData name="Bühler Pascal Simon (buehlpa1)" userId="b6cfa9bb-2a97-450f-9e52-6528276f5df9" providerId="ADAL" clId="{EFA2CFF2-1712-4F39-8126-F4C3F0834359}" dt="2021-10-20T10:16:52.772" v="2" actId="1076"/>
+          <ac:picMkLst>
+            <pc:docMk/>
+            <pc:sldMk cId="1307332463" sldId="256"/>
+            <ac:picMk id="6" creationId="{4C2C70B2-DAC2-43AD-BD9A-E2B6E3193677}"/>
+          </ac:picMkLst>
+        </pc:picChg>
+        <pc:picChg chg="add mod">
+          <ac:chgData name="Bühler Pascal Simon (buehlpa1)" userId="b6cfa9bb-2a97-450f-9e52-6528276f5df9" providerId="ADAL" clId="{EFA2CFF2-1712-4F39-8126-F4C3F0834359}" dt="2021-10-29T13:53:23.301" v="991" actId="1076"/>
+          <ac:picMkLst>
+            <pc:docMk/>
+            <pc:sldMk cId="1307332463" sldId="256"/>
+            <ac:picMk id="6" creationId="{D759D8F0-6618-4C6F-8518-DB93E6980790}"/>
+          </ac:picMkLst>
+        </pc:picChg>
+        <pc:picChg chg="mod">
+          <ac:chgData name="Bühler Pascal Simon (buehlpa1)" userId="b6cfa9bb-2a97-450f-9e52-6528276f5df9" providerId="ADAL" clId="{EFA2CFF2-1712-4F39-8126-F4C3F0834359}" dt="2021-10-29T14:38:00.063" v="2131" actId="1076"/>
+          <ac:picMkLst>
+            <pc:docMk/>
+            <pc:sldMk cId="1307332463" sldId="256"/>
+            <ac:picMk id="7" creationId="{918116AA-2EEF-415E-9A77-C271E2DD0FD1}"/>
+          </ac:picMkLst>
+        </pc:picChg>
+        <pc:picChg chg="mod">
+          <ac:chgData name="Bühler Pascal Simon (buehlpa1)" userId="b6cfa9bb-2a97-450f-9e52-6528276f5df9" providerId="ADAL" clId="{EFA2CFF2-1712-4F39-8126-F4C3F0834359}" dt="2021-10-29T14:38:02.349" v="2132" actId="1076"/>
+          <ac:picMkLst>
+            <pc:docMk/>
+            <pc:sldMk cId="1307332463" sldId="256"/>
+            <ac:picMk id="8" creationId="{28F20AE7-6C13-462C-95A8-227CBDE8F220}"/>
+          </ac:picMkLst>
+        </pc:picChg>
+        <pc:picChg chg="add del mod">
+          <ac:chgData name="Bühler Pascal Simon (buehlpa1)" userId="b6cfa9bb-2a97-450f-9e52-6528276f5df9" providerId="ADAL" clId="{EFA2CFF2-1712-4F39-8126-F4C3F0834359}" dt="2021-10-28T19:53:28.563" v="38" actId="478"/>
+          <ac:picMkLst>
+            <pc:docMk/>
+            <pc:sldMk cId="1307332463" sldId="256"/>
+            <ac:picMk id="10" creationId="{038B73DD-579A-41E3-9BE9-C44C9E02FDDC}"/>
+          </ac:picMkLst>
+        </pc:picChg>
+        <pc:picChg chg="add del mod">
+          <ac:chgData name="Bühler Pascal Simon (buehlpa1)" userId="b6cfa9bb-2a97-450f-9e52-6528276f5df9" providerId="ADAL" clId="{EFA2CFF2-1712-4F39-8126-F4C3F0834359}" dt="2021-10-29T09:52:18.040" v="398" actId="478"/>
+          <ac:picMkLst>
+            <pc:docMk/>
+            <pc:sldMk cId="1307332463" sldId="256"/>
+            <ac:picMk id="10" creationId="{59E226FD-F2CC-4B8A-BE57-8926DC361C33}"/>
+          </ac:picMkLst>
+        </pc:picChg>
+        <pc:picChg chg="add del mod">
+          <ac:chgData name="Bühler Pascal Simon (buehlpa1)" userId="b6cfa9bb-2a97-450f-9e52-6528276f5df9" providerId="ADAL" clId="{EFA2CFF2-1712-4F39-8126-F4C3F0834359}" dt="2021-10-29T13:01:11.619" v="497" actId="478"/>
+          <ac:picMkLst>
+            <pc:docMk/>
+            <pc:sldMk cId="1307332463" sldId="256"/>
+            <ac:picMk id="10" creationId="{896F52C9-74C9-4538-9C57-9925C2615DC3}"/>
+          </ac:picMkLst>
+        </pc:picChg>
+        <pc:picChg chg="add del mod">
+          <ac:chgData name="Bühler Pascal Simon (buehlpa1)" userId="b6cfa9bb-2a97-450f-9e52-6528276f5df9" providerId="ADAL" clId="{EFA2CFF2-1712-4F39-8126-F4C3F0834359}" dt="2021-10-29T14:24:48.168" v="1809" actId="478"/>
+          <ac:picMkLst>
+            <pc:docMk/>
+            <pc:sldMk cId="1307332463" sldId="256"/>
+            <ac:picMk id="10" creationId="{9A30D26F-F532-4E84-903E-8A7A22396645}"/>
+          </ac:picMkLst>
+        </pc:picChg>
+        <pc:picChg chg="mod">
+          <ac:chgData name="Bühler Pascal Simon (buehlpa1)" userId="b6cfa9bb-2a97-450f-9e52-6528276f5df9" providerId="ADAL" clId="{EFA2CFF2-1712-4F39-8126-F4C3F0834359}" dt="2021-10-20T10:17:16.539" v="5" actId="1076"/>
+          <ac:picMkLst>
+            <pc:docMk/>
+            <pc:sldMk cId="1307332463" sldId="256"/>
+            <ac:picMk id="10" creationId="{D164798D-F9A2-4157-B66A-756BB6F60DE1}"/>
+          </ac:picMkLst>
+        </pc:picChg>
+        <pc:picChg chg="del">
+          <ac:chgData name="Bühler Pascal Simon (buehlpa1)" userId="b6cfa9bb-2a97-450f-9e52-6528276f5df9" providerId="ADAL" clId="{EFA2CFF2-1712-4F39-8126-F4C3F0834359}" dt="2021-10-29T09:51:47.074" v="390" actId="478"/>
+          <ac:picMkLst>
+            <pc:docMk/>
+            <pc:sldMk cId="1307332463" sldId="256"/>
+            <ac:picMk id="13" creationId="{162D1974-345F-4F7B-A835-3F8494154CE9}"/>
+          </ac:picMkLst>
+        </pc:picChg>
+        <pc:picChg chg="add del mod">
+          <ac:chgData name="Bühler Pascal Simon (buehlpa1)" userId="b6cfa9bb-2a97-450f-9e52-6528276f5df9" providerId="ADAL" clId="{EFA2CFF2-1712-4F39-8126-F4C3F0834359}" dt="2021-10-29T13:35:25.230" v="626" actId="478"/>
+          <ac:picMkLst>
+            <pc:docMk/>
+            <pc:sldMk cId="1307332463" sldId="256"/>
+            <ac:picMk id="13" creationId="{68AF1549-1D26-427D-9BAE-752A5F7E0EEA}"/>
+          </ac:picMkLst>
+        </pc:picChg>
+        <pc:picChg chg="mod">
+          <ac:chgData name="Bühler Pascal Simon (buehlpa1)" userId="b6cfa9bb-2a97-450f-9e52-6528276f5df9" providerId="ADAL" clId="{EFA2CFF2-1712-4F39-8126-F4C3F0834359}" dt="2021-10-20T10:17:55.314" v="7" actId="1076"/>
+          <ac:picMkLst>
+            <pc:docMk/>
+            <pc:sldMk cId="1307332463" sldId="256"/>
+            <ac:picMk id="14" creationId="{7A955B9C-6384-4BC0-A1E1-94559C3F83EF}"/>
+          </ac:picMkLst>
+        </pc:picChg>
+        <pc:picChg chg="add del mod">
+          <ac:chgData name="Bühler Pascal Simon (buehlpa1)" userId="b6cfa9bb-2a97-450f-9e52-6528276f5df9" providerId="ADAL" clId="{EFA2CFF2-1712-4F39-8126-F4C3F0834359}" dt="2021-10-29T14:25:11.940" v="1816" actId="478"/>
+          <ac:picMkLst>
+            <pc:docMk/>
+            <pc:sldMk cId="1307332463" sldId="256"/>
+            <ac:picMk id="14" creationId="{A658948F-5EAD-4AAB-BD33-25A07B2CFB9C}"/>
+          </ac:picMkLst>
+        </pc:picChg>
+        <pc:picChg chg="add del mod">
+          <ac:chgData name="Bühler Pascal Simon (buehlpa1)" userId="b6cfa9bb-2a97-450f-9e52-6528276f5df9" providerId="ADAL" clId="{EFA2CFF2-1712-4F39-8126-F4C3F0834359}" dt="2021-10-29T13:02:28.008" v="511" actId="478"/>
+          <ac:picMkLst>
+            <pc:docMk/>
+            <pc:sldMk cId="1307332463" sldId="256"/>
+            <ac:picMk id="14" creationId="{ABB2C4B0-45B9-4D21-AEBE-43B4AF11469A}"/>
+          </ac:picMkLst>
+        </pc:picChg>
+        <pc:picChg chg="add del mod">
+          <ac:chgData name="Bühler Pascal Simon (buehlpa1)" userId="b6cfa9bb-2a97-450f-9e52-6528276f5df9" providerId="ADAL" clId="{EFA2CFF2-1712-4F39-8126-F4C3F0834359}" dt="2021-10-29T09:51:42.488" v="385" actId="478"/>
+          <ac:picMkLst>
+            <pc:docMk/>
+            <pc:sldMk cId="1307332463" sldId="256"/>
+            <ac:picMk id="15" creationId="{998CC498-E49F-4779-828C-21E00C095960}"/>
+          </ac:picMkLst>
+        </pc:picChg>
+        <pc:picChg chg="add del mod">
+          <ac:chgData name="Bühler Pascal Simon (buehlpa1)" userId="b6cfa9bb-2a97-450f-9e52-6528276f5df9" providerId="ADAL" clId="{EFA2CFF2-1712-4F39-8126-F4C3F0834359}" dt="2021-10-29T09:52:18.040" v="398" actId="478"/>
+          <ac:picMkLst>
+            <pc:docMk/>
+            <pc:sldMk cId="1307332463" sldId="256"/>
+            <ac:picMk id="16" creationId="{6481F81D-E3F9-4434-81B5-628DE840EA7A}"/>
+          </ac:picMkLst>
+        </pc:picChg>
+        <pc:picChg chg="add mod ord">
+          <ac:chgData name="Bühler Pascal Simon (buehlpa1)" userId="b6cfa9bb-2a97-450f-9e52-6528276f5df9" providerId="ADAL" clId="{EFA2CFF2-1712-4F39-8126-F4C3F0834359}" dt="2021-10-29T13:53:27.067" v="998" actId="1076"/>
+          <ac:picMkLst>
+            <pc:docMk/>
+            <pc:sldMk cId="1307332463" sldId="256"/>
+            <ac:picMk id="16" creationId="{C1CBD80D-A976-4BDC-97D8-7434F462E118}"/>
+          </ac:picMkLst>
+        </pc:picChg>
+        <pc:picChg chg="add del mod">
+          <ac:chgData name="Bühler Pascal Simon (buehlpa1)" userId="b6cfa9bb-2a97-450f-9e52-6528276f5df9" providerId="ADAL" clId="{EFA2CFF2-1712-4F39-8126-F4C3F0834359}" dt="2021-10-29T09:51:41.836" v="384" actId="478"/>
+          <ac:picMkLst>
+            <pc:docMk/>
+            <pc:sldMk cId="1307332463" sldId="256"/>
+            <ac:picMk id="17" creationId="{02449878-C539-4480-9D99-C674897FA9B0}"/>
+          </ac:picMkLst>
+        </pc:picChg>
+        <pc:picChg chg="add mod">
+          <ac:chgData name="Bühler Pascal Simon (buehlpa1)" userId="b6cfa9bb-2a97-450f-9e52-6528276f5df9" providerId="ADAL" clId="{EFA2CFF2-1712-4F39-8126-F4C3F0834359}" dt="2021-10-29T14:32:50.220" v="2100" actId="164"/>
+          <ac:picMkLst>
+            <pc:docMk/>
+            <pc:sldMk cId="1307332463" sldId="256"/>
+            <ac:picMk id="17" creationId="{4DE0532A-6E43-4ECC-AD91-81750753266F}"/>
+          </ac:picMkLst>
+        </pc:picChg>
+        <pc:picChg chg="del mod">
+          <ac:chgData name="Bühler Pascal Simon (buehlpa1)" userId="b6cfa9bb-2a97-450f-9e52-6528276f5df9" providerId="ADAL" clId="{EFA2CFF2-1712-4F39-8126-F4C3F0834359}" dt="2021-10-29T09:51:44.509" v="388" actId="478"/>
+          <ac:picMkLst>
+            <pc:docMk/>
+            <pc:sldMk cId="1307332463" sldId="256"/>
+            <ac:picMk id="18" creationId="{55E76520-638E-4238-BEC9-ADB450FEE7A1}"/>
+          </ac:picMkLst>
+        </pc:picChg>
+        <pc:picChg chg="add mod">
+          <ac:chgData name="Bühler Pascal Simon (buehlpa1)" userId="b6cfa9bb-2a97-450f-9e52-6528276f5df9" providerId="ADAL" clId="{EFA2CFF2-1712-4F39-8126-F4C3F0834359}" dt="2021-10-29T13:42:26.908" v="705" actId="164"/>
+          <ac:picMkLst>
+            <pc:docMk/>
+            <pc:sldMk cId="1307332463" sldId="256"/>
+            <ac:picMk id="19" creationId="{A3A76BA7-0E41-4A45-AEDB-B665D24383AC}"/>
+          </ac:picMkLst>
+        </pc:picChg>
+        <pc:picChg chg="del mod">
+          <ac:chgData name="Bühler Pascal Simon (buehlpa1)" userId="b6cfa9bb-2a97-450f-9e52-6528276f5df9" providerId="ADAL" clId="{EFA2CFF2-1712-4F39-8126-F4C3F0834359}" dt="2021-10-29T09:51:47.961" v="391" actId="478"/>
+          <ac:picMkLst>
+            <pc:docMk/>
+            <pc:sldMk cId="1307332463" sldId="256"/>
+            <ac:picMk id="21" creationId="{46695541-0474-4EC8-B9D5-FF4BF0C6F714}"/>
+          </ac:picMkLst>
+        </pc:picChg>
+        <pc:picChg chg="add del mod">
+          <ac:chgData name="Bühler Pascal Simon (buehlpa1)" userId="b6cfa9bb-2a97-450f-9e52-6528276f5df9" providerId="ADAL" clId="{EFA2CFF2-1712-4F39-8126-F4C3F0834359}" dt="2021-10-29T09:52:18.040" v="398" actId="478"/>
+          <ac:picMkLst>
+            <pc:docMk/>
+            <pc:sldMk cId="1307332463" sldId="256"/>
+            <ac:picMk id="22" creationId="{6AE69ABE-C8C8-4ACE-8B2C-07EDC2D456EB}"/>
+          </ac:picMkLst>
+        </pc:picChg>
+        <pc:picChg chg="del mod">
+          <ac:chgData name="Bühler Pascal Simon (buehlpa1)" userId="b6cfa9bb-2a97-450f-9e52-6528276f5df9" providerId="ADAL" clId="{EFA2CFF2-1712-4F39-8126-F4C3F0834359}" dt="2021-10-28T18:46:58.513" v="29" actId="478"/>
+          <ac:picMkLst>
+            <pc:docMk/>
+            <pc:sldMk cId="1307332463" sldId="256"/>
+            <ac:picMk id="25" creationId="{1A1938D6-64EA-47D5-9C70-88296E6CA264}"/>
+          </ac:picMkLst>
+        </pc:picChg>
+        <pc:picChg chg="add del mod">
+          <ac:chgData name="Bühler Pascal Simon (buehlpa1)" userId="b6cfa9bb-2a97-450f-9e52-6528276f5df9" providerId="ADAL" clId="{EFA2CFF2-1712-4F39-8126-F4C3F0834359}" dt="2021-10-29T09:52:18.040" v="398" actId="478"/>
+          <ac:picMkLst>
+            <pc:docMk/>
+            <pc:sldMk cId="1307332463" sldId="256"/>
+            <ac:picMk id="25" creationId="{56EF1140-307E-4ACF-AA3F-CE6FD345B0DE}"/>
+          </ac:picMkLst>
+        </pc:picChg>
+        <pc:picChg chg="del mod">
+          <ac:chgData name="Bühler Pascal Simon (buehlpa1)" userId="b6cfa9bb-2a97-450f-9e52-6528276f5df9" providerId="ADAL" clId="{EFA2CFF2-1712-4F39-8126-F4C3F0834359}" dt="2021-10-29T09:51:46.247" v="389" actId="478"/>
+          <ac:picMkLst>
+            <pc:docMk/>
+            <pc:sldMk cId="1307332463" sldId="256"/>
+            <ac:picMk id="27" creationId="{AC0165D0-75CE-4246-BF85-5CF634980473}"/>
+          </ac:picMkLst>
+        </pc:picChg>
+        <pc:picChg chg="add del mod">
+          <ac:chgData name="Bühler Pascal Simon (buehlpa1)" userId="b6cfa9bb-2a97-450f-9e52-6528276f5df9" providerId="ADAL" clId="{EFA2CFF2-1712-4F39-8126-F4C3F0834359}" dt="2021-10-29T09:52:18.040" v="398" actId="478"/>
+          <ac:picMkLst>
+            <pc:docMk/>
+            <pc:sldMk cId="1307332463" sldId="256"/>
+            <ac:picMk id="29" creationId="{2B2A2878-1616-4420-8052-117F971B76CB}"/>
+          </ac:picMkLst>
+        </pc:picChg>
+        <pc:picChg chg="add del mod">
+          <ac:chgData name="Bühler Pascal Simon (buehlpa1)" userId="b6cfa9bb-2a97-450f-9e52-6528276f5df9" providerId="ADAL" clId="{EFA2CFF2-1712-4F39-8126-F4C3F0834359}" dt="2021-10-29T09:52:18.040" v="398" actId="478"/>
+          <ac:picMkLst>
+            <pc:docMk/>
+            <pc:sldMk cId="1307332463" sldId="256"/>
+            <ac:picMk id="31" creationId="{F00D36DC-34A2-4BEF-A536-E780F709A95C}"/>
+          </ac:picMkLst>
+        </pc:picChg>
+        <pc:picChg chg="add del mod">
+          <ac:chgData name="Bühler Pascal Simon (buehlpa1)" userId="b6cfa9bb-2a97-450f-9e52-6528276f5df9" providerId="ADAL" clId="{EFA2CFF2-1712-4F39-8126-F4C3F0834359}" dt="2021-10-29T09:52:18.040" v="398" actId="478"/>
+          <ac:picMkLst>
+            <pc:docMk/>
+            <pc:sldMk cId="1307332463" sldId="256"/>
+            <ac:picMk id="34" creationId="{468DD6FB-7D8E-4A15-A079-976CB0BBB68A}"/>
+          </ac:picMkLst>
+        </pc:picChg>
+        <pc:picChg chg="add del mod">
+          <ac:chgData name="Bühler Pascal Simon (buehlpa1)" userId="b6cfa9bb-2a97-450f-9e52-6528276f5df9" providerId="ADAL" clId="{EFA2CFF2-1712-4F39-8126-F4C3F0834359}" dt="2021-10-29T09:52:18.040" v="398" actId="478"/>
+          <ac:picMkLst>
+            <pc:docMk/>
+            <pc:sldMk cId="1307332463" sldId="256"/>
+            <ac:picMk id="36" creationId="{1F2095A5-B7AB-4FF4-91C3-D7966FA5E632}"/>
+          </ac:picMkLst>
+        </pc:picChg>
+        <pc:picChg chg="add mod">
+          <ac:chgData name="Bühler Pascal Simon (buehlpa1)" userId="b6cfa9bb-2a97-450f-9e52-6528276f5df9" providerId="ADAL" clId="{EFA2CFF2-1712-4F39-8126-F4C3F0834359}" dt="2021-10-29T13:42:19.486" v="704" actId="571"/>
+          <ac:picMkLst>
+            <pc:docMk/>
+            <pc:sldMk cId="1307332463" sldId="256"/>
+            <ac:picMk id="36" creationId="{4DDC1995-C28B-4DE2-85C8-6CD23A899FEC}"/>
+          </ac:picMkLst>
+        </pc:picChg>
+        <pc:picChg chg="add del mod">
+          <ac:chgData name="Bühler Pascal Simon (buehlpa1)" userId="b6cfa9bb-2a97-450f-9e52-6528276f5df9" providerId="ADAL" clId="{EFA2CFF2-1712-4F39-8126-F4C3F0834359}" dt="2021-10-29T14:37:20.765" v="2126" actId="478"/>
+          <ac:picMkLst>
+            <pc:docMk/>
+            <pc:sldMk cId="1307332463" sldId="256"/>
+            <ac:picMk id="37" creationId="{A432E802-77E7-455C-B9D3-76D9597E6FDA}"/>
+          </ac:picMkLst>
+        </pc:picChg>
+        <pc:picChg chg="mod">
+          <ac:chgData name="Bühler Pascal Simon (buehlpa1)" userId="b6cfa9bb-2a97-450f-9e52-6528276f5df9" providerId="ADAL" clId="{EFA2CFF2-1712-4F39-8126-F4C3F0834359}" dt="2021-10-29T13:42:19.486" v="704" actId="571"/>
+          <ac:picMkLst>
+            <pc:docMk/>
+            <pc:sldMk cId="1307332463" sldId="256"/>
+            <ac:picMk id="38" creationId="{C18A3336-6582-413F-A345-898D82D8F184}"/>
+          </ac:picMkLst>
+        </pc:picChg>
+        <pc:picChg chg="add del mod">
+          <ac:chgData name="Bühler Pascal Simon (buehlpa1)" userId="b6cfa9bb-2a97-450f-9e52-6528276f5df9" providerId="ADAL" clId="{EFA2CFF2-1712-4F39-8126-F4C3F0834359}" dt="2021-10-29T09:52:18.040" v="398" actId="478"/>
+          <ac:picMkLst>
+            <pc:docMk/>
+            <pc:sldMk cId="1307332463" sldId="256"/>
+            <ac:picMk id="38" creationId="{E01910D4-26D4-4FDC-8663-A0284A255EEA}"/>
+          </ac:picMkLst>
+        </pc:picChg>
+        <pc:picChg chg="mod">
+          <ac:chgData name="Bühler Pascal Simon (buehlpa1)" userId="b6cfa9bb-2a97-450f-9e52-6528276f5df9" providerId="ADAL" clId="{EFA2CFF2-1712-4F39-8126-F4C3F0834359}" dt="2021-10-29T13:42:19.486" v="704" actId="571"/>
+          <ac:picMkLst>
+            <pc:docMk/>
+            <pc:sldMk cId="1307332463" sldId="256"/>
+            <ac:picMk id="39" creationId="{7F95B3EA-707B-4709-8185-FD3EFA541A1C}"/>
+          </ac:picMkLst>
+        </pc:picChg>
+        <pc:picChg chg="add del mod">
+          <ac:chgData name="Bühler Pascal Simon (buehlpa1)" userId="b6cfa9bb-2a97-450f-9e52-6528276f5df9" providerId="ADAL" clId="{EFA2CFF2-1712-4F39-8126-F4C3F0834359}" dt="2021-10-29T14:37:16.874" v="2125" actId="478"/>
+          <ac:picMkLst>
+            <pc:docMk/>
+            <pc:sldMk cId="1307332463" sldId="256"/>
+            <ac:picMk id="39" creationId="{B21B49CF-6FD9-4027-86CE-1F39390166C6}"/>
+          </ac:picMkLst>
+        </pc:picChg>
+        <pc:picChg chg="add del mod">
+          <ac:chgData name="Bühler Pascal Simon (buehlpa1)" userId="b6cfa9bb-2a97-450f-9e52-6528276f5df9" providerId="ADAL" clId="{EFA2CFF2-1712-4F39-8126-F4C3F0834359}" dt="2021-10-29T09:53:24.337" v="408" actId="478"/>
+          <ac:picMkLst>
+            <pc:docMk/>
+            <pc:sldMk cId="1307332463" sldId="256"/>
+            <ac:picMk id="40" creationId="{1FD68A70-A7EE-41E2-8C35-0DBC70661236}"/>
+          </ac:picMkLst>
+        </pc:picChg>
+        <pc:picChg chg="add mod">
+          <ac:chgData name="Bühler Pascal Simon (buehlpa1)" userId="b6cfa9bb-2a97-450f-9e52-6528276f5df9" providerId="ADAL" clId="{EFA2CFF2-1712-4F39-8126-F4C3F0834359}" dt="2021-10-29T15:10:52.496" v="3155" actId="1076"/>
+          <ac:picMkLst>
+            <pc:docMk/>
+            <pc:sldMk cId="1307332463" sldId="256"/>
+            <ac:picMk id="41" creationId="{770A95F8-590D-4B8B-A4D2-A6AE9BF3D594}"/>
+          </ac:picMkLst>
+        </pc:picChg>
+        <pc:picChg chg="add del mod">
+          <ac:chgData name="Bühler Pascal Simon (buehlpa1)" userId="b6cfa9bb-2a97-450f-9e52-6528276f5df9" providerId="ADAL" clId="{EFA2CFF2-1712-4F39-8126-F4C3F0834359}" dt="2021-10-29T09:53:23.518" v="407" actId="478"/>
+          <ac:picMkLst>
+            <pc:docMk/>
+            <pc:sldMk cId="1307332463" sldId="256"/>
+            <ac:picMk id="42" creationId="{A1B25706-CB44-46C5-8372-D9C30738B3C6}"/>
+          </ac:picMkLst>
+        </pc:picChg>
+        <pc:picChg chg="add mod">
+          <ac:chgData name="Bühler Pascal Simon (buehlpa1)" userId="b6cfa9bb-2a97-450f-9e52-6528276f5df9" providerId="ADAL" clId="{EFA2CFF2-1712-4F39-8126-F4C3F0834359}" dt="2021-10-29T15:20:10.591" v="3201" actId="1076"/>
+          <ac:picMkLst>
+            <pc:docMk/>
+            <pc:sldMk cId="1307332463" sldId="256"/>
+            <ac:picMk id="43" creationId="{CC544CBA-C64A-45D8-809D-260008AEC304}"/>
+          </ac:picMkLst>
+        </pc:picChg>
+        <pc:picChg chg="add del mod">
+          <ac:chgData name="Bühler Pascal Simon (buehlpa1)" userId="b6cfa9bb-2a97-450f-9e52-6528276f5df9" providerId="ADAL" clId="{EFA2CFF2-1712-4F39-8126-F4C3F0834359}" dt="2021-10-29T09:53:33.448" v="411" actId="478"/>
+          <ac:picMkLst>
+            <pc:docMk/>
+            <pc:sldMk cId="1307332463" sldId="256"/>
+            <ac:picMk id="44" creationId="{67CA94AC-2309-4878-8A07-89CE113B554D}"/>
+          </ac:picMkLst>
+        </pc:picChg>
+        <pc:picChg chg="add mod ord">
+          <ac:chgData name="Bühler Pascal Simon (buehlpa1)" userId="b6cfa9bb-2a97-450f-9e52-6528276f5df9" providerId="ADAL" clId="{EFA2CFF2-1712-4F39-8126-F4C3F0834359}" dt="2021-10-29T15:20:13.882" v="3202" actId="1076"/>
+          <ac:picMkLst>
+            <pc:docMk/>
+            <pc:sldMk cId="1307332463" sldId="256"/>
+            <ac:picMk id="45" creationId="{92B31783-948D-4A2E-8A26-E76D9266E9D5}"/>
+          </ac:picMkLst>
+        </pc:picChg>
+        <pc:picChg chg="add del mod">
+          <ac:chgData name="Bühler Pascal Simon (buehlpa1)" userId="b6cfa9bb-2a97-450f-9e52-6528276f5df9" providerId="ADAL" clId="{EFA2CFF2-1712-4F39-8126-F4C3F0834359}" dt="2021-10-29T09:53:45.008" v="414" actId="478"/>
+          <ac:picMkLst>
+            <pc:docMk/>
+            <pc:sldMk cId="1307332463" sldId="256"/>
+            <ac:picMk id="46" creationId="{14FF5F6A-767B-4DD4-8ED8-C0068FA563F9}"/>
+          </ac:picMkLst>
+        </pc:picChg>
+        <pc:picChg chg="add mod">
+          <ac:chgData name="Bühler Pascal Simon (buehlpa1)" userId="b6cfa9bb-2a97-450f-9e52-6528276f5df9" providerId="ADAL" clId="{EFA2CFF2-1712-4F39-8126-F4C3F0834359}" dt="2021-10-29T13:42:18.808" v="703" actId="571"/>
+          <ac:picMkLst>
+            <pc:docMk/>
+            <pc:sldMk cId="1307332463" sldId="256"/>
+            <ac:picMk id="46" creationId="{709689E2-7AAF-48F2-B918-00756B7D27EA}"/>
+          </ac:picMkLst>
+        </pc:picChg>
+        <pc:picChg chg="add del mod">
+          <ac:chgData name="Bühler Pascal Simon (buehlpa1)" userId="b6cfa9bb-2a97-450f-9e52-6528276f5df9" providerId="ADAL" clId="{EFA2CFF2-1712-4F39-8126-F4C3F0834359}" dt="2021-10-29T11:07:53.648" v="427" actId="478"/>
+          <ac:picMkLst>
+            <pc:docMk/>
+            <pc:sldMk cId="1307332463" sldId="256"/>
+            <ac:picMk id="48" creationId="{53071329-4CA9-4D61-B32C-4043598C3615}"/>
+          </ac:picMkLst>
+        </pc:picChg>
+        <pc:picChg chg="mod">
+          <ac:chgData name="Bühler Pascal Simon (buehlpa1)" userId="b6cfa9bb-2a97-450f-9e52-6528276f5df9" providerId="ADAL" clId="{EFA2CFF2-1712-4F39-8126-F4C3F0834359}" dt="2021-10-29T13:42:18.808" v="703" actId="571"/>
+          <ac:picMkLst>
+            <pc:docMk/>
+            <pc:sldMk cId="1307332463" sldId="256"/>
+            <ac:picMk id="48" creationId="{8EBB135D-C211-41F9-AAD7-4DC42CE76307}"/>
+          </ac:picMkLst>
+        </pc:picChg>
+        <pc:picChg chg="mod">
+          <ac:chgData name="Bühler Pascal Simon (buehlpa1)" userId="b6cfa9bb-2a97-450f-9e52-6528276f5df9" providerId="ADAL" clId="{EFA2CFF2-1712-4F39-8126-F4C3F0834359}" dt="2021-10-29T13:42:18.808" v="703" actId="571"/>
+          <ac:picMkLst>
+            <pc:docMk/>
+            <pc:sldMk cId="1307332463" sldId="256"/>
+            <ac:picMk id="49" creationId="{44D3B960-8681-4EAD-BD15-71130FEBFFB3}"/>
+          </ac:picMkLst>
+        </pc:picChg>
+        <pc:picChg chg="add del mod">
+          <ac:chgData name="Bühler Pascal Simon (buehlpa1)" userId="b6cfa9bb-2a97-450f-9e52-6528276f5df9" providerId="ADAL" clId="{EFA2CFF2-1712-4F39-8126-F4C3F0834359}" dt="2021-10-29T13:03:25.201" v="532" actId="478"/>
+          <ac:picMkLst>
+            <pc:docMk/>
+            <pc:sldMk cId="1307332463" sldId="256"/>
+            <ac:picMk id="50" creationId="{0B4B54A1-9CC5-4C21-AC99-A3B9B1B701A0}"/>
+          </ac:picMkLst>
+        </pc:picChg>
+        <pc:picChg chg="add del mod">
+          <ac:chgData name="Bühler Pascal Simon (buehlpa1)" userId="b6cfa9bb-2a97-450f-9e52-6528276f5df9" providerId="ADAL" clId="{EFA2CFF2-1712-4F39-8126-F4C3F0834359}" dt="2021-10-29T13:03:24.254" v="531" actId="478"/>
+          <ac:picMkLst>
+            <pc:docMk/>
+            <pc:sldMk cId="1307332463" sldId="256"/>
+            <ac:picMk id="52" creationId="{5B49DB16-9389-48D9-9EFD-32D0E0518220}"/>
+          </ac:picMkLst>
+        </pc:picChg>
+        <pc:picChg chg="add del mod">
+          <ac:chgData name="Bühler Pascal Simon (buehlpa1)" userId="b6cfa9bb-2a97-450f-9e52-6528276f5df9" providerId="ADAL" clId="{EFA2CFF2-1712-4F39-8126-F4C3F0834359}" dt="2021-10-29T11:09:57.055" v="456" actId="478"/>
+          <ac:picMkLst>
+            <pc:docMk/>
+            <pc:sldMk cId="1307332463" sldId="256"/>
+            <ac:picMk id="54" creationId="{341655D5-D8F5-4310-8A4A-63E350BCE946}"/>
+          </ac:picMkLst>
+        </pc:picChg>
+        <pc:picChg chg="add mod">
+          <ac:chgData name="Bühler Pascal Simon (buehlpa1)" userId="b6cfa9bb-2a97-450f-9e52-6528276f5df9" providerId="ADAL" clId="{EFA2CFF2-1712-4F39-8126-F4C3F0834359}" dt="2021-10-29T13:42:17.277" v="702" actId="571"/>
+          <ac:picMkLst>
+            <pc:docMk/>
+            <pc:sldMk cId="1307332463" sldId="256"/>
+            <ac:picMk id="56" creationId="{4FE4CA14-17BD-4A51-86F9-B79555B55405}"/>
+          </ac:picMkLst>
+        </pc:picChg>
+        <pc:picChg chg="mod">
+          <ac:chgData name="Bühler Pascal Simon (buehlpa1)" userId="b6cfa9bb-2a97-450f-9e52-6528276f5df9" providerId="ADAL" clId="{EFA2CFF2-1712-4F39-8126-F4C3F0834359}" dt="2021-10-29T13:42:17.277" v="702" actId="571"/>
+          <ac:picMkLst>
+            <pc:docMk/>
+            <pc:sldMk cId="1307332463" sldId="256"/>
+            <ac:picMk id="58" creationId="{F7A94D30-C073-47B5-B5FE-C36F54ED4A25}"/>
+          </ac:picMkLst>
+        </pc:picChg>
+        <pc:picChg chg="mod">
+          <ac:chgData name="Bühler Pascal Simon (buehlpa1)" userId="b6cfa9bb-2a97-450f-9e52-6528276f5df9" providerId="ADAL" clId="{EFA2CFF2-1712-4F39-8126-F4C3F0834359}" dt="2021-10-29T13:42:17.277" v="702" actId="571"/>
+          <ac:picMkLst>
+            <pc:docMk/>
+            <pc:sldMk cId="1307332463" sldId="256"/>
+            <ac:picMk id="59" creationId="{99EC459A-157B-4E7C-B191-557C438F0E96}"/>
+          </ac:picMkLst>
+        </pc:picChg>
+        <pc:picChg chg="add del mod">
+          <ac:chgData name="Bühler Pascal Simon (buehlpa1)" userId="b6cfa9bb-2a97-450f-9e52-6528276f5df9" providerId="ADAL" clId="{EFA2CFF2-1712-4F39-8126-F4C3F0834359}" dt="2021-10-29T14:20:53.538" v="1768" actId="478"/>
+          <ac:picMkLst>
+            <pc:docMk/>
+            <pc:sldMk cId="1307332463" sldId="256"/>
+            <ac:picMk id="69" creationId="{C6536EB3-817B-4BA5-B1A8-5D29A10CA2C9}"/>
+          </ac:picMkLst>
+        </pc:picChg>
+        <pc:cxnChg chg="add mod">
+          <ac:chgData name="Bühler Pascal Simon (buehlpa1)" userId="b6cfa9bb-2a97-450f-9e52-6528276f5df9" providerId="ADAL" clId="{EFA2CFF2-1712-4F39-8126-F4C3F0834359}" dt="2021-10-29T13:41:58.388" v="697" actId="164"/>
+          <ac:cxnSpMkLst>
+            <pc:docMk/>
+            <pc:sldMk cId="1307332463" sldId="256"/>
+            <ac:cxnSpMk id="22" creationId="{060334FD-A8AE-43A9-B869-C17D5B384003}"/>
+          </ac:cxnSpMkLst>
+        </pc:cxnChg>
+        <pc:cxnChg chg="add mod">
+          <ac:chgData name="Bühler Pascal Simon (buehlpa1)" userId="b6cfa9bb-2a97-450f-9e52-6528276f5df9" providerId="ADAL" clId="{EFA2CFF2-1712-4F39-8126-F4C3F0834359}" dt="2021-10-29T13:41:58.388" v="697" actId="164"/>
+          <ac:cxnSpMkLst>
+            <pc:docMk/>
+            <pc:sldMk cId="1307332463" sldId="256"/>
+            <ac:cxnSpMk id="23" creationId="{8AB45A94-1EA9-4A4B-BC28-14E71C0AB380}"/>
+          </ac:cxnSpMkLst>
+        </pc:cxnChg>
+        <pc:cxnChg chg="add mod">
+          <ac:chgData name="Bühler Pascal Simon (buehlpa1)" userId="b6cfa9bb-2a97-450f-9e52-6528276f5df9" providerId="ADAL" clId="{EFA2CFF2-1712-4F39-8126-F4C3F0834359}" dt="2021-10-29T13:41:58.388" v="697" actId="164"/>
+          <ac:cxnSpMkLst>
+            <pc:docMk/>
+            <pc:sldMk cId="1307332463" sldId="256"/>
+            <ac:cxnSpMk id="24" creationId="{22D702CB-976F-4C73-B5DA-F03B5DD10622}"/>
+          </ac:cxnSpMkLst>
+        </pc:cxnChg>
+        <pc:cxnChg chg="add del">
+          <ac:chgData name="Bühler Pascal Simon (buehlpa1)" userId="b6cfa9bb-2a97-450f-9e52-6528276f5df9" providerId="ADAL" clId="{EFA2CFF2-1712-4F39-8126-F4C3F0834359}" dt="2021-10-29T13:40:30.239" v="681" actId="478"/>
+          <ac:cxnSpMkLst>
+            <pc:docMk/>
+            <pc:sldMk cId="1307332463" sldId="256"/>
+            <ac:cxnSpMk id="26" creationId="{A5713A1A-113D-4B58-97E0-A05E0212BB66}"/>
+          </ac:cxnSpMkLst>
+        </pc:cxnChg>
+        <pc:cxnChg chg="add mod">
+          <ac:chgData name="Bühler Pascal Simon (buehlpa1)" userId="b6cfa9bb-2a97-450f-9e52-6528276f5df9" providerId="ADAL" clId="{EFA2CFF2-1712-4F39-8126-F4C3F0834359}" dt="2021-10-29T13:41:58.388" v="697" actId="164"/>
+          <ac:cxnSpMkLst>
+            <pc:docMk/>
+            <pc:sldMk cId="1307332463" sldId="256"/>
+            <ac:cxnSpMk id="28" creationId="{3A6DF717-525D-41B9-81ED-10FD176FAF57}"/>
+          </ac:cxnSpMkLst>
+        </pc:cxnChg>
+        <pc:cxnChg chg="add del mod">
+          <ac:chgData name="Bühler Pascal Simon (buehlpa1)" userId="b6cfa9bb-2a97-450f-9e52-6528276f5df9" providerId="ADAL" clId="{EFA2CFF2-1712-4F39-8126-F4C3F0834359}" dt="2021-10-29T13:41:01.991" v="688" actId="478"/>
+          <ac:cxnSpMkLst>
+            <pc:docMk/>
+            <pc:sldMk cId="1307332463" sldId="256"/>
+            <ac:cxnSpMk id="30" creationId="{12235B68-DCE8-4017-B229-D0E001B18794}"/>
+          </ac:cxnSpMkLst>
+        </pc:cxnChg>
+        <pc:cxnChg chg="add mod">
+          <ac:chgData name="Bühler Pascal Simon (buehlpa1)" userId="b6cfa9bb-2a97-450f-9e52-6528276f5df9" providerId="ADAL" clId="{EFA2CFF2-1712-4F39-8126-F4C3F0834359}" dt="2021-10-29T13:41:58.388" v="697" actId="164"/>
+          <ac:cxnSpMkLst>
+            <pc:docMk/>
+            <pc:sldMk cId="1307332463" sldId="256"/>
+            <ac:cxnSpMk id="31" creationId="{5478E7E8-C75C-4763-A615-B963AD9F4647}"/>
+          </ac:cxnSpMkLst>
+        </pc:cxnChg>
+        <pc:cxnChg chg="add mod">
+          <ac:chgData name="Bühler Pascal Simon (buehlpa1)" userId="b6cfa9bb-2a97-450f-9e52-6528276f5df9" providerId="ADAL" clId="{EFA2CFF2-1712-4F39-8126-F4C3F0834359}" dt="2021-10-29T13:41:58.388" v="697" actId="164"/>
+          <ac:cxnSpMkLst>
+            <pc:docMk/>
+            <pc:sldMk cId="1307332463" sldId="256"/>
+            <ac:cxnSpMk id="33" creationId="{FD4CD525-6370-4521-9FDA-5EE059153D65}"/>
+          </ac:cxnSpMkLst>
+        </pc:cxnChg>
+        <pc:cxnChg chg="add mod">
+          <ac:chgData name="Bühler Pascal Simon (buehlpa1)" userId="b6cfa9bb-2a97-450f-9e52-6528276f5df9" providerId="ADAL" clId="{EFA2CFF2-1712-4F39-8126-F4C3F0834359}" dt="2021-10-29T14:32:50.220" v="2100" actId="164"/>
+          <ac:cxnSpMkLst>
+            <pc:docMk/>
+            <pc:sldMk cId="1307332463" sldId="256"/>
+            <ac:cxnSpMk id="34" creationId="{AEE7B068-1965-4121-AACF-729383C71D23}"/>
+          </ac:cxnSpMkLst>
+        </pc:cxnChg>
+        <pc:cxnChg chg="mod">
+          <ac:chgData name="Bühler Pascal Simon (buehlpa1)" userId="b6cfa9bb-2a97-450f-9e52-6528276f5df9" providerId="ADAL" clId="{EFA2CFF2-1712-4F39-8126-F4C3F0834359}" dt="2021-10-29T13:42:19.486" v="704" actId="571"/>
+          <ac:cxnSpMkLst>
+            <pc:docMk/>
+            <pc:sldMk cId="1307332463" sldId="256"/>
+            <ac:cxnSpMk id="40" creationId="{C4105A86-DA3C-41C0-ABA9-703039E0D587}"/>
+          </ac:cxnSpMkLst>
+        </pc:cxnChg>
+        <pc:cxnChg chg="mod">
+          <ac:chgData name="Bühler Pascal Simon (buehlpa1)" userId="b6cfa9bb-2a97-450f-9e52-6528276f5df9" providerId="ADAL" clId="{EFA2CFF2-1712-4F39-8126-F4C3F0834359}" dt="2021-10-29T13:42:19.486" v="704" actId="571"/>
+          <ac:cxnSpMkLst>
+            <pc:docMk/>
+            <pc:sldMk cId="1307332463" sldId="256"/>
+            <ac:cxnSpMk id="41" creationId="{773E2925-9DEA-4AD8-BF1C-A96C71591606}"/>
+          </ac:cxnSpMkLst>
+        </pc:cxnChg>
+        <pc:cxnChg chg="mod">
+          <ac:chgData name="Bühler Pascal Simon (buehlpa1)" userId="b6cfa9bb-2a97-450f-9e52-6528276f5df9" providerId="ADAL" clId="{EFA2CFF2-1712-4F39-8126-F4C3F0834359}" dt="2021-10-29T13:42:19.486" v="704" actId="571"/>
+          <ac:cxnSpMkLst>
+            <pc:docMk/>
+            <pc:sldMk cId="1307332463" sldId="256"/>
+            <ac:cxnSpMk id="42" creationId="{FDAF9ABA-95D9-414B-A37E-27140A7A9E51}"/>
+          </ac:cxnSpMkLst>
+        </pc:cxnChg>
+        <pc:cxnChg chg="mod">
+          <ac:chgData name="Bühler Pascal Simon (buehlpa1)" userId="b6cfa9bb-2a97-450f-9e52-6528276f5df9" providerId="ADAL" clId="{EFA2CFF2-1712-4F39-8126-F4C3F0834359}" dt="2021-10-29T13:42:19.486" v="704" actId="571"/>
+          <ac:cxnSpMkLst>
+            <pc:docMk/>
+            <pc:sldMk cId="1307332463" sldId="256"/>
+            <ac:cxnSpMk id="43" creationId="{CFF898CC-8277-49A9-8202-8AE69F6EEF9D}"/>
+          </ac:cxnSpMkLst>
+        </pc:cxnChg>
+        <pc:cxnChg chg="mod">
+          <ac:chgData name="Bühler Pascal Simon (buehlpa1)" userId="b6cfa9bb-2a97-450f-9e52-6528276f5df9" providerId="ADAL" clId="{EFA2CFF2-1712-4F39-8126-F4C3F0834359}" dt="2021-10-29T13:42:19.486" v="704" actId="571"/>
+          <ac:cxnSpMkLst>
+            <pc:docMk/>
+            <pc:sldMk cId="1307332463" sldId="256"/>
+            <ac:cxnSpMk id="44" creationId="{34A57942-D542-450C-A3A5-B2B3426AEBC1}"/>
+          </ac:cxnSpMkLst>
+        </pc:cxnChg>
+        <pc:cxnChg chg="mod">
+          <ac:chgData name="Bühler Pascal Simon (buehlpa1)" userId="b6cfa9bb-2a97-450f-9e52-6528276f5df9" providerId="ADAL" clId="{EFA2CFF2-1712-4F39-8126-F4C3F0834359}" dt="2021-10-29T13:42:19.486" v="704" actId="571"/>
+          <ac:cxnSpMkLst>
+            <pc:docMk/>
+            <pc:sldMk cId="1307332463" sldId="256"/>
+            <ac:cxnSpMk id="45" creationId="{DDEA2693-A19F-422B-9571-EAEFEFB05919}"/>
+          </ac:cxnSpMkLst>
+        </pc:cxnChg>
+        <pc:cxnChg chg="mod">
+          <ac:chgData name="Bühler Pascal Simon (buehlpa1)" userId="b6cfa9bb-2a97-450f-9e52-6528276f5df9" providerId="ADAL" clId="{EFA2CFF2-1712-4F39-8126-F4C3F0834359}" dt="2021-10-29T13:42:18.808" v="703" actId="571"/>
+          <ac:cxnSpMkLst>
+            <pc:docMk/>
+            <pc:sldMk cId="1307332463" sldId="256"/>
+            <ac:cxnSpMk id="50" creationId="{3C21BB06-28C6-43E9-A082-1163806E7D4B}"/>
+          </ac:cxnSpMkLst>
+        </pc:cxnChg>
+        <pc:cxnChg chg="mod">
+          <ac:chgData name="Bühler Pascal Simon (buehlpa1)" userId="b6cfa9bb-2a97-450f-9e52-6528276f5df9" providerId="ADAL" clId="{EFA2CFF2-1712-4F39-8126-F4C3F0834359}" dt="2021-10-29T13:42:18.808" v="703" actId="571"/>
+          <ac:cxnSpMkLst>
+            <pc:docMk/>
+            <pc:sldMk cId="1307332463" sldId="256"/>
+            <ac:cxnSpMk id="51" creationId="{7E29499E-03C4-4401-A8BA-A209A0FC8BBF}"/>
+          </ac:cxnSpMkLst>
+        </pc:cxnChg>
+        <pc:cxnChg chg="mod">
+          <ac:chgData name="Bühler Pascal Simon (buehlpa1)" userId="b6cfa9bb-2a97-450f-9e52-6528276f5df9" providerId="ADAL" clId="{EFA2CFF2-1712-4F39-8126-F4C3F0834359}" dt="2021-10-29T13:42:18.808" v="703" actId="571"/>
+          <ac:cxnSpMkLst>
+            <pc:docMk/>
+            <pc:sldMk cId="1307332463" sldId="256"/>
+            <ac:cxnSpMk id="52" creationId="{EDB6A3F4-E5F4-4CD8-A4C2-250ECC6E5E2B}"/>
+          </ac:cxnSpMkLst>
+        </pc:cxnChg>
+        <pc:cxnChg chg="mod">
+          <ac:chgData name="Bühler Pascal Simon (buehlpa1)" userId="b6cfa9bb-2a97-450f-9e52-6528276f5df9" providerId="ADAL" clId="{EFA2CFF2-1712-4F39-8126-F4C3F0834359}" dt="2021-10-29T13:42:18.808" v="703" actId="571"/>
+          <ac:cxnSpMkLst>
+            <pc:docMk/>
+            <pc:sldMk cId="1307332463" sldId="256"/>
+            <ac:cxnSpMk id="53" creationId="{19D364A2-E8E6-4F80-B03A-D197C2BEEDEF}"/>
+          </ac:cxnSpMkLst>
+        </pc:cxnChg>
+        <pc:cxnChg chg="add mod">
+          <ac:chgData name="Bühler Pascal Simon (buehlpa1)" userId="b6cfa9bb-2a97-450f-9e52-6528276f5df9" providerId="ADAL" clId="{EFA2CFF2-1712-4F39-8126-F4C3F0834359}" dt="2021-10-29T15:20:05.259" v="3200" actId="14100"/>
+          <ac:cxnSpMkLst>
+            <pc:docMk/>
+            <pc:sldMk cId="1307332463" sldId="256"/>
+            <ac:cxnSpMk id="53" creationId="{1E115915-2402-40F6-A16B-93B55DAED107}"/>
+          </ac:cxnSpMkLst>
+        </pc:cxnChg>
+        <pc:cxnChg chg="mod">
+          <ac:chgData name="Bühler Pascal Simon (buehlpa1)" userId="b6cfa9bb-2a97-450f-9e52-6528276f5df9" providerId="ADAL" clId="{EFA2CFF2-1712-4F39-8126-F4C3F0834359}" dt="2021-10-29T13:42:18.808" v="703" actId="571"/>
+          <ac:cxnSpMkLst>
+            <pc:docMk/>
+            <pc:sldMk cId="1307332463" sldId="256"/>
+            <ac:cxnSpMk id="54" creationId="{CD641873-2C66-4F60-AA4E-60A3F330209B}"/>
+          </ac:cxnSpMkLst>
+        </pc:cxnChg>
+        <pc:cxnChg chg="mod">
+          <ac:chgData name="Bühler Pascal Simon (buehlpa1)" userId="b6cfa9bb-2a97-450f-9e52-6528276f5df9" providerId="ADAL" clId="{EFA2CFF2-1712-4F39-8126-F4C3F0834359}" dt="2021-10-29T13:42:18.808" v="703" actId="571"/>
+          <ac:cxnSpMkLst>
+            <pc:docMk/>
+            <pc:sldMk cId="1307332463" sldId="256"/>
+            <ac:cxnSpMk id="55" creationId="{359BA447-4998-4243-8FC3-35E8005B6008}"/>
+          </ac:cxnSpMkLst>
+        </pc:cxnChg>
+        <pc:cxnChg chg="mod">
+          <ac:chgData name="Bühler Pascal Simon (buehlpa1)" userId="b6cfa9bb-2a97-450f-9e52-6528276f5df9" providerId="ADAL" clId="{EFA2CFF2-1712-4F39-8126-F4C3F0834359}" dt="2021-10-29T13:42:17.277" v="702" actId="571"/>
+          <ac:cxnSpMkLst>
+            <pc:docMk/>
+            <pc:sldMk cId="1307332463" sldId="256"/>
+            <ac:cxnSpMk id="60" creationId="{8E88229A-F02E-4650-923D-831554792AA3}"/>
+          </ac:cxnSpMkLst>
+        </pc:cxnChg>
+        <pc:cxnChg chg="mod">
+          <ac:chgData name="Bühler Pascal Simon (buehlpa1)" userId="b6cfa9bb-2a97-450f-9e52-6528276f5df9" providerId="ADAL" clId="{EFA2CFF2-1712-4F39-8126-F4C3F0834359}" dt="2021-10-29T13:42:17.277" v="702" actId="571"/>
+          <ac:cxnSpMkLst>
+            <pc:docMk/>
+            <pc:sldMk cId="1307332463" sldId="256"/>
+            <ac:cxnSpMk id="61" creationId="{EA2B07FF-01E7-40EE-B032-C7D64073A99F}"/>
+          </ac:cxnSpMkLst>
+        </pc:cxnChg>
+        <pc:cxnChg chg="mod">
+          <ac:chgData name="Bühler Pascal Simon (buehlpa1)" userId="b6cfa9bb-2a97-450f-9e52-6528276f5df9" providerId="ADAL" clId="{EFA2CFF2-1712-4F39-8126-F4C3F0834359}" dt="2021-10-29T13:42:17.277" v="702" actId="571"/>
+          <ac:cxnSpMkLst>
+            <pc:docMk/>
+            <pc:sldMk cId="1307332463" sldId="256"/>
+            <ac:cxnSpMk id="62" creationId="{D96B17D4-987B-4870-99F4-B9977E19E013}"/>
+          </ac:cxnSpMkLst>
+        </pc:cxnChg>
+        <pc:cxnChg chg="mod">
+          <ac:chgData name="Bühler Pascal Simon (buehlpa1)" userId="b6cfa9bb-2a97-450f-9e52-6528276f5df9" providerId="ADAL" clId="{EFA2CFF2-1712-4F39-8126-F4C3F0834359}" dt="2021-10-29T13:42:17.277" v="702" actId="571"/>
+          <ac:cxnSpMkLst>
+            <pc:docMk/>
+            <pc:sldMk cId="1307332463" sldId="256"/>
+            <ac:cxnSpMk id="63" creationId="{617C587F-33B2-4FA8-99E8-0FF0BCE881B4}"/>
+          </ac:cxnSpMkLst>
+        </pc:cxnChg>
+        <pc:cxnChg chg="mod">
+          <ac:chgData name="Bühler Pascal Simon (buehlpa1)" userId="b6cfa9bb-2a97-450f-9e52-6528276f5df9" providerId="ADAL" clId="{EFA2CFF2-1712-4F39-8126-F4C3F0834359}" dt="2021-10-29T13:42:17.277" v="702" actId="571"/>
+          <ac:cxnSpMkLst>
+            <pc:docMk/>
+            <pc:sldMk cId="1307332463" sldId="256"/>
+            <ac:cxnSpMk id="64" creationId="{96A826D8-D42B-4A0E-8314-ED5F5ECDB56B}"/>
+          </ac:cxnSpMkLst>
+        </pc:cxnChg>
+        <pc:cxnChg chg="mod">
+          <ac:chgData name="Bühler Pascal Simon (buehlpa1)" userId="b6cfa9bb-2a97-450f-9e52-6528276f5df9" providerId="ADAL" clId="{EFA2CFF2-1712-4F39-8126-F4C3F0834359}" dt="2021-10-29T13:42:17.277" v="702" actId="571"/>
+          <ac:cxnSpMkLst>
+            <pc:docMk/>
+            <pc:sldMk cId="1307332463" sldId="256"/>
+            <ac:cxnSpMk id="65" creationId="{AB76E5A9-5DD4-4428-AEB9-760954D3C093}"/>
+          </ac:cxnSpMkLst>
+        </pc:cxnChg>
+      </pc:sldChg>
+    </pc:docChg>
+  </pc:docChgLst>
+  <pc:docChgLst>
     <pc:chgData name="Bühler Pascal Simon (buehlpa1)" userId="b6cfa9bb-2a97-450f-9e52-6528276f5df9" providerId="ADAL" clId="{20EE1D4F-8BEE-4D75-B0DE-E6279C9720F3}"/>
     <pc:docChg chg="undo custSel addSld delSld modSld">
       <pc:chgData name="Bühler Pascal Simon (buehlpa1)" userId="b6cfa9bb-2a97-450f-9e52-6528276f5df9" providerId="ADAL" clId="{20EE1D4F-8BEE-4D75-B0DE-E6279C9720F3}" dt="2021-11-01T19:31:17.903" v="4742" actId="20577"/>
@@ -1206,926 +2126,6 @@
             <ac:picMk id="5" creationId="{DD7D2ACE-EAEC-4CEA-B7D2-8AE1DED1B546}"/>
           </ac:picMkLst>
         </pc:picChg>
-      </pc:sldChg>
-    </pc:docChg>
-  </pc:docChgLst>
-  <pc:docChgLst>
-    <pc:chgData name="Bühler Pascal Simon (buehlpa1)" userId="b6cfa9bb-2a97-450f-9e52-6528276f5df9" providerId="ADAL" clId="{EFA2CFF2-1712-4F39-8126-F4C3F0834359}"/>
-    <pc:docChg chg="undo custSel modSld">
-      <pc:chgData name="Bühler Pascal Simon (buehlpa1)" userId="b6cfa9bb-2a97-450f-9e52-6528276f5df9" providerId="ADAL" clId="{EFA2CFF2-1712-4F39-8126-F4C3F0834359}" dt="2021-10-29T15:20:22.171" v="3204" actId="20577"/>
-      <pc:docMkLst>
-        <pc:docMk/>
-      </pc:docMkLst>
-      <pc:sldChg chg="addSp delSp modSp mod">
-        <pc:chgData name="Bühler Pascal Simon (buehlpa1)" userId="b6cfa9bb-2a97-450f-9e52-6528276f5df9" providerId="ADAL" clId="{EFA2CFF2-1712-4F39-8126-F4C3F0834359}" dt="2021-10-29T15:20:22.171" v="3204" actId="20577"/>
-        <pc:sldMkLst>
-          <pc:docMk/>
-          <pc:sldMk cId="1307332463" sldId="256"/>
-        </pc:sldMkLst>
-        <pc:spChg chg="del">
-          <ac:chgData name="Bühler Pascal Simon (buehlpa1)" userId="b6cfa9bb-2a97-450f-9e52-6528276f5df9" providerId="ADAL" clId="{EFA2CFF2-1712-4F39-8126-F4C3F0834359}" dt="2021-10-29T13:01:10.900" v="496" actId="478"/>
-          <ac:spMkLst>
-            <pc:docMk/>
-            <pc:sldMk cId="1307332463" sldId="256"/>
-            <ac:spMk id="2" creationId="{3E92745D-8672-48EE-85EA-A85A77B949B8}"/>
-          </ac:spMkLst>
-        </pc:spChg>
-        <pc:spChg chg="add del mod">
-          <ac:chgData name="Bühler Pascal Simon (buehlpa1)" userId="b6cfa9bb-2a97-450f-9e52-6528276f5df9" providerId="ADAL" clId="{EFA2CFF2-1712-4F39-8126-F4C3F0834359}" dt="2021-10-29T14:34:06.240" v="2101" actId="478"/>
-          <ac:spMkLst>
-            <pc:docMk/>
-            <pc:sldMk cId="1307332463" sldId="256"/>
-            <ac:spMk id="2" creationId="{AEB76C97-0CBD-4566-B28C-422F14D66772}"/>
-          </ac:spMkLst>
-        </pc:spChg>
-        <pc:spChg chg="mod">
-          <ac:chgData name="Bühler Pascal Simon (buehlpa1)" userId="b6cfa9bb-2a97-450f-9e52-6528276f5df9" providerId="ADAL" clId="{EFA2CFF2-1712-4F39-8126-F4C3F0834359}" dt="2021-10-29T14:50:21.769" v="2332" actId="1076"/>
-          <ac:spMkLst>
-            <pc:docMk/>
-            <pc:sldMk cId="1307332463" sldId="256"/>
-            <ac:spMk id="4" creationId="{6A0ED38B-AD53-4E17-B247-721EE518970D}"/>
-          </ac:spMkLst>
-        </pc:spChg>
-        <pc:spChg chg="mod">
-          <ac:chgData name="Bühler Pascal Simon (buehlpa1)" userId="b6cfa9bb-2a97-450f-9e52-6528276f5df9" providerId="ADAL" clId="{EFA2CFF2-1712-4F39-8126-F4C3F0834359}" dt="2021-10-29T14:54:20.642" v="2754" actId="1076"/>
-          <ac:spMkLst>
-            <pc:docMk/>
-            <pc:sldMk cId="1307332463" sldId="256"/>
-            <ac:spMk id="9" creationId="{A0F557DA-F9A1-428C-B002-A210C3B26C26}"/>
-          </ac:spMkLst>
-        </pc:spChg>
-        <pc:spChg chg="mod">
-          <ac:chgData name="Bühler Pascal Simon (buehlpa1)" userId="b6cfa9bb-2a97-450f-9e52-6528276f5df9" providerId="ADAL" clId="{EFA2CFF2-1712-4F39-8126-F4C3F0834359}" dt="2021-10-29T14:46:38.586" v="2301" actId="1076"/>
-          <ac:spMkLst>
-            <pc:docMk/>
-            <pc:sldMk cId="1307332463" sldId="256"/>
-            <ac:spMk id="11" creationId="{EF77BDA8-050E-492E-8401-ECCC840B457E}"/>
-          </ac:spMkLst>
-        </pc:spChg>
-        <pc:spChg chg="del mod">
-          <ac:chgData name="Bühler Pascal Simon (buehlpa1)" userId="b6cfa9bb-2a97-450f-9e52-6528276f5df9" providerId="ADAL" clId="{EFA2CFF2-1712-4F39-8126-F4C3F0834359}" dt="2021-10-29T14:34:10.527" v="2102" actId="478"/>
-          <ac:spMkLst>
-            <pc:docMk/>
-            <pc:sldMk cId="1307332463" sldId="256"/>
-            <ac:spMk id="12" creationId="{ABF2204F-BB7C-489A-BB42-1EE82A0E996A}"/>
-          </ac:spMkLst>
-        </pc:spChg>
-        <pc:spChg chg="add del mod">
-          <ac:chgData name="Bühler Pascal Simon (buehlpa1)" userId="b6cfa9bb-2a97-450f-9e52-6528276f5df9" providerId="ADAL" clId="{EFA2CFF2-1712-4F39-8126-F4C3F0834359}" dt="2021-10-29T13:37:42.910" v="666" actId="478"/>
-          <ac:spMkLst>
-            <pc:docMk/>
-            <pc:sldMk cId="1307332463" sldId="256"/>
-            <ac:spMk id="14" creationId="{E6067D46-810A-4FEE-9253-4CA67429A975}"/>
-          </ac:spMkLst>
-        </pc:spChg>
-        <pc:spChg chg="add del">
-          <ac:chgData name="Bühler Pascal Simon (buehlpa1)" userId="b6cfa9bb-2a97-450f-9e52-6528276f5df9" providerId="ADAL" clId="{EFA2CFF2-1712-4F39-8126-F4C3F0834359}" dt="2021-10-29T13:32:25.436" v="612" actId="22"/>
-          <ac:spMkLst>
-            <pc:docMk/>
-            <pc:sldMk cId="1307332463" sldId="256"/>
-            <ac:spMk id="17" creationId="{7F3ECC74-8478-4C58-B92D-5423FC5892EF}"/>
-          </ac:spMkLst>
-        </pc:spChg>
-        <pc:spChg chg="add del mod">
-          <ac:chgData name="Bühler Pascal Simon (buehlpa1)" userId="b6cfa9bb-2a97-450f-9e52-6528276f5df9" providerId="ADAL" clId="{EFA2CFF2-1712-4F39-8126-F4C3F0834359}" dt="2021-10-29T09:54:45.392" v="426" actId="478"/>
-          <ac:spMkLst>
-            <pc:docMk/>
-            <pc:sldMk cId="1307332463" sldId="256"/>
-            <ac:spMk id="19" creationId="{9DC459CE-AB99-41FF-A27A-A6E773530484}"/>
-          </ac:spMkLst>
-        </pc:spChg>
-        <pc:spChg chg="add del mod">
-          <ac:chgData name="Bühler Pascal Simon (buehlpa1)" userId="b6cfa9bb-2a97-450f-9e52-6528276f5df9" providerId="ADAL" clId="{EFA2CFF2-1712-4F39-8126-F4C3F0834359}" dt="2021-10-29T14:19:22.793" v="1751" actId="478"/>
-          <ac:spMkLst>
-            <pc:docMk/>
-            <pc:sldMk cId="1307332463" sldId="256"/>
-            <ac:spMk id="20" creationId="{57906B83-63FD-4676-B2A2-A214F6C15317}"/>
-          </ac:spMkLst>
-        </pc:spChg>
-        <pc:spChg chg="add del mod">
-          <ac:chgData name="Bühler Pascal Simon (buehlpa1)" userId="b6cfa9bb-2a97-450f-9e52-6528276f5df9" providerId="ADAL" clId="{EFA2CFF2-1712-4F39-8126-F4C3F0834359}" dt="2021-10-29T09:51:43.109" v="386" actId="478"/>
-          <ac:spMkLst>
-            <pc:docMk/>
-            <pc:sldMk cId="1307332463" sldId="256"/>
-            <ac:spMk id="24" creationId="{D4CE5F11-DB20-4DC9-A77E-17961FCA6F95}"/>
-          </ac:spMkLst>
-        </pc:spChg>
-        <pc:spChg chg="add mod">
-          <ac:chgData name="Bühler Pascal Simon (buehlpa1)" userId="b6cfa9bb-2a97-450f-9e52-6528276f5df9" providerId="ADAL" clId="{EFA2CFF2-1712-4F39-8126-F4C3F0834359}" dt="2021-10-29T14:35:53.318" v="2117" actId="20577"/>
-          <ac:spMkLst>
-            <pc:docMk/>
-            <pc:sldMk cId="1307332463" sldId="256"/>
-            <ac:spMk id="26" creationId="{56D38899-5DFD-4ED4-9689-9DBB02AAFEA7}"/>
-          </ac:spMkLst>
-        </pc:spChg>
-        <pc:spChg chg="add del mod">
-          <ac:chgData name="Bühler Pascal Simon (buehlpa1)" userId="b6cfa9bb-2a97-450f-9e52-6528276f5df9" providerId="ADAL" clId="{EFA2CFF2-1712-4F39-8126-F4C3F0834359}" dt="2021-10-29T09:54:24.008" v="421" actId="478"/>
-          <ac:spMkLst>
-            <pc:docMk/>
-            <pc:sldMk cId="1307332463" sldId="256"/>
-            <ac:spMk id="26" creationId="{99F88E74-F4F5-4192-A039-426C2BED1921}"/>
-          </ac:spMkLst>
-        </pc:spChg>
-        <pc:spChg chg="add del mod">
-          <ac:chgData name="Bühler Pascal Simon (buehlpa1)" userId="b6cfa9bb-2a97-450f-9e52-6528276f5df9" providerId="ADAL" clId="{EFA2CFF2-1712-4F39-8126-F4C3F0834359}" dt="2021-10-29T14:26:07.091" v="1826"/>
-          <ac:spMkLst>
-            <pc:docMk/>
-            <pc:sldMk cId="1307332463" sldId="256"/>
-            <ac:spMk id="32" creationId="{17A25E7D-8747-4179-ABF0-BE844328CDA9}"/>
-          </ac:spMkLst>
-        </pc:spChg>
-        <pc:spChg chg="del mod">
-          <ac:chgData name="Bühler Pascal Simon (buehlpa1)" userId="b6cfa9bb-2a97-450f-9e52-6528276f5df9" providerId="ADAL" clId="{EFA2CFF2-1712-4F39-8126-F4C3F0834359}" dt="2021-10-29T11:45:29.876" v="465" actId="478"/>
-          <ac:spMkLst>
-            <pc:docMk/>
-            <pc:sldMk cId="1307332463" sldId="256"/>
-            <ac:spMk id="33" creationId="{E228A746-5C0F-4418-9E06-012CEEFE053E}"/>
-          </ac:spMkLst>
-        </pc:spChg>
-        <pc:spChg chg="add mod">
-          <ac:chgData name="Bühler Pascal Simon (buehlpa1)" userId="b6cfa9bb-2a97-450f-9e52-6528276f5df9" providerId="ADAL" clId="{EFA2CFF2-1712-4F39-8126-F4C3F0834359}" dt="2021-10-29T15:09:49.569" v="3152" actId="1076"/>
-          <ac:spMkLst>
-            <pc:docMk/>
-            <pc:sldMk cId="1307332463" sldId="256"/>
-            <ac:spMk id="36" creationId="{35F7DE7E-6A95-4133-B9B0-6D66999DEBD5}"/>
-          </ac:spMkLst>
-        </pc:spChg>
-        <pc:spChg chg="add del mod">
-          <ac:chgData name="Bühler Pascal Simon (buehlpa1)" userId="b6cfa9bb-2a97-450f-9e52-6528276f5df9" providerId="ADAL" clId="{EFA2CFF2-1712-4F39-8126-F4C3F0834359}" dt="2021-10-29T14:50:22.389" v="2334"/>
-          <ac:spMkLst>
-            <pc:docMk/>
-            <pc:sldMk cId="1307332463" sldId="256"/>
-            <ac:spMk id="47" creationId="{179A05AA-7BEE-4F0F-871D-203C67F5C6BD}"/>
-          </ac:spMkLst>
-        </pc:spChg>
-        <pc:spChg chg="add mod">
-          <ac:chgData name="Bühler Pascal Simon (buehlpa1)" userId="b6cfa9bb-2a97-450f-9e52-6528276f5df9" providerId="ADAL" clId="{EFA2CFF2-1712-4F39-8126-F4C3F0834359}" dt="2021-10-29T15:04:49.634" v="3110" actId="1076"/>
-          <ac:spMkLst>
-            <pc:docMk/>
-            <pc:sldMk cId="1307332463" sldId="256"/>
-            <ac:spMk id="48" creationId="{FF2C0740-9DC0-4322-B478-0687C3A39A80}"/>
-          </ac:spMkLst>
-        </pc:spChg>
-        <pc:spChg chg="add mod">
-          <ac:chgData name="Bühler Pascal Simon (buehlpa1)" userId="b6cfa9bb-2a97-450f-9e52-6528276f5df9" providerId="ADAL" clId="{EFA2CFF2-1712-4F39-8126-F4C3F0834359}" dt="2021-10-29T14:55:38.704" v="2777" actId="1076"/>
-          <ac:spMkLst>
-            <pc:docMk/>
-            <pc:sldMk cId="1307332463" sldId="256"/>
-            <ac:spMk id="49" creationId="{EACA95D5-9A82-4716-B9B4-8B2CE2F7D99A}"/>
-          </ac:spMkLst>
-        </pc:spChg>
-        <pc:spChg chg="add mod">
-          <ac:chgData name="Bühler Pascal Simon (buehlpa1)" userId="b6cfa9bb-2a97-450f-9e52-6528276f5df9" providerId="ADAL" clId="{EFA2CFF2-1712-4F39-8126-F4C3F0834359}" dt="2021-10-29T15:20:22.171" v="3204" actId="20577"/>
-          <ac:spMkLst>
-            <pc:docMk/>
-            <pc:sldMk cId="1307332463" sldId="256"/>
-            <ac:spMk id="50" creationId="{6434D65E-8F9E-4255-A15C-C1D01F4F6A81}"/>
-          </ac:spMkLst>
-        </pc:spChg>
-        <pc:grpChg chg="add mod">
-          <ac:chgData name="Bühler Pascal Simon (buehlpa1)" userId="b6cfa9bb-2a97-450f-9e52-6528276f5df9" providerId="ADAL" clId="{EFA2CFF2-1712-4F39-8126-F4C3F0834359}" dt="2021-10-29T14:49:57.700" v="2325" actId="1076"/>
-          <ac:grpSpMkLst>
-            <pc:docMk/>
-            <pc:sldMk cId="1307332463" sldId="256"/>
-            <ac:grpSpMk id="29" creationId="{0BE7F55A-7788-4FF7-B3D1-3CF4E4B3AE4F}"/>
-          </ac:grpSpMkLst>
-        </pc:grpChg>
-        <pc:grpChg chg="add mod">
-          <ac:chgData name="Bühler Pascal Simon (buehlpa1)" userId="b6cfa9bb-2a97-450f-9e52-6528276f5df9" providerId="ADAL" clId="{EFA2CFF2-1712-4F39-8126-F4C3F0834359}" dt="2021-10-29T13:42:26.908" v="705" actId="164"/>
-          <ac:grpSpMkLst>
-            <pc:docMk/>
-            <pc:sldMk cId="1307332463" sldId="256"/>
-            <ac:grpSpMk id="35" creationId="{16EDE18A-02A7-44D8-A20A-3C509941202A}"/>
-          </ac:grpSpMkLst>
-        </pc:grpChg>
-        <pc:grpChg chg="add mod">
-          <ac:chgData name="Bühler Pascal Simon (buehlpa1)" userId="b6cfa9bb-2a97-450f-9e52-6528276f5df9" providerId="ADAL" clId="{EFA2CFF2-1712-4F39-8126-F4C3F0834359}" dt="2021-10-29T13:42:19.486" v="704" actId="571"/>
-          <ac:grpSpMkLst>
-            <pc:docMk/>
-            <pc:sldMk cId="1307332463" sldId="256"/>
-            <ac:grpSpMk id="37" creationId="{2A41A2F8-BCAC-41FF-A508-9EAA85A346C1}"/>
-          </ac:grpSpMkLst>
-        </pc:grpChg>
-        <pc:grpChg chg="add mod">
-          <ac:chgData name="Bühler Pascal Simon (buehlpa1)" userId="b6cfa9bb-2a97-450f-9e52-6528276f5df9" providerId="ADAL" clId="{EFA2CFF2-1712-4F39-8126-F4C3F0834359}" dt="2021-10-29T13:42:18.808" v="703" actId="571"/>
-          <ac:grpSpMkLst>
-            <pc:docMk/>
-            <pc:sldMk cId="1307332463" sldId="256"/>
-            <ac:grpSpMk id="47" creationId="{A0931E6E-1528-49C1-89F5-A6D6A6E64037}"/>
-          </ac:grpSpMkLst>
-        </pc:grpChg>
-        <pc:grpChg chg="add mod">
-          <ac:chgData name="Bühler Pascal Simon (buehlpa1)" userId="b6cfa9bb-2a97-450f-9e52-6528276f5df9" providerId="ADAL" clId="{EFA2CFF2-1712-4F39-8126-F4C3F0834359}" dt="2021-10-29T13:42:17.277" v="702" actId="571"/>
-          <ac:grpSpMkLst>
-            <pc:docMk/>
-            <pc:sldMk cId="1307332463" sldId="256"/>
-            <ac:grpSpMk id="57" creationId="{291A1B65-9427-425A-A8F3-2169BEDD6B03}"/>
-          </ac:grpSpMkLst>
-        </pc:grpChg>
-        <pc:grpChg chg="add mod">
-          <ac:chgData name="Bühler Pascal Simon (buehlpa1)" userId="b6cfa9bb-2a97-450f-9e52-6528276f5df9" providerId="ADAL" clId="{EFA2CFF2-1712-4F39-8126-F4C3F0834359}" dt="2021-10-29T13:42:42.718" v="707" actId="164"/>
-          <ac:grpSpMkLst>
-            <pc:docMk/>
-            <pc:sldMk cId="1307332463" sldId="256"/>
-            <ac:grpSpMk id="66" creationId="{8E14BD34-B7ED-4012-8C9B-D365B46CE077}"/>
-          </ac:grpSpMkLst>
-        </pc:grpChg>
-        <pc:grpChg chg="add mod">
-          <ac:chgData name="Bühler Pascal Simon (buehlpa1)" userId="b6cfa9bb-2a97-450f-9e52-6528276f5df9" providerId="ADAL" clId="{EFA2CFF2-1712-4F39-8126-F4C3F0834359}" dt="2021-10-29T14:32:50.220" v="2100" actId="164"/>
-          <ac:grpSpMkLst>
-            <pc:docMk/>
-            <pc:sldMk cId="1307332463" sldId="256"/>
-            <ac:grpSpMk id="67" creationId="{20F87120-754A-4CE6-A5B5-4C0F310EF9FB}"/>
-          </ac:grpSpMkLst>
-        </pc:grpChg>
-        <pc:picChg chg="add mod">
-          <ac:chgData name="Bühler Pascal Simon (buehlpa1)" userId="b6cfa9bb-2a97-450f-9e52-6528276f5df9" providerId="ADAL" clId="{EFA2CFF2-1712-4F39-8126-F4C3F0834359}" dt="2021-10-29T13:41:58.388" v="697" actId="164"/>
-          <ac:picMkLst>
-            <pc:docMk/>
-            <pc:sldMk cId="1307332463" sldId="256"/>
-            <ac:picMk id="3" creationId="{FC7CF9F5-DF8E-491D-8E20-365055A718F3}"/>
-          </ac:picMkLst>
-        </pc:picChg>
-        <pc:picChg chg="add del mod ord">
-          <ac:chgData name="Bühler Pascal Simon (buehlpa1)" userId="b6cfa9bb-2a97-450f-9e52-6528276f5df9" providerId="ADAL" clId="{EFA2CFF2-1712-4F39-8126-F4C3F0834359}" dt="2021-10-29T12:54:31.549" v="492" actId="478"/>
-          <ac:picMkLst>
-            <pc:docMk/>
-            <pc:sldMk cId="1307332463" sldId="256"/>
-            <ac:picMk id="5" creationId="{734A0BCB-40BA-4189-BE2E-E75B99D31EF0}"/>
-          </ac:picMkLst>
-        </pc:picChg>
-        <pc:picChg chg="add del mod">
-          <ac:chgData name="Bühler Pascal Simon (buehlpa1)" userId="b6cfa9bb-2a97-450f-9e52-6528276f5df9" providerId="ADAL" clId="{EFA2CFF2-1712-4F39-8126-F4C3F0834359}" dt="2021-10-28T18:44:14.911" v="22" actId="478"/>
-          <ac:picMkLst>
-            <pc:docMk/>
-            <pc:sldMk cId="1307332463" sldId="256"/>
-            <ac:picMk id="5" creationId="{96CAB9CC-C072-4FBF-9E67-A41B96E0E13E}"/>
-          </ac:picMkLst>
-        </pc:picChg>
-        <pc:picChg chg="add del mod">
-          <ac:chgData name="Bühler Pascal Simon (buehlpa1)" userId="b6cfa9bb-2a97-450f-9e52-6528276f5df9" providerId="ADAL" clId="{EFA2CFF2-1712-4F39-8126-F4C3F0834359}" dt="2021-10-29T09:52:18.040" v="398" actId="478"/>
-          <ac:picMkLst>
-            <pc:docMk/>
-            <pc:sldMk cId="1307332463" sldId="256"/>
-            <ac:picMk id="5" creationId="{A9C25DBC-E6E8-46B7-BA91-88345D68E5C9}"/>
-          </ac:picMkLst>
-        </pc:picChg>
-        <pc:picChg chg="mod">
-          <ac:chgData name="Bühler Pascal Simon (buehlpa1)" userId="b6cfa9bb-2a97-450f-9e52-6528276f5df9" providerId="ADAL" clId="{EFA2CFF2-1712-4F39-8126-F4C3F0834359}" dt="2021-10-20T10:16:52.772" v="2" actId="1076"/>
-          <ac:picMkLst>
-            <pc:docMk/>
-            <pc:sldMk cId="1307332463" sldId="256"/>
-            <ac:picMk id="6" creationId="{4C2C70B2-DAC2-43AD-BD9A-E2B6E3193677}"/>
-          </ac:picMkLst>
-        </pc:picChg>
-        <pc:picChg chg="add mod">
-          <ac:chgData name="Bühler Pascal Simon (buehlpa1)" userId="b6cfa9bb-2a97-450f-9e52-6528276f5df9" providerId="ADAL" clId="{EFA2CFF2-1712-4F39-8126-F4C3F0834359}" dt="2021-10-29T13:53:23.301" v="991" actId="1076"/>
-          <ac:picMkLst>
-            <pc:docMk/>
-            <pc:sldMk cId="1307332463" sldId="256"/>
-            <ac:picMk id="6" creationId="{D759D8F0-6618-4C6F-8518-DB93E6980790}"/>
-          </ac:picMkLst>
-        </pc:picChg>
-        <pc:picChg chg="mod">
-          <ac:chgData name="Bühler Pascal Simon (buehlpa1)" userId="b6cfa9bb-2a97-450f-9e52-6528276f5df9" providerId="ADAL" clId="{EFA2CFF2-1712-4F39-8126-F4C3F0834359}" dt="2021-10-29T14:38:00.063" v="2131" actId="1076"/>
-          <ac:picMkLst>
-            <pc:docMk/>
-            <pc:sldMk cId="1307332463" sldId="256"/>
-            <ac:picMk id="7" creationId="{918116AA-2EEF-415E-9A77-C271E2DD0FD1}"/>
-          </ac:picMkLst>
-        </pc:picChg>
-        <pc:picChg chg="mod">
-          <ac:chgData name="Bühler Pascal Simon (buehlpa1)" userId="b6cfa9bb-2a97-450f-9e52-6528276f5df9" providerId="ADAL" clId="{EFA2CFF2-1712-4F39-8126-F4C3F0834359}" dt="2021-10-29T14:38:02.349" v="2132" actId="1076"/>
-          <ac:picMkLst>
-            <pc:docMk/>
-            <pc:sldMk cId="1307332463" sldId="256"/>
-            <ac:picMk id="8" creationId="{28F20AE7-6C13-462C-95A8-227CBDE8F220}"/>
-          </ac:picMkLst>
-        </pc:picChg>
-        <pc:picChg chg="add del mod">
-          <ac:chgData name="Bühler Pascal Simon (buehlpa1)" userId="b6cfa9bb-2a97-450f-9e52-6528276f5df9" providerId="ADAL" clId="{EFA2CFF2-1712-4F39-8126-F4C3F0834359}" dt="2021-10-28T19:53:28.563" v="38" actId="478"/>
-          <ac:picMkLst>
-            <pc:docMk/>
-            <pc:sldMk cId="1307332463" sldId="256"/>
-            <ac:picMk id="10" creationId="{038B73DD-579A-41E3-9BE9-C44C9E02FDDC}"/>
-          </ac:picMkLst>
-        </pc:picChg>
-        <pc:picChg chg="add del mod">
-          <ac:chgData name="Bühler Pascal Simon (buehlpa1)" userId="b6cfa9bb-2a97-450f-9e52-6528276f5df9" providerId="ADAL" clId="{EFA2CFF2-1712-4F39-8126-F4C3F0834359}" dt="2021-10-29T09:52:18.040" v="398" actId="478"/>
-          <ac:picMkLst>
-            <pc:docMk/>
-            <pc:sldMk cId="1307332463" sldId="256"/>
-            <ac:picMk id="10" creationId="{59E226FD-F2CC-4B8A-BE57-8926DC361C33}"/>
-          </ac:picMkLst>
-        </pc:picChg>
-        <pc:picChg chg="add del mod">
-          <ac:chgData name="Bühler Pascal Simon (buehlpa1)" userId="b6cfa9bb-2a97-450f-9e52-6528276f5df9" providerId="ADAL" clId="{EFA2CFF2-1712-4F39-8126-F4C3F0834359}" dt="2021-10-29T13:01:11.619" v="497" actId="478"/>
-          <ac:picMkLst>
-            <pc:docMk/>
-            <pc:sldMk cId="1307332463" sldId="256"/>
-            <ac:picMk id="10" creationId="{896F52C9-74C9-4538-9C57-9925C2615DC3}"/>
-          </ac:picMkLst>
-        </pc:picChg>
-        <pc:picChg chg="add del mod">
-          <ac:chgData name="Bühler Pascal Simon (buehlpa1)" userId="b6cfa9bb-2a97-450f-9e52-6528276f5df9" providerId="ADAL" clId="{EFA2CFF2-1712-4F39-8126-F4C3F0834359}" dt="2021-10-29T14:24:48.168" v="1809" actId="478"/>
-          <ac:picMkLst>
-            <pc:docMk/>
-            <pc:sldMk cId="1307332463" sldId="256"/>
-            <ac:picMk id="10" creationId="{9A30D26F-F532-4E84-903E-8A7A22396645}"/>
-          </ac:picMkLst>
-        </pc:picChg>
-        <pc:picChg chg="mod">
-          <ac:chgData name="Bühler Pascal Simon (buehlpa1)" userId="b6cfa9bb-2a97-450f-9e52-6528276f5df9" providerId="ADAL" clId="{EFA2CFF2-1712-4F39-8126-F4C3F0834359}" dt="2021-10-20T10:17:16.539" v="5" actId="1076"/>
-          <ac:picMkLst>
-            <pc:docMk/>
-            <pc:sldMk cId="1307332463" sldId="256"/>
-            <ac:picMk id="10" creationId="{D164798D-F9A2-4157-B66A-756BB6F60DE1}"/>
-          </ac:picMkLst>
-        </pc:picChg>
-        <pc:picChg chg="del">
-          <ac:chgData name="Bühler Pascal Simon (buehlpa1)" userId="b6cfa9bb-2a97-450f-9e52-6528276f5df9" providerId="ADAL" clId="{EFA2CFF2-1712-4F39-8126-F4C3F0834359}" dt="2021-10-29T09:51:47.074" v="390" actId="478"/>
-          <ac:picMkLst>
-            <pc:docMk/>
-            <pc:sldMk cId="1307332463" sldId="256"/>
-            <ac:picMk id="13" creationId="{162D1974-345F-4F7B-A835-3F8494154CE9}"/>
-          </ac:picMkLst>
-        </pc:picChg>
-        <pc:picChg chg="add del mod">
-          <ac:chgData name="Bühler Pascal Simon (buehlpa1)" userId="b6cfa9bb-2a97-450f-9e52-6528276f5df9" providerId="ADAL" clId="{EFA2CFF2-1712-4F39-8126-F4C3F0834359}" dt="2021-10-29T13:35:25.230" v="626" actId="478"/>
-          <ac:picMkLst>
-            <pc:docMk/>
-            <pc:sldMk cId="1307332463" sldId="256"/>
-            <ac:picMk id="13" creationId="{68AF1549-1D26-427D-9BAE-752A5F7E0EEA}"/>
-          </ac:picMkLst>
-        </pc:picChg>
-        <pc:picChg chg="mod">
-          <ac:chgData name="Bühler Pascal Simon (buehlpa1)" userId="b6cfa9bb-2a97-450f-9e52-6528276f5df9" providerId="ADAL" clId="{EFA2CFF2-1712-4F39-8126-F4C3F0834359}" dt="2021-10-20T10:17:55.314" v="7" actId="1076"/>
-          <ac:picMkLst>
-            <pc:docMk/>
-            <pc:sldMk cId="1307332463" sldId="256"/>
-            <ac:picMk id="14" creationId="{7A955B9C-6384-4BC0-A1E1-94559C3F83EF}"/>
-          </ac:picMkLst>
-        </pc:picChg>
-        <pc:picChg chg="add del mod">
-          <ac:chgData name="Bühler Pascal Simon (buehlpa1)" userId="b6cfa9bb-2a97-450f-9e52-6528276f5df9" providerId="ADAL" clId="{EFA2CFF2-1712-4F39-8126-F4C3F0834359}" dt="2021-10-29T14:25:11.940" v="1816" actId="478"/>
-          <ac:picMkLst>
-            <pc:docMk/>
-            <pc:sldMk cId="1307332463" sldId="256"/>
-            <ac:picMk id="14" creationId="{A658948F-5EAD-4AAB-BD33-25A07B2CFB9C}"/>
-          </ac:picMkLst>
-        </pc:picChg>
-        <pc:picChg chg="add del mod">
-          <ac:chgData name="Bühler Pascal Simon (buehlpa1)" userId="b6cfa9bb-2a97-450f-9e52-6528276f5df9" providerId="ADAL" clId="{EFA2CFF2-1712-4F39-8126-F4C3F0834359}" dt="2021-10-29T13:02:28.008" v="511" actId="478"/>
-          <ac:picMkLst>
-            <pc:docMk/>
-            <pc:sldMk cId="1307332463" sldId="256"/>
-            <ac:picMk id="14" creationId="{ABB2C4B0-45B9-4D21-AEBE-43B4AF11469A}"/>
-          </ac:picMkLst>
-        </pc:picChg>
-        <pc:picChg chg="add del mod">
-          <ac:chgData name="Bühler Pascal Simon (buehlpa1)" userId="b6cfa9bb-2a97-450f-9e52-6528276f5df9" providerId="ADAL" clId="{EFA2CFF2-1712-4F39-8126-F4C3F0834359}" dt="2021-10-29T09:51:42.488" v="385" actId="478"/>
-          <ac:picMkLst>
-            <pc:docMk/>
-            <pc:sldMk cId="1307332463" sldId="256"/>
-            <ac:picMk id="15" creationId="{998CC498-E49F-4779-828C-21E00C095960}"/>
-          </ac:picMkLst>
-        </pc:picChg>
-        <pc:picChg chg="add del mod">
-          <ac:chgData name="Bühler Pascal Simon (buehlpa1)" userId="b6cfa9bb-2a97-450f-9e52-6528276f5df9" providerId="ADAL" clId="{EFA2CFF2-1712-4F39-8126-F4C3F0834359}" dt="2021-10-29T09:52:18.040" v="398" actId="478"/>
-          <ac:picMkLst>
-            <pc:docMk/>
-            <pc:sldMk cId="1307332463" sldId="256"/>
-            <ac:picMk id="16" creationId="{6481F81D-E3F9-4434-81B5-628DE840EA7A}"/>
-          </ac:picMkLst>
-        </pc:picChg>
-        <pc:picChg chg="add mod ord">
-          <ac:chgData name="Bühler Pascal Simon (buehlpa1)" userId="b6cfa9bb-2a97-450f-9e52-6528276f5df9" providerId="ADAL" clId="{EFA2CFF2-1712-4F39-8126-F4C3F0834359}" dt="2021-10-29T13:53:27.067" v="998" actId="1076"/>
-          <ac:picMkLst>
-            <pc:docMk/>
-            <pc:sldMk cId="1307332463" sldId="256"/>
-            <ac:picMk id="16" creationId="{C1CBD80D-A976-4BDC-97D8-7434F462E118}"/>
-          </ac:picMkLst>
-        </pc:picChg>
-        <pc:picChg chg="add del mod">
-          <ac:chgData name="Bühler Pascal Simon (buehlpa1)" userId="b6cfa9bb-2a97-450f-9e52-6528276f5df9" providerId="ADAL" clId="{EFA2CFF2-1712-4F39-8126-F4C3F0834359}" dt="2021-10-29T09:51:41.836" v="384" actId="478"/>
-          <ac:picMkLst>
-            <pc:docMk/>
-            <pc:sldMk cId="1307332463" sldId="256"/>
-            <ac:picMk id="17" creationId="{02449878-C539-4480-9D99-C674897FA9B0}"/>
-          </ac:picMkLst>
-        </pc:picChg>
-        <pc:picChg chg="add mod">
-          <ac:chgData name="Bühler Pascal Simon (buehlpa1)" userId="b6cfa9bb-2a97-450f-9e52-6528276f5df9" providerId="ADAL" clId="{EFA2CFF2-1712-4F39-8126-F4C3F0834359}" dt="2021-10-29T14:32:50.220" v="2100" actId="164"/>
-          <ac:picMkLst>
-            <pc:docMk/>
-            <pc:sldMk cId="1307332463" sldId="256"/>
-            <ac:picMk id="17" creationId="{4DE0532A-6E43-4ECC-AD91-81750753266F}"/>
-          </ac:picMkLst>
-        </pc:picChg>
-        <pc:picChg chg="del mod">
-          <ac:chgData name="Bühler Pascal Simon (buehlpa1)" userId="b6cfa9bb-2a97-450f-9e52-6528276f5df9" providerId="ADAL" clId="{EFA2CFF2-1712-4F39-8126-F4C3F0834359}" dt="2021-10-29T09:51:44.509" v="388" actId="478"/>
-          <ac:picMkLst>
-            <pc:docMk/>
-            <pc:sldMk cId="1307332463" sldId="256"/>
-            <ac:picMk id="18" creationId="{55E76520-638E-4238-BEC9-ADB450FEE7A1}"/>
-          </ac:picMkLst>
-        </pc:picChg>
-        <pc:picChg chg="add mod">
-          <ac:chgData name="Bühler Pascal Simon (buehlpa1)" userId="b6cfa9bb-2a97-450f-9e52-6528276f5df9" providerId="ADAL" clId="{EFA2CFF2-1712-4F39-8126-F4C3F0834359}" dt="2021-10-29T13:42:26.908" v="705" actId="164"/>
-          <ac:picMkLst>
-            <pc:docMk/>
-            <pc:sldMk cId="1307332463" sldId="256"/>
-            <ac:picMk id="19" creationId="{A3A76BA7-0E41-4A45-AEDB-B665D24383AC}"/>
-          </ac:picMkLst>
-        </pc:picChg>
-        <pc:picChg chg="del mod">
-          <ac:chgData name="Bühler Pascal Simon (buehlpa1)" userId="b6cfa9bb-2a97-450f-9e52-6528276f5df9" providerId="ADAL" clId="{EFA2CFF2-1712-4F39-8126-F4C3F0834359}" dt="2021-10-29T09:51:47.961" v="391" actId="478"/>
-          <ac:picMkLst>
-            <pc:docMk/>
-            <pc:sldMk cId="1307332463" sldId="256"/>
-            <ac:picMk id="21" creationId="{46695541-0474-4EC8-B9D5-FF4BF0C6F714}"/>
-          </ac:picMkLst>
-        </pc:picChg>
-        <pc:picChg chg="add del mod">
-          <ac:chgData name="Bühler Pascal Simon (buehlpa1)" userId="b6cfa9bb-2a97-450f-9e52-6528276f5df9" providerId="ADAL" clId="{EFA2CFF2-1712-4F39-8126-F4C3F0834359}" dt="2021-10-29T09:52:18.040" v="398" actId="478"/>
-          <ac:picMkLst>
-            <pc:docMk/>
-            <pc:sldMk cId="1307332463" sldId="256"/>
-            <ac:picMk id="22" creationId="{6AE69ABE-C8C8-4ACE-8B2C-07EDC2D456EB}"/>
-          </ac:picMkLst>
-        </pc:picChg>
-        <pc:picChg chg="del mod">
-          <ac:chgData name="Bühler Pascal Simon (buehlpa1)" userId="b6cfa9bb-2a97-450f-9e52-6528276f5df9" providerId="ADAL" clId="{EFA2CFF2-1712-4F39-8126-F4C3F0834359}" dt="2021-10-28T18:46:58.513" v="29" actId="478"/>
-          <ac:picMkLst>
-            <pc:docMk/>
-            <pc:sldMk cId="1307332463" sldId="256"/>
-            <ac:picMk id="25" creationId="{1A1938D6-64EA-47D5-9C70-88296E6CA264}"/>
-          </ac:picMkLst>
-        </pc:picChg>
-        <pc:picChg chg="add del mod">
-          <ac:chgData name="Bühler Pascal Simon (buehlpa1)" userId="b6cfa9bb-2a97-450f-9e52-6528276f5df9" providerId="ADAL" clId="{EFA2CFF2-1712-4F39-8126-F4C3F0834359}" dt="2021-10-29T09:52:18.040" v="398" actId="478"/>
-          <ac:picMkLst>
-            <pc:docMk/>
-            <pc:sldMk cId="1307332463" sldId="256"/>
-            <ac:picMk id="25" creationId="{56EF1140-307E-4ACF-AA3F-CE6FD345B0DE}"/>
-          </ac:picMkLst>
-        </pc:picChg>
-        <pc:picChg chg="del mod">
-          <ac:chgData name="Bühler Pascal Simon (buehlpa1)" userId="b6cfa9bb-2a97-450f-9e52-6528276f5df9" providerId="ADAL" clId="{EFA2CFF2-1712-4F39-8126-F4C3F0834359}" dt="2021-10-29T09:51:46.247" v="389" actId="478"/>
-          <ac:picMkLst>
-            <pc:docMk/>
-            <pc:sldMk cId="1307332463" sldId="256"/>
-            <ac:picMk id="27" creationId="{AC0165D0-75CE-4246-BF85-5CF634980473}"/>
-          </ac:picMkLst>
-        </pc:picChg>
-        <pc:picChg chg="add del mod">
-          <ac:chgData name="Bühler Pascal Simon (buehlpa1)" userId="b6cfa9bb-2a97-450f-9e52-6528276f5df9" providerId="ADAL" clId="{EFA2CFF2-1712-4F39-8126-F4C3F0834359}" dt="2021-10-29T09:52:18.040" v="398" actId="478"/>
-          <ac:picMkLst>
-            <pc:docMk/>
-            <pc:sldMk cId="1307332463" sldId="256"/>
-            <ac:picMk id="29" creationId="{2B2A2878-1616-4420-8052-117F971B76CB}"/>
-          </ac:picMkLst>
-        </pc:picChg>
-        <pc:picChg chg="add del mod">
-          <ac:chgData name="Bühler Pascal Simon (buehlpa1)" userId="b6cfa9bb-2a97-450f-9e52-6528276f5df9" providerId="ADAL" clId="{EFA2CFF2-1712-4F39-8126-F4C3F0834359}" dt="2021-10-29T09:52:18.040" v="398" actId="478"/>
-          <ac:picMkLst>
-            <pc:docMk/>
-            <pc:sldMk cId="1307332463" sldId="256"/>
-            <ac:picMk id="31" creationId="{F00D36DC-34A2-4BEF-A536-E780F709A95C}"/>
-          </ac:picMkLst>
-        </pc:picChg>
-        <pc:picChg chg="add del mod">
-          <ac:chgData name="Bühler Pascal Simon (buehlpa1)" userId="b6cfa9bb-2a97-450f-9e52-6528276f5df9" providerId="ADAL" clId="{EFA2CFF2-1712-4F39-8126-F4C3F0834359}" dt="2021-10-29T09:52:18.040" v="398" actId="478"/>
-          <ac:picMkLst>
-            <pc:docMk/>
-            <pc:sldMk cId="1307332463" sldId="256"/>
-            <ac:picMk id="34" creationId="{468DD6FB-7D8E-4A15-A079-976CB0BBB68A}"/>
-          </ac:picMkLst>
-        </pc:picChg>
-        <pc:picChg chg="add del mod">
-          <ac:chgData name="Bühler Pascal Simon (buehlpa1)" userId="b6cfa9bb-2a97-450f-9e52-6528276f5df9" providerId="ADAL" clId="{EFA2CFF2-1712-4F39-8126-F4C3F0834359}" dt="2021-10-29T09:52:18.040" v="398" actId="478"/>
-          <ac:picMkLst>
-            <pc:docMk/>
-            <pc:sldMk cId="1307332463" sldId="256"/>
-            <ac:picMk id="36" creationId="{1F2095A5-B7AB-4FF4-91C3-D7966FA5E632}"/>
-          </ac:picMkLst>
-        </pc:picChg>
-        <pc:picChg chg="add mod">
-          <ac:chgData name="Bühler Pascal Simon (buehlpa1)" userId="b6cfa9bb-2a97-450f-9e52-6528276f5df9" providerId="ADAL" clId="{EFA2CFF2-1712-4F39-8126-F4C3F0834359}" dt="2021-10-29T13:42:19.486" v="704" actId="571"/>
-          <ac:picMkLst>
-            <pc:docMk/>
-            <pc:sldMk cId="1307332463" sldId="256"/>
-            <ac:picMk id="36" creationId="{4DDC1995-C28B-4DE2-85C8-6CD23A899FEC}"/>
-          </ac:picMkLst>
-        </pc:picChg>
-        <pc:picChg chg="add del mod">
-          <ac:chgData name="Bühler Pascal Simon (buehlpa1)" userId="b6cfa9bb-2a97-450f-9e52-6528276f5df9" providerId="ADAL" clId="{EFA2CFF2-1712-4F39-8126-F4C3F0834359}" dt="2021-10-29T14:37:20.765" v="2126" actId="478"/>
-          <ac:picMkLst>
-            <pc:docMk/>
-            <pc:sldMk cId="1307332463" sldId="256"/>
-            <ac:picMk id="37" creationId="{A432E802-77E7-455C-B9D3-76D9597E6FDA}"/>
-          </ac:picMkLst>
-        </pc:picChg>
-        <pc:picChg chg="mod">
-          <ac:chgData name="Bühler Pascal Simon (buehlpa1)" userId="b6cfa9bb-2a97-450f-9e52-6528276f5df9" providerId="ADAL" clId="{EFA2CFF2-1712-4F39-8126-F4C3F0834359}" dt="2021-10-29T13:42:19.486" v="704" actId="571"/>
-          <ac:picMkLst>
-            <pc:docMk/>
-            <pc:sldMk cId="1307332463" sldId="256"/>
-            <ac:picMk id="38" creationId="{C18A3336-6582-413F-A345-898D82D8F184}"/>
-          </ac:picMkLst>
-        </pc:picChg>
-        <pc:picChg chg="add del mod">
-          <ac:chgData name="Bühler Pascal Simon (buehlpa1)" userId="b6cfa9bb-2a97-450f-9e52-6528276f5df9" providerId="ADAL" clId="{EFA2CFF2-1712-4F39-8126-F4C3F0834359}" dt="2021-10-29T09:52:18.040" v="398" actId="478"/>
-          <ac:picMkLst>
-            <pc:docMk/>
-            <pc:sldMk cId="1307332463" sldId="256"/>
-            <ac:picMk id="38" creationId="{E01910D4-26D4-4FDC-8663-A0284A255EEA}"/>
-          </ac:picMkLst>
-        </pc:picChg>
-        <pc:picChg chg="mod">
-          <ac:chgData name="Bühler Pascal Simon (buehlpa1)" userId="b6cfa9bb-2a97-450f-9e52-6528276f5df9" providerId="ADAL" clId="{EFA2CFF2-1712-4F39-8126-F4C3F0834359}" dt="2021-10-29T13:42:19.486" v="704" actId="571"/>
-          <ac:picMkLst>
-            <pc:docMk/>
-            <pc:sldMk cId="1307332463" sldId="256"/>
-            <ac:picMk id="39" creationId="{7F95B3EA-707B-4709-8185-FD3EFA541A1C}"/>
-          </ac:picMkLst>
-        </pc:picChg>
-        <pc:picChg chg="add del mod">
-          <ac:chgData name="Bühler Pascal Simon (buehlpa1)" userId="b6cfa9bb-2a97-450f-9e52-6528276f5df9" providerId="ADAL" clId="{EFA2CFF2-1712-4F39-8126-F4C3F0834359}" dt="2021-10-29T14:37:16.874" v="2125" actId="478"/>
-          <ac:picMkLst>
-            <pc:docMk/>
-            <pc:sldMk cId="1307332463" sldId="256"/>
-            <ac:picMk id="39" creationId="{B21B49CF-6FD9-4027-86CE-1F39390166C6}"/>
-          </ac:picMkLst>
-        </pc:picChg>
-        <pc:picChg chg="add del mod">
-          <ac:chgData name="Bühler Pascal Simon (buehlpa1)" userId="b6cfa9bb-2a97-450f-9e52-6528276f5df9" providerId="ADAL" clId="{EFA2CFF2-1712-4F39-8126-F4C3F0834359}" dt="2021-10-29T09:53:24.337" v="408" actId="478"/>
-          <ac:picMkLst>
-            <pc:docMk/>
-            <pc:sldMk cId="1307332463" sldId="256"/>
-            <ac:picMk id="40" creationId="{1FD68A70-A7EE-41E2-8C35-0DBC70661236}"/>
-          </ac:picMkLst>
-        </pc:picChg>
-        <pc:picChg chg="add mod">
-          <ac:chgData name="Bühler Pascal Simon (buehlpa1)" userId="b6cfa9bb-2a97-450f-9e52-6528276f5df9" providerId="ADAL" clId="{EFA2CFF2-1712-4F39-8126-F4C3F0834359}" dt="2021-10-29T15:10:52.496" v="3155" actId="1076"/>
-          <ac:picMkLst>
-            <pc:docMk/>
-            <pc:sldMk cId="1307332463" sldId="256"/>
-            <ac:picMk id="41" creationId="{770A95F8-590D-4B8B-A4D2-A6AE9BF3D594}"/>
-          </ac:picMkLst>
-        </pc:picChg>
-        <pc:picChg chg="add del mod">
-          <ac:chgData name="Bühler Pascal Simon (buehlpa1)" userId="b6cfa9bb-2a97-450f-9e52-6528276f5df9" providerId="ADAL" clId="{EFA2CFF2-1712-4F39-8126-F4C3F0834359}" dt="2021-10-29T09:53:23.518" v="407" actId="478"/>
-          <ac:picMkLst>
-            <pc:docMk/>
-            <pc:sldMk cId="1307332463" sldId="256"/>
-            <ac:picMk id="42" creationId="{A1B25706-CB44-46C5-8372-D9C30738B3C6}"/>
-          </ac:picMkLst>
-        </pc:picChg>
-        <pc:picChg chg="add mod">
-          <ac:chgData name="Bühler Pascal Simon (buehlpa1)" userId="b6cfa9bb-2a97-450f-9e52-6528276f5df9" providerId="ADAL" clId="{EFA2CFF2-1712-4F39-8126-F4C3F0834359}" dt="2021-10-29T15:20:10.591" v="3201" actId="1076"/>
-          <ac:picMkLst>
-            <pc:docMk/>
-            <pc:sldMk cId="1307332463" sldId="256"/>
-            <ac:picMk id="43" creationId="{CC544CBA-C64A-45D8-809D-260008AEC304}"/>
-          </ac:picMkLst>
-        </pc:picChg>
-        <pc:picChg chg="add del mod">
-          <ac:chgData name="Bühler Pascal Simon (buehlpa1)" userId="b6cfa9bb-2a97-450f-9e52-6528276f5df9" providerId="ADAL" clId="{EFA2CFF2-1712-4F39-8126-F4C3F0834359}" dt="2021-10-29T09:53:33.448" v="411" actId="478"/>
-          <ac:picMkLst>
-            <pc:docMk/>
-            <pc:sldMk cId="1307332463" sldId="256"/>
-            <ac:picMk id="44" creationId="{67CA94AC-2309-4878-8A07-89CE113B554D}"/>
-          </ac:picMkLst>
-        </pc:picChg>
-        <pc:picChg chg="add mod ord">
-          <ac:chgData name="Bühler Pascal Simon (buehlpa1)" userId="b6cfa9bb-2a97-450f-9e52-6528276f5df9" providerId="ADAL" clId="{EFA2CFF2-1712-4F39-8126-F4C3F0834359}" dt="2021-10-29T15:20:13.882" v="3202" actId="1076"/>
-          <ac:picMkLst>
-            <pc:docMk/>
-            <pc:sldMk cId="1307332463" sldId="256"/>
-            <ac:picMk id="45" creationId="{92B31783-948D-4A2E-8A26-E76D9266E9D5}"/>
-          </ac:picMkLst>
-        </pc:picChg>
-        <pc:picChg chg="add del mod">
-          <ac:chgData name="Bühler Pascal Simon (buehlpa1)" userId="b6cfa9bb-2a97-450f-9e52-6528276f5df9" providerId="ADAL" clId="{EFA2CFF2-1712-4F39-8126-F4C3F0834359}" dt="2021-10-29T09:53:45.008" v="414" actId="478"/>
-          <ac:picMkLst>
-            <pc:docMk/>
-            <pc:sldMk cId="1307332463" sldId="256"/>
-            <ac:picMk id="46" creationId="{14FF5F6A-767B-4DD4-8ED8-C0068FA563F9}"/>
-          </ac:picMkLst>
-        </pc:picChg>
-        <pc:picChg chg="add mod">
-          <ac:chgData name="Bühler Pascal Simon (buehlpa1)" userId="b6cfa9bb-2a97-450f-9e52-6528276f5df9" providerId="ADAL" clId="{EFA2CFF2-1712-4F39-8126-F4C3F0834359}" dt="2021-10-29T13:42:18.808" v="703" actId="571"/>
-          <ac:picMkLst>
-            <pc:docMk/>
-            <pc:sldMk cId="1307332463" sldId="256"/>
-            <ac:picMk id="46" creationId="{709689E2-7AAF-48F2-B918-00756B7D27EA}"/>
-          </ac:picMkLst>
-        </pc:picChg>
-        <pc:picChg chg="add del mod">
-          <ac:chgData name="Bühler Pascal Simon (buehlpa1)" userId="b6cfa9bb-2a97-450f-9e52-6528276f5df9" providerId="ADAL" clId="{EFA2CFF2-1712-4F39-8126-F4C3F0834359}" dt="2021-10-29T11:07:53.648" v="427" actId="478"/>
-          <ac:picMkLst>
-            <pc:docMk/>
-            <pc:sldMk cId="1307332463" sldId="256"/>
-            <ac:picMk id="48" creationId="{53071329-4CA9-4D61-B32C-4043598C3615}"/>
-          </ac:picMkLst>
-        </pc:picChg>
-        <pc:picChg chg="mod">
-          <ac:chgData name="Bühler Pascal Simon (buehlpa1)" userId="b6cfa9bb-2a97-450f-9e52-6528276f5df9" providerId="ADAL" clId="{EFA2CFF2-1712-4F39-8126-F4C3F0834359}" dt="2021-10-29T13:42:18.808" v="703" actId="571"/>
-          <ac:picMkLst>
-            <pc:docMk/>
-            <pc:sldMk cId="1307332463" sldId="256"/>
-            <ac:picMk id="48" creationId="{8EBB135D-C211-41F9-AAD7-4DC42CE76307}"/>
-          </ac:picMkLst>
-        </pc:picChg>
-        <pc:picChg chg="mod">
-          <ac:chgData name="Bühler Pascal Simon (buehlpa1)" userId="b6cfa9bb-2a97-450f-9e52-6528276f5df9" providerId="ADAL" clId="{EFA2CFF2-1712-4F39-8126-F4C3F0834359}" dt="2021-10-29T13:42:18.808" v="703" actId="571"/>
-          <ac:picMkLst>
-            <pc:docMk/>
-            <pc:sldMk cId="1307332463" sldId="256"/>
-            <ac:picMk id="49" creationId="{44D3B960-8681-4EAD-BD15-71130FEBFFB3}"/>
-          </ac:picMkLst>
-        </pc:picChg>
-        <pc:picChg chg="add del mod">
-          <ac:chgData name="Bühler Pascal Simon (buehlpa1)" userId="b6cfa9bb-2a97-450f-9e52-6528276f5df9" providerId="ADAL" clId="{EFA2CFF2-1712-4F39-8126-F4C3F0834359}" dt="2021-10-29T13:03:25.201" v="532" actId="478"/>
-          <ac:picMkLst>
-            <pc:docMk/>
-            <pc:sldMk cId="1307332463" sldId="256"/>
-            <ac:picMk id="50" creationId="{0B4B54A1-9CC5-4C21-AC99-A3B9B1B701A0}"/>
-          </ac:picMkLst>
-        </pc:picChg>
-        <pc:picChg chg="add del mod">
-          <ac:chgData name="Bühler Pascal Simon (buehlpa1)" userId="b6cfa9bb-2a97-450f-9e52-6528276f5df9" providerId="ADAL" clId="{EFA2CFF2-1712-4F39-8126-F4C3F0834359}" dt="2021-10-29T13:03:24.254" v="531" actId="478"/>
-          <ac:picMkLst>
-            <pc:docMk/>
-            <pc:sldMk cId="1307332463" sldId="256"/>
-            <ac:picMk id="52" creationId="{5B49DB16-9389-48D9-9EFD-32D0E0518220}"/>
-          </ac:picMkLst>
-        </pc:picChg>
-        <pc:picChg chg="add del mod">
-          <ac:chgData name="Bühler Pascal Simon (buehlpa1)" userId="b6cfa9bb-2a97-450f-9e52-6528276f5df9" providerId="ADAL" clId="{EFA2CFF2-1712-4F39-8126-F4C3F0834359}" dt="2021-10-29T11:09:57.055" v="456" actId="478"/>
-          <ac:picMkLst>
-            <pc:docMk/>
-            <pc:sldMk cId="1307332463" sldId="256"/>
-            <ac:picMk id="54" creationId="{341655D5-D8F5-4310-8A4A-63E350BCE946}"/>
-          </ac:picMkLst>
-        </pc:picChg>
-        <pc:picChg chg="add mod">
-          <ac:chgData name="Bühler Pascal Simon (buehlpa1)" userId="b6cfa9bb-2a97-450f-9e52-6528276f5df9" providerId="ADAL" clId="{EFA2CFF2-1712-4F39-8126-F4C3F0834359}" dt="2021-10-29T13:42:17.277" v="702" actId="571"/>
-          <ac:picMkLst>
-            <pc:docMk/>
-            <pc:sldMk cId="1307332463" sldId="256"/>
-            <ac:picMk id="56" creationId="{4FE4CA14-17BD-4A51-86F9-B79555B55405}"/>
-          </ac:picMkLst>
-        </pc:picChg>
-        <pc:picChg chg="mod">
-          <ac:chgData name="Bühler Pascal Simon (buehlpa1)" userId="b6cfa9bb-2a97-450f-9e52-6528276f5df9" providerId="ADAL" clId="{EFA2CFF2-1712-4F39-8126-F4C3F0834359}" dt="2021-10-29T13:42:17.277" v="702" actId="571"/>
-          <ac:picMkLst>
-            <pc:docMk/>
-            <pc:sldMk cId="1307332463" sldId="256"/>
-            <ac:picMk id="58" creationId="{F7A94D30-C073-47B5-B5FE-C36F54ED4A25}"/>
-          </ac:picMkLst>
-        </pc:picChg>
-        <pc:picChg chg="mod">
-          <ac:chgData name="Bühler Pascal Simon (buehlpa1)" userId="b6cfa9bb-2a97-450f-9e52-6528276f5df9" providerId="ADAL" clId="{EFA2CFF2-1712-4F39-8126-F4C3F0834359}" dt="2021-10-29T13:42:17.277" v="702" actId="571"/>
-          <ac:picMkLst>
-            <pc:docMk/>
-            <pc:sldMk cId="1307332463" sldId="256"/>
-            <ac:picMk id="59" creationId="{99EC459A-157B-4E7C-B191-557C438F0E96}"/>
-          </ac:picMkLst>
-        </pc:picChg>
-        <pc:picChg chg="add del mod">
-          <ac:chgData name="Bühler Pascal Simon (buehlpa1)" userId="b6cfa9bb-2a97-450f-9e52-6528276f5df9" providerId="ADAL" clId="{EFA2CFF2-1712-4F39-8126-F4C3F0834359}" dt="2021-10-29T14:20:53.538" v="1768" actId="478"/>
-          <ac:picMkLst>
-            <pc:docMk/>
-            <pc:sldMk cId="1307332463" sldId="256"/>
-            <ac:picMk id="69" creationId="{C6536EB3-817B-4BA5-B1A8-5D29A10CA2C9}"/>
-          </ac:picMkLst>
-        </pc:picChg>
-        <pc:cxnChg chg="add mod">
-          <ac:chgData name="Bühler Pascal Simon (buehlpa1)" userId="b6cfa9bb-2a97-450f-9e52-6528276f5df9" providerId="ADAL" clId="{EFA2CFF2-1712-4F39-8126-F4C3F0834359}" dt="2021-10-29T13:41:58.388" v="697" actId="164"/>
-          <ac:cxnSpMkLst>
-            <pc:docMk/>
-            <pc:sldMk cId="1307332463" sldId="256"/>
-            <ac:cxnSpMk id="22" creationId="{060334FD-A8AE-43A9-B869-C17D5B384003}"/>
-          </ac:cxnSpMkLst>
-        </pc:cxnChg>
-        <pc:cxnChg chg="add mod">
-          <ac:chgData name="Bühler Pascal Simon (buehlpa1)" userId="b6cfa9bb-2a97-450f-9e52-6528276f5df9" providerId="ADAL" clId="{EFA2CFF2-1712-4F39-8126-F4C3F0834359}" dt="2021-10-29T13:41:58.388" v="697" actId="164"/>
-          <ac:cxnSpMkLst>
-            <pc:docMk/>
-            <pc:sldMk cId="1307332463" sldId="256"/>
-            <ac:cxnSpMk id="23" creationId="{8AB45A94-1EA9-4A4B-BC28-14E71C0AB380}"/>
-          </ac:cxnSpMkLst>
-        </pc:cxnChg>
-        <pc:cxnChg chg="add mod">
-          <ac:chgData name="Bühler Pascal Simon (buehlpa1)" userId="b6cfa9bb-2a97-450f-9e52-6528276f5df9" providerId="ADAL" clId="{EFA2CFF2-1712-4F39-8126-F4C3F0834359}" dt="2021-10-29T13:41:58.388" v="697" actId="164"/>
-          <ac:cxnSpMkLst>
-            <pc:docMk/>
-            <pc:sldMk cId="1307332463" sldId="256"/>
-            <ac:cxnSpMk id="24" creationId="{22D702CB-976F-4C73-B5DA-F03B5DD10622}"/>
-          </ac:cxnSpMkLst>
-        </pc:cxnChg>
-        <pc:cxnChg chg="add del">
-          <ac:chgData name="Bühler Pascal Simon (buehlpa1)" userId="b6cfa9bb-2a97-450f-9e52-6528276f5df9" providerId="ADAL" clId="{EFA2CFF2-1712-4F39-8126-F4C3F0834359}" dt="2021-10-29T13:40:30.239" v="681" actId="478"/>
-          <ac:cxnSpMkLst>
-            <pc:docMk/>
-            <pc:sldMk cId="1307332463" sldId="256"/>
-            <ac:cxnSpMk id="26" creationId="{A5713A1A-113D-4B58-97E0-A05E0212BB66}"/>
-          </ac:cxnSpMkLst>
-        </pc:cxnChg>
-        <pc:cxnChg chg="add mod">
-          <ac:chgData name="Bühler Pascal Simon (buehlpa1)" userId="b6cfa9bb-2a97-450f-9e52-6528276f5df9" providerId="ADAL" clId="{EFA2CFF2-1712-4F39-8126-F4C3F0834359}" dt="2021-10-29T13:41:58.388" v="697" actId="164"/>
-          <ac:cxnSpMkLst>
-            <pc:docMk/>
-            <pc:sldMk cId="1307332463" sldId="256"/>
-            <ac:cxnSpMk id="28" creationId="{3A6DF717-525D-41B9-81ED-10FD176FAF57}"/>
-          </ac:cxnSpMkLst>
-        </pc:cxnChg>
-        <pc:cxnChg chg="add del mod">
-          <ac:chgData name="Bühler Pascal Simon (buehlpa1)" userId="b6cfa9bb-2a97-450f-9e52-6528276f5df9" providerId="ADAL" clId="{EFA2CFF2-1712-4F39-8126-F4C3F0834359}" dt="2021-10-29T13:41:01.991" v="688" actId="478"/>
-          <ac:cxnSpMkLst>
-            <pc:docMk/>
-            <pc:sldMk cId="1307332463" sldId="256"/>
-            <ac:cxnSpMk id="30" creationId="{12235B68-DCE8-4017-B229-D0E001B18794}"/>
-          </ac:cxnSpMkLst>
-        </pc:cxnChg>
-        <pc:cxnChg chg="add mod">
-          <ac:chgData name="Bühler Pascal Simon (buehlpa1)" userId="b6cfa9bb-2a97-450f-9e52-6528276f5df9" providerId="ADAL" clId="{EFA2CFF2-1712-4F39-8126-F4C3F0834359}" dt="2021-10-29T13:41:58.388" v="697" actId="164"/>
-          <ac:cxnSpMkLst>
-            <pc:docMk/>
-            <pc:sldMk cId="1307332463" sldId="256"/>
-            <ac:cxnSpMk id="31" creationId="{5478E7E8-C75C-4763-A615-B963AD9F4647}"/>
-          </ac:cxnSpMkLst>
-        </pc:cxnChg>
-        <pc:cxnChg chg="add mod">
-          <ac:chgData name="Bühler Pascal Simon (buehlpa1)" userId="b6cfa9bb-2a97-450f-9e52-6528276f5df9" providerId="ADAL" clId="{EFA2CFF2-1712-4F39-8126-F4C3F0834359}" dt="2021-10-29T13:41:58.388" v="697" actId="164"/>
-          <ac:cxnSpMkLst>
-            <pc:docMk/>
-            <pc:sldMk cId="1307332463" sldId="256"/>
-            <ac:cxnSpMk id="33" creationId="{FD4CD525-6370-4521-9FDA-5EE059153D65}"/>
-          </ac:cxnSpMkLst>
-        </pc:cxnChg>
-        <pc:cxnChg chg="add mod">
-          <ac:chgData name="Bühler Pascal Simon (buehlpa1)" userId="b6cfa9bb-2a97-450f-9e52-6528276f5df9" providerId="ADAL" clId="{EFA2CFF2-1712-4F39-8126-F4C3F0834359}" dt="2021-10-29T14:32:50.220" v="2100" actId="164"/>
-          <ac:cxnSpMkLst>
-            <pc:docMk/>
-            <pc:sldMk cId="1307332463" sldId="256"/>
-            <ac:cxnSpMk id="34" creationId="{AEE7B068-1965-4121-AACF-729383C71D23}"/>
-          </ac:cxnSpMkLst>
-        </pc:cxnChg>
-        <pc:cxnChg chg="mod">
-          <ac:chgData name="Bühler Pascal Simon (buehlpa1)" userId="b6cfa9bb-2a97-450f-9e52-6528276f5df9" providerId="ADAL" clId="{EFA2CFF2-1712-4F39-8126-F4C3F0834359}" dt="2021-10-29T13:42:19.486" v="704" actId="571"/>
-          <ac:cxnSpMkLst>
-            <pc:docMk/>
-            <pc:sldMk cId="1307332463" sldId="256"/>
-            <ac:cxnSpMk id="40" creationId="{C4105A86-DA3C-41C0-ABA9-703039E0D587}"/>
-          </ac:cxnSpMkLst>
-        </pc:cxnChg>
-        <pc:cxnChg chg="mod">
-          <ac:chgData name="Bühler Pascal Simon (buehlpa1)" userId="b6cfa9bb-2a97-450f-9e52-6528276f5df9" providerId="ADAL" clId="{EFA2CFF2-1712-4F39-8126-F4C3F0834359}" dt="2021-10-29T13:42:19.486" v="704" actId="571"/>
-          <ac:cxnSpMkLst>
-            <pc:docMk/>
-            <pc:sldMk cId="1307332463" sldId="256"/>
-            <ac:cxnSpMk id="41" creationId="{773E2925-9DEA-4AD8-BF1C-A96C71591606}"/>
-          </ac:cxnSpMkLst>
-        </pc:cxnChg>
-        <pc:cxnChg chg="mod">
-          <ac:chgData name="Bühler Pascal Simon (buehlpa1)" userId="b6cfa9bb-2a97-450f-9e52-6528276f5df9" providerId="ADAL" clId="{EFA2CFF2-1712-4F39-8126-F4C3F0834359}" dt="2021-10-29T13:42:19.486" v="704" actId="571"/>
-          <ac:cxnSpMkLst>
-            <pc:docMk/>
-            <pc:sldMk cId="1307332463" sldId="256"/>
-            <ac:cxnSpMk id="42" creationId="{FDAF9ABA-95D9-414B-A37E-27140A7A9E51}"/>
-          </ac:cxnSpMkLst>
-        </pc:cxnChg>
-        <pc:cxnChg chg="mod">
-          <ac:chgData name="Bühler Pascal Simon (buehlpa1)" userId="b6cfa9bb-2a97-450f-9e52-6528276f5df9" providerId="ADAL" clId="{EFA2CFF2-1712-4F39-8126-F4C3F0834359}" dt="2021-10-29T13:42:19.486" v="704" actId="571"/>
-          <ac:cxnSpMkLst>
-            <pc:docMk/>
-            <pc:sldMk cId="1307332463" sldId="256"/>
-            <ac:cxnSpMk id="43" creationId="{CFF898CC-8277-49A9-8202-8AE69F6EEF9D}"/>
-          </ac:cxnSpMkLst>
-        </pc:cxnChg>
-        <pc:cxnChg chg="mod">
-          <ac:chgData name="Bühler Pascal Simon (buehlpa1)" userId="b6cfa9bb-2a97-450f-9e52-6528276f5df9" providerId="ADAL" clId="{EFA2CFF2-1712-4F39-8126-F4C3F0834359}" dt="2021-10-29T13:42:19.486" v="704" actId="571"/>
-          <ac:cxnSpMkLst>
-            <pc:docMk/>
-            <pc:sldMk cId="1307332463" sldId="256"/>
-            <ac:cxnSpMk id="44" creationId="{34A57942-D542-450C-A3A5-B2B3426AEBC1}"/>
-          </ac:cxnSpMkLst>
-        </pc:cxnChg>
-        <pc:cxnChg chg="mod">
-          <ac:chgData name="Bühler Pascal Simon (buehlpa1)" userId="b6cfa9bb-2a97-450f-9e52-6528276f5df9" providerId="ADAL" clId="{EFA2CFF2-1712-4F39-8126-F4C3F0834359}" dt="2021-10-29T13:42:19.486" v="704" actId="571"/>
-          <ac:cxnSpMkLst>
-            <pc:docMk/>
-            <pc:sldMk cId="1307332463" sldId="256"/>
-            <ac:cxnSpMk id="45" creationId="{DDEA2693-A19F-422B-9571-EAEFEFB05919}"/>
-          </ac:cxnSpMkLst>
-        </pc:cxnChg>
-        <pc:cxnChg chg="mod">
-          <ac:chgData name="Bühler Pascal Simon (buehlpa1)" userId="b6cfa9bb-2a97-450f-9e52-6528276f5df9" providerId="ADAL" clId="{EFA2CFF2-1712-4F39-8126-F4C3F0834359}" dt="2021-10-29T13:42:18.808" v="703" actId="571"/>
-          <ac:cxnSpMkLst>
-            <pc:docMk/>
-            <pc:sldMk cId="1307332463" sldId="256"/>
-            <ac:cxnSpMk id="50" creationId="{3C21BB06-28C6-43E9-A082-1163806E7D4B}"/>
-          </ac:cxnSpMkLst>
-        </pc:cxnChg>
-        <pc:cxnChg chg="mod">
-          <ac:chgData name="Bühler Pascal Simon (buehlpa1)" userId="b6cfa9bb-2a97-450f-9e52-6528276f5df9" providerId="ADAL" clId="{EFA2CFF2-1712-4F39-8126-F4C3F0834359}" dt="2021-10-29T13:42:18.808" v="703" actId="571"/>
-          <ac:cxnSpMkLst>
-            <pc:docMk/>
-            <pc:sldMk cId="1307332463" sldId="256"/>
-            <ac:cxnSpMk id="51" creationId="{7E29499E-03C4-4401-A8BA-A209A0FC8BBF}"/>
-          </ac:cxnSpMkLst>
-        </pc:cxnChg>
-        <pc:cxnChg chg="mod">
-          <ac:chgData name="Bühler Pascal Simon (buehlpa1)" userId="b6cfa9bb-2a97-450f-9e52-6528276f5df9" providerId="ADAL" clId="{EFA2CFF2-1712-4F39-8126-F4C3F0834359}" dt="2021-10-29T13:42:18.808" v="703" actId="571"/>
-          <ac:cxnSpMkLst>
-            <pc:docMk/>
-            <pc:sldMk cId="1307332463" sldId="256"/>
-            <ac:cxnSpMk id="52" creationId="{EDB6A3F4-E5F4-4CD8-A4C2-250ECC6E5E2B}"/>
-          </ac:cxnSpMkLst>
-        </pc:cxnChg>
-        <pc:cxnChg chg="mod">
-          <ac:chgData name="Bühler Pascal Simon (buehlpa1)" userId="b6cfa9bb-2a97-450f-9e52-6528276f5df9" providerId="ADAL" clId="{EFA2CFF2-1712-4F39-8126-F4C3F0834359}" dt="2021-10-29T13:42:18.808" v="703" actId="571"/>
-          <ac:cxnSpMkLst>
-            <pc:docMk/>
-            <pc:sldMk cId="1307332463" sldId="256"/>
-            <ac:cxnSpMk id="53" creationId="{19D364A2-E8E6-4F80-B03A-D197C2BEEDEF}"/>
-          </ac:cxnSpMkLst>
-        </pc:cxnChg>
-        <pc:cxnChg chg="add mod">
-          <ac:chgData name="Bühler Pascal Simon (buehlpa1)" userId="b6cfa9bb-2a97-450f-9e52-6528276f5df9" providerId="ADAL" clId="{EFA2CFF2-1712-4F39-8126-F4C3F0834359}" dt="2021-10-29T15:20:05.259" v="3200" actId="14100"/>
-          <ac:cxnSpMkLst>
-            <pc:docMk/>
-            <pc:sldMk cId="1307332463" sldId="256"/>
-            <ac:cxnSpMk id="53" creationId="{1E115915-2402-40F6-A16B-93B55DAED107}"/>
-          </ac:cxnSpMkLst>
-        </pc:cxnChg>
-        <pc:cxnChg chg="mod">
-          <ac:chgData name="Bühler Pascal Simon (buehlpa1)" userId="b6cfa9bb-2a97-450f-9e52-6528276f5df9" providerId="ADAL" clId="{EFA2CFF2-1712-4F39-8126-F4C3F0834359}" dt="2021-10-29T13:42:18.808" v="703" actId="571"/>
-          <ac:cxnSpMkLst>
-            <pc:docMk/>
-            <pc:sldMk cId="1307332463" sldId="256"/>
-            <ac:cxnSpMk id="54" creationId="{CD641873-2C66-4F60-AA4E-60A3F330209B}"/>
-          </ac:cxnSpMkLst>
-        </pc:cxnChg>
-        <pc:cxnChg chg="mod">
-          <ac:chgData name="Bühler Pascal Simon (buehlpa1)" userId="b6cfa9bb-2a97-450f-9e52-6528276f5df9" providerId="ADAL" clId="{EFA2CFF2-1712-4F39-8126-F4C3F0834359}" dt="2021-10-29T13:42:18.808" v="703" actId="571"/>
-          <ac:cxnSpMkLst>
-            <pc:docMk/>
-            <pc:sldMk cId="1307332463" sldId="256"/>
-            <ac:cxnSpMk id="55" creationId="{359BA447-4998-4243-8FC3-35E8005B6008}"/>
-          </ac:cxnSpMkLst>
-        </pc:cxnChg>
-        <pc:cxnChg chg="mod">
-          <ac:chgData name="Bühler Pascal Simon (buehlpa1)" userId="b6cfa9bb-2a97-450f-9e52-6528276f5df9" providerId="ADAL" clId="{EFA2CFF2-1712-4F39-8126-F4C3F0834359}" dt="2021-10-29T13:42:17.277" v="702" actId="571"/>
-          <ac:cxnSpMkLst>
-            <pc:docMk/>
-            <pc:sldMk cId="1307332463" sldId="256"/>
-            <ac:cxnSpMk id="60" creationId="{8E88229A-F02E-4650-923D-831554792AA3}"/>
-          </ac:cxnSpMkLst>
-        </pc:cxnChg>
-        <pc:cxnChg chg="mod">
-          <ac:chgData name="Bühler Pascal Simon (buehlpa1)" userId="b6cfa9bb-2a97-450f-9e52-6528276f5df9" providerId="ADAL" clId="{EFA2CFF2-1712-4F39-8126-F4C3F0834359}" dt="2021-10-29T13:42:17.277" v="702" actId="571"/>
-          <ac:cxnSpMkLst>
-            <pc:docMk/>
-            <pc:sldMk cId="1307332463" sldId="256"/>
-            <ac:cxnSpMk id="61" creationId="{EA2B07FF-01E7-40EE-B032-C7D64073A99F}"/>
-          </ac:cxnSpMkLst>
-        </pc:cxnChg>
-        <pc:cxnChg chg="mod">
-          <ac:chgData name="Bühler Pascal Simon (buehlpa1)" userId="b6cfa9bb-2a97-450f-9e52-6528276f5df9" providerId="ADAL" clId="{EFA2CFF2-1712-4F39-8126-F4C3F0834359}" dt="2021-10-29T13:42:17.277" v="702" actId="571"/>
-          <ac:cxnSpMkLst>
-            <pc:docMk/>
-            <pc:sldMk cId="1307332463" sldId="256"/>
-            <ac:cxnSpMk id="62" creationId="{D96B17D4-987B-4870-99F4-B9977E19E013}"/>
-          </ac:cxnSpMkLst>
-        </pc:cxnChg>
-        <pc:cxnChg chg="mod">
-          <ac:chgData name="Bühler Pascal Simon (buehlpa1)" userId="b6cfa9bb-2a97-450f-9e52-6528276f5df9" providerId="ADAL" clId="{EFA2CFF2-1712-4F39-8126-F4C3F0834359}" dt="2021-10-29T13:42:17.277" v="702" actId="571"/>
-          <ac:cxnSpMkLst>
-            <pc:docMk/>
-            <pc:sldMk cId="1307332463" sldId="256"/>
-            <ac:cxnSpMk id="63" creationId="{617C587F-33B2-4FA8-99E8-0FF0BCE881B4}"/>
-          </ac:cxnSpMkLst>
-        </pc:cxnChg>
-        <pc:cxnChg chg="mod">
-          <ac:chgData name="Bühler Pascal Simon (buehlpa1)" userId="b6cfa9bb-2a97-450f-9e52-6528276f5df9" providerId="ADAL" clId="{EFA2CFF2-1712-4F39-8126-F4C3F0834359}" dt="2021-10-29T13:42:17.277" v="702" actId="571"/>
-          <ac:cxnSpMkLst>
-            <pc:docMk/>
-            <pc:sldMk cId="1307332463" sldId="256"/>
-            <ac:cxnSpMk id="64" creationId="{96A826D8-D42B-4A0E-8314-ED5F5ECDB56B}"/>
-          </ac:cxnSpMkLst>
-        </pc:cxnChg>
-        <pc:cxnChg chg="mod">
-          <ac:chgData name="Bühler Pascal Simon (buehlpa1)" userId="b6cfa9bb-2a97-450f-9e52-6528276f5df9" providerId="ADAL" clId="{EFA2CFF2-1712-4F39-8126-F4C3F0834359}" dt="2021-10-29T13:42:17.277" v="702" actId="571"/>
-          <ac:cxnSpMkLst>
-            <pc:docMk/>
-            <pc:sldMk cId="1307332463" sldId="256"/>
-            <ac:cxnSpMk id="65" creationId="{AB76E5A9-5DD4-4428-AEB9-760954D3C093}"/>
-          </ac:cxnSpMkLst>
-        </pc:cxnChg>
       </pc:sldChg>
     </pc:docChg>
   </pc:docChgLst>
@@ -2214,7 +2214,7 @@
           <a:p>
             <a:fld id="{4D78859C-48A4-4725-9FB7-3B209BF9AD3F}" type="datetimeFigureOut">
               <a:rPr lang="de-CH" smtClean="0"/>
-              <a:t>01.11.2021</a:t>
+              <a:t>28.11.2021</a:t>
             </a:fld>
             <a:endParaRPr lang="de-CH"/>
           </a:p>
@@ -2715,7 +2715,7 @@
           <a:p>
             <a:fld id="{DB4760C6-FC58-42BA-93A2-C68233C15ADD}" type="datetimeFigureOut">
               <a:rPr lang="de-CH" smtClean="0"/>
-              <a:t>01.11.2021</a:t>
+              <a:t>28.11.2021</a:t>
             </a:fld>
             <a:endParaRPr lang="de-CH" dirty="0"/>
           </a:p>
@@ -2915,7 +2915,7 @@
           <a:p>
             <a:fld id="{DB4760C6-FC58-42BA-93A2-C68233C15ADD}" type="datetimeFigureOut">
               <a:rPr lang="de-CH" smtClean="0"/>
-              <a:t>01.11.2021</a:t>
+              <a:t>28.11.2021</a:t>
             </a:fld>
             <a:endParaRPr lang="de-CH" dirty="0"/>
           </a:p>
@@ -3125,7 +3125,7 @@
           <a:p>
             <a:fld id="{DB4760C6-FC58-42BA-93A2-C68233C15ADD}" type="datetimeFigureOut">
               <a:rPr lang="de-CH" smtClean="0"/>
-              <a:t>01.11.2021</a:t>
+              <a:t>28.11.2021</a:t>
             </a:fld>
             <a:endParaRPr lang="de-CH" dirty="0"/>
           </a:p>
@@ -3325,7 +3325,7 @@
           <a:p>
             <a:fld id="{DB4760C6-FC58-42BA-93A2-C68233C15ADD}" type="datetimeFigureOut">
               <a:rPr lang="de-CH" smtClean="0"/>
-              <a:t>01.11.2021</a:t>
+              <a:t>28.11.2021</a:t>
             </a:fld>
             <a:endParaRPr lang="de-CH" dirty="0"/>
           </a:p>
@@ -3601,7 +3601,7 @@
           <a:p>
             <a:fld id="{DB4760C6-FC58-42BA-93A2-C68233C15ADD}" type="datetimeFigureOut">
               <a:rPr lang="de-CH" smtClean="0"/>
-              <a:t>01.11.2021</a:t>
+              <a:t>28.11.2021</a:t>
             </a:fld>
             <a:endParaRPr lang="de-CH" dirty="0"/>
           </a:p>
@@ -3869,7 +3869,7 @@
           <a:p>
             <a:fld id="{DB4760C6-FC58-42BA-93A2-C68233C15ADD}" type="datetimeFigureOut">
               <a:rPr lang="de-CH" smtClean="0"/>
-              <a:t>01.11.2021</a:t>
+              <a:t>28.11.2021</a:t>
             </a:fld>
             <a:endParaRPr lang="de-CH" dirty="0"/>
           </a:p>
@@ -4284,7 +4284,7 @@
           <a:p>
             <a:fld id="{DB4760C6-FC58-42BA-93A2-C68233C15ADD}" type="datetimeFigureOut">
               <a:rPr lang="de-CH" smtClean="0"/>
-              <a:t>01.11.2021</a:t>
+              <a:t>28.11.2021</a:t>
             </a:fld>
             <a:endParaRPr lang="de-CH" dirty="0"/>
           </a:p>
@@ -4426,7 +4426,7 @@
           <a:p>
             <a:fld id="{DB4760C6-FC58-42BA-93A2-C68233C15ADD}" type="datetimeFigureOut">
               <a:rPr lang="de-CH" smtClean="0"/>
-              <a:t>01.11.2021</a:t>
+              <a:t>28.11.2021</a:t>
             </a:fld>
             <a:endParaRPr lang="de-CH" dirty="0"/>
           </a:p>
@@ -4539,7 +4539,7 @@
           <a:p>
             <a:fld id="{DB4760C6-FC58-42BA-93A2-C68233C15ADD}" type="datetimeFigureOut">
               <a:rPr lang="de-CH" smtClean="0"/>
-              <a:t>01.11.2021</a:t>
+              <a:t>28.11.2021</a:t>
             </a:fld>
             <a:endParaRPr lang="de-CH" dirty="0"/>
           </a:p>
@@ -4852,7 +4852,7 @@
           <a:p>
             <a:fld id="{DB4760C6-FC58-42BA-93A2-C68233C15ADD}" type="datetimeFigureOut">
               <a:rPr lang="de-CH" smtClean="0"/>
-              <a:t>01.11.2021</a:t>
+              <a:t>28.11.2021</a:t>
             </a:fld>
             <a:endParaRPr lang="de-CH" dirty="0"/>
           </a:p>
@@ -5141,7 +5141,7 @@
           <a:p>
             <a:fld id="{DB4760C6-FC58-42BA-93A2-C68233C15ADD}" type="datetimeFigureOut">
               <a:rPr lang="de-CH" smtClean="0"/>
-              <a:t>01.11.2021</a:t>
+              <a:t>28.11.2021</a:t>
             </a:fld>
             <a:endParaRPr lang="de-CH" dirty="0"/>
           </a:p>
@@ -5384,7 +5384,7 @@
           <a:p>
             <a:fld id="{DB4760C6-FC58-42BA-93A2-C68233C15ADD}" type="datetimeFigureOut">
               <a:rPr lang="de-CH" smtClean="0"/>
-              <a:t>01.11.2021</a:t>
+              <a:t>28.11.2021</a:t>
             </a:fld>
             <a:endParaRPr lang="de-CH" dirty="0"/>
           </a:p>
@@ -5825,10 +5825,10 @@
       </p:grpSpPr>
       <p:pic>
         <p:nvPicPr>
-          <p:cNvPr id="18" name="Graphic 17">
-            <a:extLst>
-              <a:ext uri="{FF2B5EF4-FFF2-40B4-BE49-F238E27FC236}">
-                <a16:creationId xmlns:a16="http://schemas.microsoft.com/office/drawing/2014/main" id="{9DD73D03-C4AE-4869-AF00-8FB3E653C39C}"/>
+          <p:cNvPr id="39" name="Graphic 38">
+            <a:extLst>
+              <a:ext uri="{FF2B5EF4-FFF2-40B4-BE49-F238E27FC236}">
+                <a16:creationId xmlns:a16="http://schemas.microsoft.com/office/drawing/2014/main" id="{E40CD481-83FC-45E9-80A9-0235CB7B65BA}"/>
               </a:ext>
             </a:extLst>
           </p:cNvPr>
@@ -5845,6 +5845,45 @@
               </a:ext>
               <a:ext uri="{96DAC541-7B7A-43D3-8B79-37D633B846F1}">
                 <asvg:svgBlip xmlns:asvg="http://schemas.microsoft.com/office/drawing/2016/SVG/main" r:embed="rId4"/>
+              </a:ext>
+            </a:extLst>
+          </a:blip>
+          <a:stretch>
+            <a:fillRect/>
+          </a:stretch>
+        </p:blipFill>
+        <p:spPr>
+          <a:xfrm>
+            <a:off x="2072653" y="730547"/>
+            <a:ext cx="2218420" cy="1549678"/>
+          </a:xfrm>
+          <a:prstGeom prst="rect">
+            <a:avLst/>
+          </a:prstGeom>
+        </p:spPr>
+      </p:pic>
+      <p:pic>
+        <p:nvPicPr>
+          <p:cNvPr id="18" name="Graphic 17">
+            <a:extLst>
+              <a:ext uri="{FF2B5EF4-FFF2-40B4-BE49-F238E27FC236}">
+                <a16:creationId xmlns:a16="http://schemas.microsoft.com/office/drawing/2014/main" id="{9DD73D03-C4AE-4869-AF00-8FB3E653C39C}"/>
+              </a:ext>
+            </a:extLst>
+          </p:cNvPr>
+          <p:cNvPicPr>
+            <a:picLocks noChangeAspect="1"/>
+          </p:cNvPicPr>
+          <p:nvPr/>
+        </p:nvPicPr>
+        <p:blipFill>
+          <a:blip r:embed="rId5">
+            <a:extLst>
+              <a:ext uri="{28A0092B-C50C-407E-A947-70E740481C1C}">
+                <a14:useLocalDpi xmlns:a14="http://schemas.microsoft.com/office/drawing/2010/main" val="0"/>
+              </a:ext>
+              <a:ext uri="{96DAC541-7B7A-43D3-8B79-37D633B846F1}">
+                <asvg:svgBlip xmlns:asvg="http://schemas.microsoft.com/office/drawing/2016/SVG/main" r:embed="rId6"/>
               </a:ext>
             </a:extLst>
           </a:blip>
@@ -5856,45 +5895,6 @@
           <a:xfrm>
             <a:off x="7842078" y="32333"/>
             <a:ext cx="4831424" cy="2439577"/>
-          </a:xfrm>
-          <a:prstGeom prst="rect">
-            <a:avLst/>
-          </a:prstGeom>
-        </p:spPr>
-      </p:pic>
-      <p:pic>
-        <p:nvPicPr>
-          <p:cNvPr id="5" name="Graphic 4">
-            <a:extLst>
-              <a:ext uri="{FF2B5EF4-FFF2-40B4-BE49-F238E27FC236}">
-                <a16:creationId xmlns:a16="http://schemas.microsoft.com/office/drawing/2014/main" id="{C27C34EE-D6A6-40BB-A330-168E7E35B0B1}"/>
-              </a:ext>
-            </a:extLst>
-          </p:cNvPr>
-          <p:cNvPicPr>
-            <a:picLocks noChangeAspect="1"/>
-          </p:cNvPicPr>
-          <p:nvPr/>
-        </p:nvPicPr>
-        <p:blipFill>
-          <a:blip r:embed="rId5">
-            <a:extLst>
-              <a:ext uri="{28A0092B-C50C-407E-A947-70E740481C1C}">
-                <a14:useLocalDpi xmlns:a14="http://schemas.microsoft.com/office/drawing/2010/main" val="0"/>
-              </a:ext>
-              <a:ext uri="{96DAC541-7B7A-43D3-8B79-37D633B846F1}">
-                <asvg:svgBlip xmlns:asvg="http://schemas.microsoft.com/office/drawing/2016/SVG/main" r:embed="rId6"/>
-              </a:ext>
-            </a:extLst>
-          </a:blip>
-          <a:stretch>
-            <a:fillRect/>
-          </a:stretch>
-        </p:blipFill>
-        <p:spPr>
-          <a:xfrm>
-            <a:off x="1960945" y="689858"/>
-            <a:ext cx="2216491" cy="1472662"/>
           </a:xfrm>
           <a:prstGeom prst="rect">
             <a:avLst/>
@@ -6229,10 +6229,10 @@
         </p:nvGrpSpPr>
         <p:grpSpPr>
           <a:xfrm>
-            <a:off x="5754354" y="3801285"/>
-            <a:ext cx="7070824" cy="5798959"/>
-            <a:chOff x="5730776" y="3791129"/>
-            <a:chExt cx="7070824" cy="5798959"/>
+            <a:off x="5730776" y="3909771"/>
+            <a:ext cx="7070824" cy="5700537"/>
+            <a:chOff x="5707198" y="3947451"/>
+            <a:chExt cx="7070824" cy="5700537"/>
           </a:xfrm>
         </p:grpSpPr>
         <p:grpSp>
@@ -6249,10 +6249,10 @@
           </p:nvGrpSpPr>
           <p:grpSpPr>
             <a:xfrm>
-              <a:off x="5730776" y="3791129"/>
-              <a:ext cx="7070824" cy="5798959"/>
-              <a:chOff x="5781250" y="3663909"/>
-              <a:chExt cx="7070824" cy="5798959"/>
+              <a:off x="5707198" y="5627116"/>
+              <a:ext cx="7070824" cy="4020872"/>
+              <a:chOff x="5757672" y="5499896"/>
+              <a:chExt cx="7070824" cy="4020872"/>
             </a:xfrm>
           </p:grpSpPr>
           <p:pic>
@@ -6286,7 +6286,7 @@
             </p:blipFill>
             <p:spPr>
               <a:xfrm>
-                <a:off x="5781250" y="5441996"/>
+                <a:off x="5757672" y="5499896"/>
                 <a:ext cx="7070824" cy="4020872"/>
               </a:xfrm>
               <a:prstGeom prst="rect">
@@ -6296,10 +6296,10 @@
           </p:pic>
           <p:grpSp>
             <p:nvGrpSpPr>
-              <p:cNvPr id="66" name="Gruppieren 65">
+              <p:cNvPr id="35" name="Gruppieren 34">
                 <a:extLst>
                   <a:ext uri="{FF2B5EF4-FFF2-40B4-BE49-F238E27FC236}">
-                    <a16:creationId xmlns:a16="http://schemas.microsoft.com/office/drawing/2014/main" id="{8E14BD34-B7ED-4012-8C9B-D365B46CE077}"/>
+                    <a16:creationId xmlns:a16="http://schemas.microsoft.com/office/drawing/2014/main" id="{16EDE18A-02A7-44D8-A20A-3C509941202A}"/>
                   </a:ext>
                 </a:extLst>
               </p:cNvPr>
@@ -6308,405 +6308,267 @@
             </p:nvGrpSpPr>
             <p:grpSpPr>
               <a:xfrm>
-                <a:off x="6027706" y="3663909"/>
-                <a:ext cx="6824368" cy="5459719"/>
-                <a:chOff x="6027706" y="3679283"/>
-                <a:chExt cx="6824368" cy="5459719"/>
+                <a:off x="6536209" y="5533491"/>
+                <a:ext cx="5940997" cy="3590137"/>
+                <a:chOff x="6543484" y="5533491"/>
+                <a:chExt cx="5940997" cy="3590137"/>
               </a:xfrm>
             </p:grpSpPr>
-            <p:pic>
-              <p:nvPicPr>
-                <p:cNvPr id="19" name="Grafik 18">
+            <p:cxnSp>
+              <p:nvCxnSpPr>
+                <p:cNvPr id="22" name="Gerader Verbinder 21">
                   <a:extLst>
                     <a:ext uri="{FF2B5EF4-FFF2-40B4-BE49-F238E27FC236}">
-                      <a16:creationId xmlns:a16="http://schemas.microsoft.com/office/drawing/2014/main" id="{A3A76BA7-0E41-4A45-AEDB-B665D24383AC}"/>
+                      <a16:creationId xmlns:a16="http://schemas.microsoft.com/office/drawing/2014/main" id="{060334FD-A8AE-43A9-B869-C17D5B384003}"/>
                     </a:ext>
                   </a:extLst>
                 </p:cNvPr>
-                <p:cNvPicPr>
-                  <a:picLocks noChangeAspect="1"/>
-                </p:cNvPicPr>
+                <p:cNvCxnSpPr/>
                 <p:nvPr/>
-              </p:nvPicPr>
-              <p:blipFill>
-                <a:blip r:embed="rId11">
-                  <a:extLst>
-                    <a:ext uri="{28A0092B-C50C-407E-A947-70E740481C1C}">
-                      <a14:useLocalDpi xmlns:a14="http://schemas.microsoft.com/office/drawing/2010/main" val="0"/>
-                    </a:ext>
-                    <a:ext uri="{96DAC541-7B7A-43D3-8B79-37D633B846F1}">
-                      <asvg:svgBlip xmlns:asvg="http://schemas.microsoft.com/office/drawing/2016/SVG/main" r:embed="rId12"/>
-                    </a:ext>
-                  </a:extLst>
-                </a:blip>
-                <a:stretch>
-                  <a:fillRect/>
-                </a:stretch>
-              </p:blipFill>
+              </p:nvCxnSpPr>
               <p:spPr>
                 <a:xfrm>
-                  <a:off x="10206038" y="3679283"/>
-                  <a:ext cx="2646036" cy="2439577"/>
+                  <a:off x="6543484" y="8999803"/>
+                  <a:ext cx="0" cy="123825"/>
                 </a:xfrm>
-                <a:prstGeom prst="rect">
+                <a:prstGeom prst="line">
                   <a:avLst/>
                 </a:prstGeom>
+                <a:ln w="28575">
+                  <a:solidFill>
+                    <a:srgbClr val="002060"/>
+                  </a:solidFill>
+                </a:ln>
               </p:spPr>
-            </p:pic>
-            <p:grpSp>
-              <p:nvGrpSpPr>
-                <p:cNvPr id="35" name="Gruppieren 34">
+              <p:style>
+                <a:lnRef idx="1">
+                  <a:schemeClr val="accent1"/>
+                </a:lnRef>
+                <a:fillRef idx="0">
+                  <a:schemeClr val="accent1"/>
+                </a:fillRef>
+                <a:effectRef idx="0">
+                  <a:schemeClr val="accent1"/>
+                </a:effectRef>
+                <a:fontRef idx="minor">
+                  <a:schemeClr val="tx1"/>
+                </a:fontRef>
+              </p:style>
+            </p:cxnSp>
+            <p:cxnSp>
+              <p:nvCxnSpPr>
+                <p:cNvPr id="23" name="Gerader Verbinder 22">
                   <a:extLst>
                     <a:ext uri="{FF2B5EF4-FFF2-40B4-BE49-F238E27FC236}">
-                      <a16:creationId xmlns:a16="http://schemas.microsoft.com/office/drawing/2014/main" id="{16EDE18A-02A7-44D8-A20A-3C509941202A}"/>
+                      <a16:creationId xmlns:a16="http://schemas.microsoft.com/office/drawing/2014/main" id="{8AB45A94-1EA9-4A4B-BC28-14E71C0AB380}"/>
                     </a:ext>
                   </a:extLst>
                 </p:cNvPr>
-                <p:cNvGrpSpPr/>
+                <p:cNvCxnSpPr/>
                 <p:nvPr/>
-              </p:nvGrpSpPr>
-              <p:grpSpPr>
+              </p:nvCxnSpPr>
+              <p:spPr>
                 <a:xfrm>
-                  <a:off x="6027706" y="4939100"/>
-                  <a:ext cx="6445947" cy="4199902"/>
-                  <a:chOff x="6034981" y="4923726"/>
-                  <a:chExt cx="6445947" cy="4199902"/>
+                  <a:off x="10275891" y="7866328"/>
+                  <a:ext cx="0" cy="123825"/>
                 </a:xfrm>
-              </p:grpSpPr>
-              <p:pic>
-                <p:nvPicPr>
-                  <p:cNvPr id="3" name="Grafik 2">
-                    <a:extLst>
-                      <a:ext uri="{FF2B5EF4-FFF2-40B4-BE49-F238E27FC236}">
-                        <a16:creationId xmlns:a16="http://schemas.microsoft.com/office/drawing/2014/main" id="{FC7CF9F5-DF8E-491D-8E20-365055A718F3}"/>
-                      </a:ext>
-                    </a:extLst>
-                  </p:cNvPr>
-                  <p:cNvPicPr>
-                    <a:picLocks noChangeAspect="1"/>
-                  </p:cNvPicPr>
-                  <p:nvPr/>
-                </p:nvPicPr>
-                <p:blipFill>
-                  <a:blip r:embed="rId13">
-                    <a:extLst>
-                      <a:ext uri="{28A0092B-C50C-407E-A947-70E740481C1C}">
-                        <a14:useLocalDpi xmlns:a14="http://schemas.microsoft.com/office/drawing/2010/main" val="0"/>
-                      </a:ext>
-                      <a:ext uri="{96DAC541-7B7A-43D3-8B79-37D633B846F1}">
-                        <asvg:svgBlip xmlns:asvg="http://schemas.microsoft.com/office/drawing/2016/SVG/main" r:embed="rId14"/>
-                      </a:ext>
-                    </a:extLst>
-                  </a:blip>
-                  <a:stretch>
-                    <a:fillRect/>
-                  </a:stretch>
-                </p:blipFill>
-                <p:spPr>
-                  <a:xfrm>
-                    <a:off x="6034981" y="5756231"/>
-                    <a:ext cx="2787572" cy="2570071"/>
-                  </a:xfrm>
-                  <a:prstGeom prst="rect">
-                    <a:avLst/>
-                  </a:prstGeom>
-                </p:spPr>
-              </p:pic>
-              <p:pic>
-                <p:nvPicPr>
-                  <p:cNvPr id="6" name="Grafik 5">
-                    <a:extLst>
-                      <a:ext uri="{FF2B5EF4-FFF2-40B4-BE49-F238E27FC236}">
-                        <a16:creationId xmlns:a16="http://schemas.microsoft.com/office/drawing/2014/main" id="{D759D8F0-6618-4C6F-8518-DB93E6980790}"/>
-                      </a:ext>
-                    </a:extLst>
-                  </p:cNvPr>
-                  <p:cNvPicPr>
-                    <a:picLocks noChangeAspect="1"/>
-                  </p:cNvPicPr>
-                  <p:nvPr/>
-                </p:nvPicPr>
-                <p:blipFill>
-                  <a:blip r:embed="rId15">
-                    <a:extLst>
-                      <a:ext uri="{28A0092B-C50C-407E-A947-70E740481C1C}">
-                        <a14:useLocalDpi xmlns:a14="http://schemas.microsoft.com/office/drawing/2010/main" val="0"/>
-                      </a:ext>
-                      <a:ext uri="{96DAC541-7B7A-43D3-8B79-37D633B846F1}">
-                        <asvg:svgBlip xmlns:asvg="http://schemas.microsoft.com/office/drawing/2016/SVG/main" r:embed="rId16"/>
-                      </a:ext>
-                    </a:extLst>
-                  </a:blip>
-                  <a:stretch>
-                    <a:fillRect/>
-                  </a:stretch>
-                </p:blipFill>
-                <p:spPr>
-                  <a:xfrm>
-                    <a:off x="8034342" y="4923726"/>
-                    <a:ext cx="2901627" cy="2675227"/>
-                  </a:xfrm>
-                  <a:prstGeom prst="rect">
-                    <a:avLst/>
-                  </a:prstGeom>
-                </p:spPr>
-              </p:pic>
-              <p:cxnSp>
-                <p:nvCxnSpPr>
-                  <p:cNvPr id="22" name="Gerader Verbinder 21">
-                    <a:extLst>
-                      <a:ext uri="{FF2B5EF4-FFF2-40B4-BE49-F238E27FC236}">
-                        <a16:creationId xmlns:a16="http://schemas.microsoft.com/office/drawing/2014/main" id="{060334FD-A8AE-43A9-B869-C17D5B384003}"/>
-                      </a:ext>
-                    </a:extLst>
-                  </p:cNvPr>
-                  <p:cNvCxnSpPr/>
-                  <p:nvPr/>
-                </p:nvCxnSpPr>
-                <p:spPr>
-                  <a:xfrm>
-                    <a:off x="6534150" y="8999803"/>
-                    <a:ext cx="0" cy="123825"/>
-                  </a:xfrm>
-                  <a:prstGeom prst="line">
-                    <a:avLst/>
-                  </a:prstGeom>
-                  <a:ln w="28575">
-                    <a:solidFill>
-                      <a:srgbClr val="FF0000"/>
-                    </a:solidFill>
-                  </a:ln>
-                </p:spPr>
-                <p:style>
-                  <a:lnRef idx="1">
-                    <a:schemeClr val="accent1"/>
-                  </a:lnRef>
-                  <a:fillRef idx="0">
-                    <a:schemeClr val="accent1"/>
-                  </a:fillRef>
-                  <a:effectRef idx="0">
-                    <a:schemeClr val="accent1"/>
-                  </a:effectRef>
-                  <a:fontRef idx="minor">
-                    <a:schemeClr val="tx1"/>
-                  </a:fontRef>
-                </p:style>
-              </p:cxnSp>
-              <p:cxnSp>
-                <p:nvCxnSpPr>
-                  <p:cNvPr id="23" name="Gerader Verbinder 22">
-                    <a:extLst>
-                      <a:ext uri="{FF2B5EF4-FFF2-40B4-BE49-F238E27FC236}">
-                        <a16:creationId xmlns:a16="http://schemas.microsoft.com/office/drawing/2014/main" id="{8AB45A94-1EA9-4A4B-BC28-14E71C0AB380}"/>
-                      </a:ext>
-                    </a:extLst>
-                  </p:cNvPr>
-                  <p:cNvCxnSpPr/>
-                  <p:nvPr/>
-                </p:nvCxnSpPr>
-                <p:spPr>
-                  <a:xfrm>
-                    <a:off x="10275891" y="7866328"/>
-                    <a:ext cx="0" cy="123825"/>
-                  </a:xfrm>
-                  <a:prstGeom prst="line">
-                    <a:avLst/>
-                  </a:prstGeom>
-                  <a:ln w="28575">
-                    <a:solidFill>
-                      <a:srgbClr val="FF0000"/>
-                    </a:solidFill>
-                  </a:ln>
-                </p:spPr>
-                <p:style>
-                  <a:lnRef idx="1">
-                    <a:schemeClr val="accent1"/>
-                  </a:lnRef>
-                  <a:fillRef idx="0">
-                    <a:schemeClr val="accent1"/>
-                  </a:fillRef>
-                  <a:effectRef idx="0">
-                    <a:schemeClr val="accent1"/>
-                  </a:effectRef>
-                  <a:fontRef idx="minor">
-                    <a:schemeClr val="tx1"/>
-                  </a:fontRef>
-                </p:style>
-              </p:cxnSp>
-              <p:cxnSp>
-                <p:nvCxnSpPr>
-                  <p:cNvPr id="24" name="Gerader Verbinder 23">
-                    <a:extLst>
-                      <a:ext uri="{FF2B5EF4-FFF2-40B4-BE49-F238E27FC236}">
-                        <a16:creationId xmlns:a16="http://schemas.microsoft.com/office/drawing/2014/main" id="{22D702CB-976F-4C73-B5DA-F03B5DD10622}"/>
-                      </a:ext>
-                    </a:extLst>
-                  </p:cNvPr>
-                  <p:cNvCxnSpPr/>
-                  <p:nvPr/>
-                </p:nvCxnSpPr>
-                <p:spPr>
-                  <a:xfrm>
-                    <a:off x="12480928" y="5599378"/>
-                    <a:ext cx="0" cy="123825"/>
-                  </a:xfrm>
-                  <a:prstGeom prst="line">
-                    <a:avLst/>
-                  </a:prstGeom>
-                  <a:ln w="28575">
-                    <a:solidFill>
-                      <a:srgbClr val="FF0000"/>
-                    </a:solidFill>
-                  </a:ln>
-                </p:spPr>
-                <p:style>
-                  <a:lnRef idx="1">
-                    <a:schemeClr val="accent1"/>
-                  </a:lnRef>
-                  <a:fillRef idx="0">
-                    <a:schemeClr val="accent1"/>
-                  </a:fillRef>
-                  <a:effectRef idx="0">
-                    <a:schemeClr val="accent1"/>
-                  </a:effectRef>
-                  <a:fontRef idx="minor">
-                    <a:schemeClr val="tx1"/>
-                  </a:fontRef>
-                </p:style>
-              </p:cxnSp>
-              <p:cxnSp>
-                <p:nvCxnSpPr>
-                  <p:cNvPr id="28" name="Gerader Verbinder 27">
-                    <a:extLst>
-                      <a:ext uri="{FF2B5EF4-FFF2-40B4-BE49-F238E27FC236}">
-                        <a16:creationId xmlns:a16="http://schemas.microsoft.com/office/drawing/2014/main" id="{3A6DF717-525D-41B9-81ED-10FD176FAF57}"/>
-                      </a:ext>
-                    </a:extLst>
-                  </p:cNvPr>
-                  <p:cNvCxnSpPr>
-                    <a:cxnSpLocks/>
-                  </p:cNvCxnSpPr>
-                  <p:nvPr/>
-                </p:nvCxnSpPr>
-                <p:spPr>
-                  <a:xfrm flipV="1">
-                    <a:off x="6544318" y="7990153"/>
-                    <a:ext cx="561332" cy="1009650"/>
-                  </a:xfrm>
-                  <a:prstGeom prst="line">
-                    <a:avLst/>
-                  </a:prstGeom>
-                  <a:ln>
-                    <a:solidFill>
-                      <a:srgbClr val="FF0000"/>
-                    </a:solidFill>
-                    <a:prstDash val="sysDash"/>
-                  </a:ln>
-                </p:spPr>
-                <p:style>
-                  <a:lnRef idx="1">
-                    <a:schemeClr val="accent1"/>
-                  </a:lnRef>
-                  <a:fillRef idx="0">
-                    <a:schemeClr val="accent1"/>
-                  </a:fillRef>
-                  <a:effectRef idx="0">
-                    <a:schemeClr val="accent1"/>
-                  </a:effectRef>
-                  <a:fontRef idx="minor">
-                    <a:schemeClr val="tx1"/>
-                  </a:fontRef>
-                </p:style>
-              </p:cxnSp>
-              <p:cxnSp>
-                <p:nvCxnSpPr>
-                  <p:cNvPr id="31" name="Gerader Verbinder 30">
-                    <a:extLst>
-                      <a:ext uri="{FF2B5EF4-FFF2-40B4-BE49-F238E27FC236}">
-                        <a16:creationId xmlns:a16="http://schemas.microsoft.com/office/drawing/2014/main" id="{5478E7E8-C75C-4763-A615-B963AD9F4647}"/>
-                      </a:ext>
-                    </a:extLst>
-                  </p:cNvPr>
-                  <p:cNvCxnSpPr>
-                    <a:cxnSpLocks/>
-                  </p:cNvCxnSpPr>
-                  <p:nvPr/>
-                </p:nvCxnSpPr>
-                <p:spPr>
-                  <a:xfrm flipH="1" flipV="1">
-                    <a:off x="9701213" y="7179078"/>
-                    <a:ext cx="575319" cy="685939"/>
-                  </a:xfrm>
-                  <a:prstGeom prst="line">
-                    <a:avLst/>
-                  </a:prstGeom>
-                  <a:ln>
-                    <a:solidFill>
-                      <a:srgbClr val="FF0000"/>
-                    </a:solidFill>
-                    <a:prstDash val="sysDash"/>
-                  </a:ln>
-                </p:spPr>
-                <p:style>
-                  <a:lnRef idx="1">
-                    <a:schemeClr val="accent1"/>
-                  </a:lnRef>
-                  <a:fillRef idx="0">
-                    <a:schemeClr val="accent1"/>
-                  </a:fillRef>
-                  <a:effectRef idx="0">
-                    <a:schemeClr val="accent1"/>
-                  </a:effectRef>
-                  <a:fontRef idx="minor">
-                    <a:schemeClr val="tx1"/>
-                  </a:fontRef>
-                </p:style>
-              </p:cxnSp>
-              <p:cxnSp>
-                <p:nvCxnSpPr>
-                  <p:cNvPr id="33" name="Gerader Verbinder 32">
-                    <a:extLst>
-                      <a:ext uri="{FF2B5EF4-FFF2-40B4-BE49-F238E27FC236}">
-                        <a16:creationId xmlns:a16="http://schemas.microsoft.com/office/drawing/2014/main" id="{FD4CD525-6370-4521-9FDA-5EE059153D65}"/>
-                      </a:ext>
-                    </a:extLst>
-                  </p:cNvPr>
-                  <p:cNvCxnSpPr>
-                    <a:cxnSpLocks/>
-                  </p:cNvCxnSpPr>
-                  <p:nvPr/>
-                </p:nvCxnSpPr>
-                <p:spPr>
-                  <a:xfrm>
-                    <a:off x="12198350" y="5505450"/>
-                    <a:ext cx="282578" cy="133869"/>
-                  </a:xfrm>
-                  <a:prstGeom prst="line">
-                    <a:avLst/>
-                  </a:prstGeom>
-                  <a:ln>
-                    <a:solidFill>
-                      <a:srgbClr val="FF0000"/>
-                    </a:solidFill>
-                    <a:prstDash val="sysDash"/>
-                  </a:ln>
-                </p:spPr>
-                <p:style>
-                  <a:lnRef idx="1">
-                    <a:schemeClr val="accent1"/>
-                  </a:lnRef>
-                  <a:fillRef idx="0">
-                    <a:schemeClr val="accent1"/>
-                  </a:fillRef>
-                  <a:effectRef idx="0">
-                    <a:schemeClr val="accent1"/>
-                  </a:effectRef>
-                  <a:fontRef idx="minor">
-                    <a:schemeClr val="tx1"/>
-                  </a:fontRef>
-                </p:style>
-              </p:cxnSp>
-            </p:grpSp>
+                <a:prstGeom prst="line">
+                  <a:avLst/>
+                </a:prstGeom>
+                <a:ln w="28575">
+                  <a:solidFill>
+                    <a:srgbClr val="002060"/>
+                  </a:solidFill>
+                </a:ln>
+              </p:spPr>
+              <p:style>
+                <a:lnRef idx="1">
+                  <a:schemeClr val="accent1"/>
+                </a:lnRef>
+                <a:fillRef idx="0">
+                  <a:schemeClr val="accent1"/>
+                </a:fillRef>
+                <a:effectRef idx="0">
+                  <a:schemeClr val="accent1"/>
+                </a:effectRef>
+                <a:fontRef idx="minor">
+                  <a:schemeClr val="tx1"/>
+                </a:fontRef>
+              </p:style>
+            </p:cxnSp>
+            <p:cxnSp>
+              <p:nvCxnSpPr>
+                <p:cNvPr id="24" name="Gerader Verbinder 23">
+                  <a:extLst>
+                    <a:ext uri="{FF2B5EF4-FFF2-40B4-BE49-F238E27FC236}">
+                      <a16:creationId xmlns:a16="http://schemas.microsoft.com/office/drawing/2014/main" id="{22D702CB-976F-4C73-B5DA-F03B5DD10622}"/>
+                    </a:ext>
+                  </a:extLst>
+                </p:cNvPr>
+                <p:cNvCxnSpPr/>
+                <p:nvPr/>
+              </p:nvCxnSpPr>
+              <p:spPr>
+                <a:xfrm>
+                  <a:off x="12480928" y="5670816"/>
+                  <a:ext cx="0" cy="123825"/>
+                </a:xfrm>
+                <a:prstGeom prst="line">
+                  <a:avLst/>
+                </a:prstGeom>
+                <a:ln w="28575">
+                  <a:solidFill>
+                    <a:srgbClr val="90EE90"/>
+                  </a:solidFill>
+                </a:ln>
+              </p:spPr>
+              <p:style>
+                <a:lnRef idx="1">
+                  <a:schemeClr val="accent1"/>
+                </a:lnRef>
+                <a:fillRef idx="0">
+                  <a:schemeClr val="accent1"/>
+                </a:fillRef>
+                <a:effectRef idx="0">
+                  <a:schemeClr val="accent1"/>
+                </a:effectRef>
+                <a:fontRef idx="minor">
+                  <a:schemeClr val="tx1"/>
+                </a:fontRef>
+              </p:style>
+            </p:cxnSp>
+            <p:cxnSp>
+              <p:nvCxnSpPr>
+                <p:cNvPr id="28" name="Gerader Verbinder 27">
+                  <a:extLst>
+                    <a:ext uri="{FF2B5EF4-FFF2-40B4-BE49-F238E27FC236}">
+                      <a16:creationId xmlns:a16="http://schemas.microsoft.com/office/drawing/2014/main" id="{3A6DF717-525D-41B9-81ED-10FD176FAF57}"/>
+                    </a:ext>
+                  </a:extLst>
+                </p:cNvPr>
+                <p:cNvCxnSpPr>
+                  <a:cxnSpLocks/>
+                </p:cNvCxnSpPr>
+                <p:nvPr/>
+              </p:nvCxnSpPr>
+              <p:spPr>
+                <a:xfrm flipV="1">
+                  <a:off x="6544318" y="7990153"/>
+                  <a:ext cx="561332" cy="1009650"/>
+                </a:xfrm>
+                <a:prstGeom prst="line">
+                  <a:avLst/>
+                </a:prstGeom>
+                <a:ln>
+                  <a:solidFill>
+                    <a:srgbClr val="002060"/>
+                  </a:solidFill>
+                  <a:prstDash val="sysDash"/>
+                </a:ln>
+              </p:spPr>
+              <p:style>
+                <a:lnRef idx="1">
+                  <a:schemeClr val="accent1"/>
+                </a:lnRef>
+                <a:fillRef idx="0">
+                  <a:schemeClr val="accent1"/>
+                </a:fillRef>
+                <a:effectRef idx="0">
+                  <a:schemeClr val="accent1"/>
+                </a:effectRef>
+                <a:fontRef idx="minor">
+                  <a:schemeClr val="tx1"/>
+                </a:fontRef>
+              </p:style>
+            </p:cxnSp>
+            <p:cxnSp>
+              <p:nvCxnSpPr>
+                <p:cNvPr id="31" name="Gerader Verbinder 30">
+                  <a:extLst>
+                    <a:ext uri="{FF2B5EF4-FFF2-40B4-BE49-F238E27FC236}">
+                      <a16:creationId xmlns:a16="http://schemas.microsoft.com/office/drawing/2014/main" id="{5478E7E8-C75C-4763-A615-B963AD9F4647}"/>
+                    </a:ext>
+                  </a:extLst>
+                </p:cNvPr>
+                <p:cNvCxnSpPr>
+                  <a:cxnSpLocks/>
+                </p:cNvCxnSpPr>
+                <p:nvPr/>
+              </p:nvCxnSpPr>
+              <p:spPr>
+                <a:xfrm flipH="1" flipV="1">
+                  <a:off x="9685426" y="7202774"/>
+                  <a:ext cx="575319" cy="685939"/>
+                </a:xfrm>
+                <a:prstGeom prst="line">
+                  <a:avLst/>
+                </a:prstGeom>
+                <a:ln>
+                  <a:solidFill>
+                    <a:srgbClr val="002060"/>
+                  </a:solidFill>
+                  <a:prstDash val="sysDash"/>
+                </a:ln>
+              </p:spPr>
+              <p:style>
+                <a:lnRef idx="1">
+                  <a:schemeClr val="accent1"/>
+                </a:lnRef>
+                <a:fillRef idx="0">
+                  <a:schemeClr val="accent1"/>
+                </a:fillRef>
+                <a:effectRef idx="0">
+                  <a:schemeClr val="accent1"/>
+                </a:effectRef>
+                <a:fontRef idx="minor">
+                  <a:schemeClr val="tx1"/>
+                </a:fontRef>
+              </p:style>
+            </p:cxnSp>
+            <p:cxnSp>
+              <p:nvCxnSpPr>
+                <p:cNvPr id="33" name="Gerader Verbinder 32">
+                  <a:extLst>
+                    <a:ext uri="{FF2B5EF4-FFF2-40B4-BE49-F238E27FC236}">
+                      <a16:creationId xmlns:a16="http://schemas.microsoft.com/office/drawing/2014/main" id="{FD4CD525-6370-4521-9FDA-5EE059153D65}"/>
+                    </a:ext>
+                  </a:extLst>
+                </p:cNvPr>
+                <p:cNvCxnSpPr>
+                  <a:cxnSpLocks/>
+                </p:cNvCxnSpPr>
+                <p:nvPr/>
+              </p:nvCxnSpPr>
+              <p:spPr>
+                <a:xfrm>
+                  <a:off x="12201903" y="5533491"/>
+                  <a:ext cx="282578" cy="133869"/>
+                </a:xfrm>
+                <a:prstGeom prst="line">
+                  <a:avLst/>
+                </a:prstGeom>
+                <a:ln>
+                  <a:solidFill>
+                    <a:srgbClr val="90EE90"/>
+                  </a:solidFill>
+                  <a:prstDash val="sysDash"/>
+                </a:ln>
+              </p:spPr>
+              <p:style>
+                <a:lnRef idx="1">
+                  <a:schemeClr val="accent1"/>
+                </a:lnRef>
+                <a:fillRef idx="0">
+                  <a:schemeClr val="accent1"/>
+                </a:fillRef>
+                <a:effectRef idx="0">
+                  <a:schemeClr val="accent1"/>
+                </a:effectRef>
+                <a:fontRef idx="minor">
+                  <a:schemeClr val="tx1"/>
+                </a:fontRef>
+              </p:style>
+            </p:cxnSp>
           </p:grpSp>
         </p:grpSp>
         <p:sp>
@@ -6787,15 +6649,15 @@
           </p:nvCxnSpPr>
           <p:spPr>
             <a:xfrm flipV="1">
-              <a:off x="12012028" y="5829993"/>
-              <a:ext cx="411151" cy="1714633"/>
+              <a:off x="12239860" y="5944351"/>
+              <a:ext cx="183319" cy="1728613"/>
             </a:xfrm>
             <a:prstGeom prst="line">
               <a:avLst/>
             </a:prstGeom>
-            <a:ln>
+            <a:ln w="28575">
               <a:solidFill>
-                <a:srgbClr val="FF0000"/>
+                <a:srgbClr val="90EE90"/>
               </a:solidFill>
               <a:prstDash val="sysDash"/>
             </a:ln>
@@ -6980,10 +6842,10 @@
         </p:nvGrpSpPr>
         <p:grpSpPr>
           <a:xfrm>
-            <a:off x="1986878" y="1136595"/>
-            <a:ext cx="2254960" cy="2424163"/>
-            <a:chOff x="2088401" y="973088"/>
-            <a:chExt cx="2254960" cy="2424163"/>
+            <a:off x="2047445" y="684893"/>
+            <a:ext cx="2342817" cy="3095017"/>
+            <a:chOff x="2000544" y="302234"/>
+            <a:chExt cx="2342817" cy="3095017"/>
           </a:xfrm>
         </p:grpSpPr>
         <p:sp>
@@ -7052,7 +6914,7 @@
           </p:nvCxnSpPr>
           <p:spPr>
             <a:xfrm flipV="1">
-              <a:off x="2088401" y="973088"/>
+              <a:off x="2000544" y="302234"/>
               <a:ext cx="1156284" cy="1013707"/>
             </a:xfrm>
             <a:prstGeom prst="line">
@@ -7060,7 +6922,7 @@
             </a:prstGeom>
             <a:ln>
               <a:solidFill>
-                <a:srgbClr val="FF0000"/>
+                <a:srgbClr val="90EE90"/>
               </a:solidFill>
               <a:prstDash val="sysDash"/>
             </a:ln>
@@ -7096,13 +6958,13 @@
           <p:nvPr/>
         </p:nvPicPr>
         <p:blipFill>
-          <a:blip r:embed="rId17">
+          <a:blip r:embed="rId11">
             <a:extLst>
               <a:ext uri="{28A0092B-C50C-407E-A947-70E740481C1C}">
                 <a14:useLocalDpi xmlns:a14="http://schemas.microsoft.com/office/drawing/2010/main" val="0"/>
               </a:ext>
               <a:ext uri="{96DAC541-7B7A-43D3-8B79-37D633B846F1}">
-                <asvg:svgBlip xmlns:asvg="http://schemas.microsoft.com/office/drawing/2016/SVG/main" r:embed="rId18"/>
+                <asvg:svgBlip xmlns:asvg="http://schemas.microsoft.com/office/drawing/2016/SVG/main" r:embed="rId12"/>
               </a:ext>
             </a:extLst>
           </a:blip>
@@ -7213,13 +7075,13 @@
           <p:nvPr/>
         </p:nvPicPr>
         <p:blipFill>
-          <a:blip r:embed="rId19">
+          <a:blip r:embed="rId13">
             <a:extLst>
               <a:ext uri="{28A0092B-C50C-407E-A947-70E740481C1C}">
                 <a14:useLocalDpi xmlns:a14="http://schemas.microsoft.com/office/drawing/2010/main" val="0"/>
               </a:ext>
               <a:ext uri="{96DAC541-7B7A-43D3-8B79-37D633B846F1}">
-                <asvg:svgBlip xmlns:asvg="http://schemas.microsoft.com/office/drawing/2016/SVG/main" r:embed="rId20"/>
+                <asvg:svgBlip xmlns:asvg="http://schemas.microsoft.com/office/drawing/2016/SVG/main" r:embed="rId14"/>
               </a:ext>
             </a:extLst>
           </a:blip>
@@ -7229,7 +7091,7 @@
         </p:blipFill>
         <p:spPr>
           <a:xfrm>
-            <a:off x="-922304" y="932026"/>
+            <a:off x="-873992" y="929027"/>
             <a:ext cx="4237367" cy="2815355"/>
           </a:xfrm>
           <a:prstGeom prst="rect">
@@ -7239,45 +7101,6 @@
       </p:pic>
       <p:pic>
         <p:nvPicPr>
-          <p:cNvPr id="25" name="Graphic 24">
-            <a:extLst>
-              <a:ext uri="{FF2B5EF4-FFF2-40B4-BE49-F238E27FC236}">
-                <a16:creationId xmlns:a16="http://schemas.microsoft.com/office/drawing/2014/main" id="{823C0F4C-6FCF-4454-A87E-522AFB89119D}"/>
-              </a:ext>
-            </a:extLst>
-          </p:cNvPr>
-          <p:cNvPicPr>
-            <a:picLocks noChangeAspect="1"/>
-          </p:cNvPicPr>
-          <p:nvPr/>
-        </p:nvPicPr>
-        <p:blipFill>
-          <a:blip r:embed="rId21">
-            <a:extLst>
-              <a:ext uri="{28A0092B-C50C-407E-A947-70E740481C1C}">
-                <a14:useLocalDpi xmlns:a14="http://schemas.microsoft.com/office/drawing/2010/main" val="0"/>
-              </a:ext>
-              <a:ext uri="{96DAC541-7B7A-43D3-8B79-37D633B846F1}">
-                <asvg:svgBlip xmlns:asvg="http://schemas.microsoft.com/office/drawing/2016/SVG/main" r:embed="rId22"/>
-              </a:ext>
-            </a:extLst>
-          </a:blip>
-          <a:stretch>
-            <a:fillRect/>
-          </a:stretch>
-        </p:blipFill>
-        <p:spPr>
-          <a:xfrm>
-            <a:off x="10713427" y="7591388"/>
-            <a:ext cx="2621088" cy="1741481"/>
-          </a:xfrm>
-          <a:prstGeom prst="rect">
-            <a:avLst/>
-          </a:prstGeom>
-        </p:spPr>
-      </p:pic>
-      <p:pic>
-        <p:nvPicPr>
           <p:cNvPr id="1026" name="Picture 2" descr="Autoindex Schweiz | Autonummern online suchen ...">
             <a:extLst>
               <a:ext uri="{FF2B5EF4-FFF2-40B4-BE49-F238E27FC236}">
@@ -7291,7 +7114,7 @@
           <p:nvPr/>
         </p:nvPicPr>
         <p:blipFill>
-          <a:blip r:embed="rId23">
+          <a:blip r:embed="rId15">
             <a:extLst>
               <a:ext uri="{28A0092B-C50C-407E-A947-70E740481C1C}">
                 <a14:useLocalDpi xmlns:a14="http://schemas.microsoft.com/office/drawing/2010/main" val="0"/>
@@ -7578,13 +7401,13 @@
           <p:nvPr/>
         </p:nvPicPr>
         <p:blipFill>
-          <a:blip r:embed="rId24">
+          <a:blip r:embed="rId16">
             <a:extLst>
               <a:ext uri="{28A0092B-C50C-407E-A947-70E740481C1C}">
                 <a14:useLocalDpi xmlns:a14="http://schemas.microsoft.com/office/drawing/2010/main" val="0"/>
               </a:ext>
               <a:ext uri="{96DAC541-7B7A-43D3-8B79-37D633B846F1}">
-                <asvg:svgBlip xmlns:asvg="http://schemas.microsoft.com/office/drawing/2016/SVG/main" r:embed="rId25"/>
+                <asvg:svgBlip xmlns:asvg="http://schemas.microsoft.com/office/drawing/2016/SVG/main" r:embed="rId17"/>
               </a:ext>
             </a:extLst>
           </a:blip>
@@ -7617,13 +7440,13 @@
           <p:nvPr/>
         </p:nvPicPr>
         <p:blipFill>
-          <a:blip r:embed="rId26">
+          <a:blip r:embed="rId18">
             <a:extLst>
               <a:ext uri="{28A0092B-C50C-407E-A947-70E740481C1C}">
                 <a14:useLocalDpi xmlns:a14="http://schemas.microsoft.com/office/drawing/2010/main" val="0"/>
               </a:ext>
               <a:ext uri="{96DAC541-7B7A-43D3-8B79-37D633B846F1}">
-                <asvg:svgBlip xmlns:asvg="http://schemas.microsoft.com/office/drawing/2016/SVG/main" r:embed="rId27"/>
+                <asvg:svgBlip xmlns:asvg="http://schemas.microsoft.com/office/drawing/2016/SVG/main" r:embed="rId19"/>
               </a:ext>
             </a:extLst>
           </a:blip>
@@ -7635,6 +7458,162 @@
           <a:xfrm>
             <a:off x="9177892" y="2342494"/>
             <a:ext cx="3447812" cy="1740937"/>
+          </a:xfrm>
+          <a:prstGeom prst="rect">
+            <a:avLst/>
+          </a:prstGeom>
+        </p:spPr>
+      </p:pic>
+      <p:pic>
+        <p:nvPicPr>
+          <p:cNvPr id="10" name="Graphic 9">
+            <a:extLst>
+              <a:ext uri="{FF2B5EF4-FFF2-40B4-BE49-F238E27FC236}">
+                <a16:creationId xmlns:a16="http://schemas.microsoft.com/office/drawing/2014/main" id="{28B6DDB2-F126-4640-8859-1448D90160C9}"/>
+              </a:ext>
+            </a:extLst>
+          </p:cNvPr>
+          <p:cNvPicPr>
+            <a:picLocks noChangeAspect="1"/>
+          </p:cNvPicPr>
+          <p:nvPr/>
+        </p:nvPicPr>
+        <p:blipFill>
+          <a:blip r:embed="rId20">
+            <a:extLst>
+              <a:ext uri="{28A0092B-C50C-407E-A947-70E740481C1C}">
+                <a14:useLocalDpi xmlns:a14="http://schemas.microsoft.com/office/drawing/2010/main" val="0"/>
+              </a:ext>
+              <a:ext uri="{96DAC541-7B7A-43D3-8B79-37D633B846F1}">
+                <asvg:svgBlip xmlns:asvg="http://schemas.microsoft.com/office/drawing/2016/SVG/main" r:embed="rId21"/>
+              </a:ext>
+            </a:extLst>
+          </a:blip>
+          <a:stretch>
+            <a:fillRect/>
+          </a:stretch>
+        </p:blipFill>
+        <p:spPr>
+          <a:xfrm>
+            <a:off x="6036242" y="5933656"/>
+            <a:ext cx="2570072" cy="2570072"/>
+          </a:xfrm>
+          <a:prstGeom prst="rect">
+            <a:avLst/>
+          </a:prstGeom>
+        </p:spPr>
+      </p:pic>
+      <p:pic>
+        <p:nvPicPr>
+          <p:cNvPr id="15" name="Graphic 14">
+            <a:extLst>
+              <a:ext uri="{FF2B5EF4-FFF2-40B4-BE49-F238E27FC236}">
+                <a16:creationId xmlns:a16="http://schemas.microsoft.com/office/drawing/2014/main" id="{91125A80-6444-4FAA-BF32-7BD118397D2F}"/>
+              </a:ext>
+            </a:extLst>
+          </p:cNvPr>
+          <p:cNvPicPr>
+            <a:picLocks noChangeAspect="1"/>
+          </p:cNvPicPr>
+          <p:nvPr/>
+        </p:nvPicPr>
+        <p:blipFill>
+          <a:blip r:embed="rId22">
+            <a:extLst>
+              <a:ext uri="{28A0092B-C50C-407E-A947-70E740481C1C}">
+                <a14:useLocalDpi xmlns:a14="http://schemas.microsoft.com/office/drawing/2010/main" val="0"/>
+              </a:ext>
+              <a:ext uri="{96DAC541-7B7A-43D3-8B79-37D633B846F1}">
+                <asvg:svgBlip xmlns:asvg="http://schemas.microsoft.com/office/drawing/2016/SVG/main" r:embed="rId23"/>
+              </a:ext>
+            </a:extLst>
+          </a:blip>
+          <a:stretch>
+            <a:fillRect/>
+          </a:stretch>
+        </p:blipFill>
+        <p:spPr>
+          <a:xfrm>
+            <a:off x="8109309" y="5012212"/>
+            <a:ext cx="2675227" cy="2675227"/>
+          </a:xfrm>
+          <a:prstGeom prst="rect">
+            <a:avLst/>
+          </a:prstGeom>
+        </p:spPr>
+      </p:pic>
+      <p:pic>
+        <p:nvPicPr>
+          <p:cNvPr id="20" name="Graphic 19">
+            <a:extLst>
+              <a:ext uri="{FF2B5EF4-FFF2-40B4-BE49-F238E27FC236}">
+                <a16:creationId xmlns:a16="http://schemas.microsoft.com/office/drawing/2014/main" id="{ACD4CFCF-351F-4206-9E1D-FC719D8A1305}"/>
+              </a:ext>
+            </a:extLst>
+          </p:cNvPr>
+          <p:cNvPicPr>
+            <a:picLocks noChangeAspect="1"/>
+          </p:cNvPicPr>
+          <p:nvPr/>
+        </p:nvPicPr>
+        <p:blipFill>
+          <a:blip r:embed="rId24">
+            <a:extLst>
+              <a:ext uri="{28A0092B-C50C-407E-A947-70E740481C1C}">
+                <a14:useLocalDpi xmlns:a14="http://schemas.microsoft.com/office/drawing/2010/main" val="0"/>
+              </a:ext>
+              <a:ext uri="{96DAC541-7B7A-43D3-8B79-37D633B846F1}">
+                <asvg:svgBlip xmlns:asvg="http://schemas.microsoft.com/office/drawing/2016/SVG/main" r:embed="rId25"/>
+              </a:ext>
+            </a:extLst>
+          </a:blip>
+          <a:stretch>
+            <a:fillRect/>
+          </a:stretch>
+        </p:blipFill>
+        <p:spPr>
+          <a:xfrm>
+            <a:off x="9804517" y="3766660"/>
+            <a:ext cx="3563681" cy="2489412"/>
+          </a:xfrm>
+          <a:prstGeom prst="rect">
+            <a:avLst/>
+          </a:prstGeom>
+        </p:spPr>
+      </p:pic>
+      <p:pic>
+        <p:nvPicPr>
+          <p:cNvPr id="30" name="Graphic 29">
+            <a:extLst>
+              <a:ext uri="{FF2B5EF4-FFF2-40B4-BE49-F238E27FC236}">
+                <a16:creationId xmlns:a16="http://schemas.microsoft.com/office/drawing/2014/main" id="{588FD51B-3A9D-470E-B4E7-AD15CAAAB148}"/>
+              </a:ext>
+            </a:extLst>
+          </p:cNvPr>
+          <p:cNvPicPr>
+            <a:picLocks noChangeAspect="1"/>
+          </p:cNvPicPr>
+          <p:nvPr/>
+        </p:nvPicPr>
+        <p:blipFill>
+          <a:blip r:embed="rId26">
+            <a:extLst>
+              <a:ext uri="{28A0092B-C50C-407E-A947-70E740481C1C}">
+                <a14:useLocalDpi xmlns:a14="http://schemas.microsoft.com/office/drawing/2010/main" val="0"/>
+              </a:ext>
+              <a:ext uri="{96DAC541-7B7A-43D3-8B79-37D633B846F1}">
+                <asvg:svgBlip xmlns:asvg="http://schemas.microsoft.com/office/drawing/2016/SVG/main" r:embed="rId27"/>
+              </a:ext>
+            </a:extLst>
+          </a:blip>
+          <a:stretch>
+            <a:fillRect/>
+          </a:stretch>
+        </p:blipFill>
+        <p:spPr>
+          <a:xfrm>
+            <a:off x="11230532" y="7683120"/>
+            <a:ext cx="1745545" cy="1745545"/>
           </a:xfrm>
           <a:prstGeom prst="rect">
             <a:avLst/>
@@ -8245,9 +8224,12 @@
 </file>
 
 <file path=customXml/item1.xml><?xml version="1.0" encoding="utf-8"?>
-<p:properties xmlns:p="http://schemas.microsoft.com/office/2006/metadata/properties" xmlns:xsi="http://www.w3.org/2001/XMLSchema-instance" xmlns:pc="http://schemas.microsoft.com/office/infopath/2007/PartnerControls">
-  <documentManagement/>
-</p:properties>
+<?mso-contentType ?>
+<FormTemplates xmlns="http://schemas.microsoft.com/sharepoint/v3/contenttype/forms">
+  <Display>DocumentLibraryForm</Display>
+  <Edit>DocumentLibraryForm</Edit>
+  <New>DocumentLibraryForm</New>
+</FormTemplates>
 </file>
 
 <file path=customXml/item2.xml><?xml version="1.0" encoding="utf-8"?>
@@ -8423,19 +8405,15 @@
 </file>
 
 <file path=customXml/item3.xml><?xml version="1.0" encoding="utf-8"?>
-<?mso-contentType ?>
-<FormTemplates xmlns="http://schemas.microsoft.com/sharepoint/v3/contenttype/forms">
-  <Display>DocumentLibraryForm</Display>
-  <Edit>DocumentLibraryForm</Edit>
-  <New>DocumentLibraryForm</New>
-</FormTemplates>
+<p:properties xmlns:p="http://schemas.microsoft.com/office/2006/metadata/properties" xmlns:xsi="http://www.w3.org/2001/XMLSchema-instance" xmlns:pc="http://schemas.microsoft.com/office/infopath/2007/PartnerControls">
+  <documentManagement/>
+</p:properties>
 </file>
 
 <file path=customXml/itemProps1.xml><?xml version="1.0" encoding="utf-8"?>
-<ds:datastoreItem xmlns:ds="http://schemas.openxmlformats.org/officeDocument/2006/customXml" ds:itemID="{1B84A066-B9C1-47C0-B8C0-D3C87E2C5F94}">
+<ds:datastoreItem xmlns:ds="http://schemas.openxmlformats.org/officeDocument/2006/customXml" ds:itemID="{C366BCF5-DB75-4319-AED8-3BF0FDE6F515}">
   <ds:schemaRefs>
-    <ds:schemaRef ds:uri="http://schemas.microsoft.com/office/2006/metadata/properties"/>
-    <ds:schemaRef ds:uri="http://schemas.microsoft.com/office/infopath/2007/PartnerControls"/>
+    <ds:schemaRef ds:uri="http://schemas.microsoft.com/sharepoint/v3/contenttype/forms"/>
   </ds:schemaRefs>
 </ds:datastoreItem>
 </file>
@@ -8459,9 +8437,10 @@
 </file>
 
 <file path=customXml/itemProps3.xml><?xml version="1.0" encoding="utf-8"?>
-<ds:datastoreItem xmlns:ds="http://schemas.openxmlformats.org/officeDocument/2006/customXml" ds:itemID="{C366BCF5-DB75-4319-AED8-3BF0FDE6F515}">
+<ds:datastoreItem xmlns:ds="http://schemas.openxmlformats.org/officeDocument/2006/customXml" ds:itemID="{1B84A066-B9C1-47C0-B8C0-D3C87E2C5F94}">
   <ds:schemaRefs>
-    <ds:schemaRef ds:uri="http://schemas.microsoft.com/sharepoint/v3/contenttype/forms"/>
+    <ds:schemaRef ds:uri="http://schemas.microsoft.com/office/2006/metadata/properties"/>
+    <ds:schemaRef ds:uri="http://schemas.microsoft.com/office/infopath/2007/PartnerControls"/>
   </ds:schemaRefs>
 </ds:datastoreItem>
 </file>